--- a/課題研究/2014/石井康之/1242005ポスター.pptx
+++ b/課題研究/2014/石井康之/1242005ポスター.pptx
@@ -5,7 +5,7 @@
     <p:sldMasterId id="2147483720" r:id="rId1"/>
   </p:sldMasterIdLst>
   <p:sldIdLst>
-    <p:sldId id="258" r:id="rId2"/>
+    <p:sldId id="259" r:id="rId2"/>
   </p:sldIdLst>
   <p:sldSz cx="21386800" cy="30279975"/>
   <p:notesSz cx="6858000" cy="9144000"/>
@@ -548,7 +548,7 @@
           <a:p>
             <a:fld id="{CD18CB5A-6947-405F-A94A-52FF85729738}" type="datetimeFigureOut">
               <a:rPr kumimoji="1" lang="ja-JP" altLang="en-US" smtClean="0"/>
-              <a:t>2014/12/10</a:t>
+              <a:t>2014/12/16</a:t>
             </a:fld>
             <a:endParaRPr kumimoji="1" lang="ja-JP" altLang="en-US"/>
           </a:p>
@@ -792,7 +792,7 @@
           <a:p>
             <a:fld id="{CD18CB5A-6947-405F-A94A-52FF85729738}" type="datetimeFigureOut">
               <a:rPr kumimoji="1" lang="ja-JP" altLang="en-US" smtClean="0"/>
-              <a:t>2014/12/10</a:t>
+              <a:t>2014/12/16</a:t>
             </a:fld>
             <a:endParaRPr kumimoji="1" lang="ja-JP" altLang="en-US"/>
           </a:p>
@@ -1011,7 +1011,7 @@
           <a:p>
             <a:fld id="{CD18CB5A-6947-405F-A94A-52FF85729738}" type="datetimeFigureOut">
               <a:rPr kumimoji="1" lang="ja-JP" altLang="en-US" smtClean="0"/>
-              <a:t>2014/12/10</a:t>
+              <a:t>2014/12/16</a:t>
             </a:fld>
             <a:endParaRPr kumimoji="1" lang="ja-JP" altLang="en-US"/>
           </a:p>
@@ -1108,7 +1108,7 @@
           <a:p>
             <a:fld id="{CD18CB5A-6947-405F-A94A-52FF85729738}" type="datetimeFigureOut">
               <a:rPr kumimoji="1" lang="ja-JP" altLang="en-US" smtClean="0"/>
-              <a:t>2014/12/10</a:t>
+              <a:t>2014/12/16</a:t>
             </a:fld>
             <a:endParaRPr kumimoji="1" lang="ja-JP" altLang="en-US"/>
           </a:p>
@@ -1736,7 +1736,7 @@
           <a:p>
             <a:fld id="{CD18CB5A-6947-405F-A94A-52FF85729738}" type="datetimeFigureOut">
               <a:rPr kumimoji="1" lang="ja-JP" altLang="en-US" smtClean="0"/>
-              <a:t>2014/12/10</a:t>
+              <a:t>2014/12/16</a:t>
             </a:fld>
             <a:endParaRPr kumimoji="1" lang="ja-JP" altLang="en-US"/>
           </a:p>
@@ -1833,7 +1833,7 @@
           <a:p>
             <a:fld id="{CD18CB5A-6947-405F-A94A-52FF85729738}" type="datetimeFigureOut">
               <a:rPr kumimoji="1" lang="ja-JP" altLang="en-US" smtClean="0"/>
-              <a:t>2014/12/10</a:t>
+              <a:t>2014/12/16</a:t>
             </a:fld>
             <a:endParaRPr kumimoji="1" lang="ja-JP" altLang="en-US"/>
           </a:p>
@@ -2566,7 +2566,7 @@
           <a:p>
             <a:fld id="{CD18CB5A-6947-405F-A94A-52FF85729738}" type="datetimeFigureOut">
               <a:rPr kumimoji="1" lang="ja-JP" altLang="en-US" smtClean="0"/>
-              <a:t>2014/12/10</a:t>
+              <a:t>2014/12/16</a:t>
             </a:fld>
             <a:endParaRPr kumimoji="1" lang="ja-JP" altLang="en-US"/>
           </a:p>
@@ -2709,7 +2709,7 @@
           <a:p>
             <a:fld id="{CD18CB5A-6947-405F-A94A-52FF85729738}" type="datetimeFigureOut">
               <a:rPr kumimoji="1" lang="ja-JP" altLang="en-US" smtClean="0"/>
-              <a:t>2014/12/10</a:t>
+              <a:t>2014/12/16</a:t>
             </a:fld>
             <a:endParaRPr kumimoji="1" lang="ja-JP" altLang="en-US"/>
           </a:p>
@@ -2806,7 +2806,7 @@
           <a:p>
             <a:fld id="{CD18CB5A-6947-405F-A94A-52FF85729738}" type="datetimeFigureOut">
               <a:rPr kumimoji="1" lang="ja-JP" altLang="en-US" smtClean="0"/>
-              <a:t>2014/12/10</a:t>
+              <a:t>2014/12/16</a:t>
             </a:fld>
             <a:endParaRPr kumimoji="1" lang="ja-JP" altLang="en-US"/>
           </a:p>
@@ -3122,7 +3122,7 @@
           <a:p>
             <a:fld id="{CD18CB5A-6947-405F-A94A-52FF85729738}" type="datetimeFigureOut">
               <a:rPr kumimoji="1" lang="ja-JP" altLang="en-US" smtClean="0"/>
-              <a:t>2014/12/10</a:t>
+              <a:t>2014/12/16</a:t>
             </a:fld>
             <a:endParaRPr kumimoji="1" lang="ja-JP" altLang="en-US"/>
           </a:p>
@@ -3644,7 +3644,7 @@
           <a:p>
             <a:fld id="{CD18CB5A-6947-405F-A94A-52FF85729738}" type="datetimeFigureOut">
               <a:rPr kumimoji="1" lang="ja-JP" altLang="en-US" smtClean="0"/>
-              <a:t>2014/12/10</a:t>
+              <a:t>2014/12/16</a:t>
             </a:fld>
             <a:endParaRPr kumimoji="1" lang="ja-JP" altLang="en-US"/>
           </a:p>
@@ -4196,7 +4196,7 @@
           <a:p>
             <a:fld id="{CD18CB5A-6947-405F-A94A-52FF85729738}" type="datetimeFigureOut">
               <a:rPr kumimoji="1" lang="ja-JP" altLang="en-US" smtClean="0"/>
-              <a:t>2014/12/10</a:t>
+              <a:t>2014/12/16</a:t>
             </a:fld>
             <a:endParaRPr kumimoji="1" lang="ja-JP" altLang="en-US"/>
           </a:p>
@@ -4751,43 +4751,6 @@
 <file path=ppt/slides/slide1.xml><?xml version="1.0" encoding="utf-8"?>
 <p:sld xmlns:a="http://schemas.openxmlformats.org/drawingml/2006/main" xmlns:r="http://schemas.openxmlformats.org/officeDocument/2006/relationships" xmlns:p="http://schemas.openxmlformats.org/presentationml/2006/main">
   <p:cSld>
-    <p:bg>
-      <p:bgPr>
-        <a:gradFill rotWithShape="1">
-          <a:gsLst>
-            <a:gs pos="0">
-              <a:schemeClr val="bg2">
-                <a:tint val="98000"/>
-                <a:shade val="90000"/>
-                <a:satMod val="160000"/>
-                <a:lumMod val="100000"/>
-              </a:schemeClr>
-            </a:gs>
-            <a:gs pos="42000">
-              <a:schemeClr val="bg2">
-                <a:tint val="95000"/>
-                <a:shade val="100000"/>
-                <a:satMod val="130000"/>
-                <a:lumMod val="130000"/>
-              </a:schemeClr>
-            </a:gs>
-            <a:gs pos="100000">
-              <a:schemeClr val="bg2">
-                <a:tint val="97000"/>
-                <a:shade val="100000"/>
-                <a:hueMod val="100000"/>
-                <a:satMod val="140000"/>
-                <a:lumMod val="80000"/>
-              </a:schemeClr>
-            </a:gs>
-          </a:gsLst>
-          <a:path path="circle">
-            <a:fillToRect l="20000" t="10000" r="20000" b="60000"/>
-          </a:path>
-        </a:gradFill>
-        <a:effectLst/>
-      </p:bgPr>
-    </p:bg>
     <p:spTree>
       <p:nvGrpSpPr>
         <p:cNvPr id="1" name=""/>
@@ -4810,8 +4773,8 @@
         </p:nvSpPr>
         <p:spPr>
           <a:xfrm rot="10800000">
-            <a:off x="5272578" y="6910878"/>
-            <a:ext cx="1592583" cy="1253131"/>
+            <a:off x="5272574" y="6577921"/>
+            <a:ext cx="1592583" cy="1050916"/>
           </a:xfrm>
           <a:prstGeom prst="upArrow">
             <a:avLst/>
@@ -4985,7 +4948,7 @@
         </p:nvSpPr>
         <p:spPr>
           <a:xfrm>
-            <a:off x="2317123" y="5139395"/>
+            <a:off x="2317120" y="4909060"/>
             <a:ext cx="7503492" cy="1623070"/>
           </a:xfrm>
           <a:prstGeom prst="ellipse">
@@ -5045,8 +5008,8 @@
         </p:nvSpPr>
         <p:spPr>
           <a:xfrm>
-            <a:off x="347532" y="8287034"/>
-            <a:ext cx="11442669" cy="1244664"/>
+            <a:off x="347531" y="7618192"/>
+            <a:ext cx="11426444" cy="2282208"/>
           </a:xfrm>
           <a:prstGeom prst="roundRect">
             <a:avLst/>
@@ -5080,31 +5043,49 @@
           <a:p>
             <a:pPr algn="ctr"/>
             <a:r>
-              <a:rPr lang="en-US" altLang="ja-JP" sz="4800" dirty="0" smtClean="0">
-                <a:solidFill>
-                  <a:schemeClr val="tx1"/>
-                </a:solidFill>
-                <a:latin typeface="+mn-ea"/>
-              </a:rPr>
-              <a:t>XML dump</a:t>
-            </a:r>
-            <a:r>
-              <a:rPr lang="ja-JP" altLang="en-US" sz="4800" dirty="0" smtClean="0">
-                <a:solidFill>
-                  <a:schemeClr val="tx1"/>
-                </a:solidFill>
-                <a:latin typeface="+mn-ea"/>
-              </a:rPr>
-              <a:t>に</a:t>
-            </a:r>
-            <a:r>
               <a:rPr kumimoji="1" lang="ja-JP" altLang="en-US" sz="4800" dirty="0" smtClean="0">
                 <a:solidFill>
                   <a:schemeClr val="tx1"/>
                 </a:solidFill>
                 <a:latin typeface="+mn-ea"/>
               </a:rPr>
-              <a:t>履歴データを提供している</a:t>
+              <a:t>履歴データは個人で扱うのは</a:t>
+            </a:r>
+            <a:endParaRPr kumimoji="1" lang="en-US" altLang="ja-JP" sz="4800" dirty="0" smtClean="0">
+              <a:solidFill>
+                <a:schemeClr val="tx1"/>
+              </a:solidFill>
+              <a:latin typeface="+mn-ea"/>
+            </a:endParaRPr>
+          </a:p>
+          <a:p>
+            <a:pPr algn="ctr"/>
+            <a:r>
+              <a:rPr kumimoji="1" lang="ja-JP" altLang="en-US" sz="4800" dirty="0" smtClean="0">
+                <a:solidFill>
+                  <a:schemeClr val="tx1"/>
+                </a:solidFill>
+                <a:latin typeface="+mn-ea"/>
+              </a:rPr>
+              <a:t>困難なほど膨大</a:t>
+            </a:r>
+            <a:endParaRPr kumimoji="1" lang="en-US" altLang="ja-JP" sz="4800" dirty="0" smtClean="0">
+              <a:solidFill>
+                <a:schemeClr val="tx1"/>
+              </a:solidFill>
+              <a:latin typeface="+mn-ea"/>
+            </a:endParaRPr>
+          </a:p>
+          <a:p>
+            <a:pPr algn="ctr"/>
+            <a:r>
+              <a:rPr kumimoji="1" lang="ja-JP" altLang="en-US" sz="4800" dirty="0" smtClean="0">
+                <a:solidFill>
+                  <a:schemeClr val="tx1"/>
+                </a:solidFill>
+                <a:latin typeface="+mn-ea"/>
+              </a:rPr>
+              <a:t>（いわゆるビッグデータ）</a:t>
             </a:r>
             <a:endParaRPr kumimoji="1" lang="ja-JP" altLang="en-US" sz="4800" dirty="0">
               <a:solidFill>
@@ -5123,7 +5104,7 @@
         </p:nvSpPr>
         <p:spPr>
           <a:xfrm rot="5400000">
-            <a:off x="5485547" y="9421049"/>
+            <a:off x="5477431" y="9728749"/>
             <a:ext cx="1166642" cy="1807305"/>
           </a:xfrm>
           <a:prstGeom prst="rightArrow">
@@ -5199,8 +5180,8 @@
         </p:nvSpPr>
         <p:spPr>
           <a:xfrm>
-            <a:off x="821466" y="10934511"/>
-            <a:ext cx="10494803" cy="1331055"/>
+            <a:off x="457705" y="11227959"/>
+            <a:ext cx="11316269" cy="1113878"/>
           </a:xfrm>
           <a:prstGeom prst="roundRect">
             <a:avLst/>
@@ -5234,49 +5215,13 @@
           <a:p>
             <a:pPr algn="ctr"/>
             <a:r>
-              <a:rPr kumimoji="1" lang="ja-JP" altLang="en-US" sz="4800" dirty="0" smtClean="0">
-                <a:solidFill>
-                  <a:schemeClr val="tx1"/>
-                </a:solidFill>
-                <a:latin typeface="+mn-ea"/>
-              </a:rPr>
-              <a:t>データは膨大で</a:t>
-            </a:r>
-            <a:r>
-              <a:rPr kumimoji="1" lang="ja-JP" altLang="en-US" sz="4800" dirty="0" smtClean="0">
-                <a:solidFill>
-                  <a:schemeClr val="tx1"/>
-                </a:solidFill>
-                <a:latin typeface="+mn-ea"/>
-              </a:rPr>
-              <a:t>，</a:t>
-            </a:r>
-            <a:r>
               <a:rPr lang="ja-JP" altLang="en-US" sz="4800" dirty="0" smtClean="0">
                 <a:solidFill>
                   <a:schemeClr val="tx1"/>
                 </a:solidFill>
                 <a:latin typeface="+mn-ea"/>
               </a:rPr>
-              <a:t>扱う</a:t>
-            </a:r>
-            <a:r>
-              <a:rPr lang="ja-JP" altLang="en-US" sz="4800" dirty="0" smtClean="0">
-                <a:solidFill>
-                  <a:schemeClr val="tx1"/>
-                </a:solidFill>
-                <a:latin typeface="+mn-ea"/>
-              </a:rPr>
-              <a:t>のが</a:t>
-            </a:r>
-            <a:r>
-              <a:rPr lang="ja-JP" altLang="en-US" sz="4800" dirty="0">
-                <a:solidFill>
-                  <a:schemeClr val="tx1"/>
-                </a:solidFill>
-                <a:latin typeface="+mn-ea"/>
-              </a:rPr>
-              <a:t>困難</a:t>
+              <a:t>ビッグデータの処理技術を身につける</a:t>
             </a:r>
             <a:endParaRPr kumimoji="1" lang="ja-JP" altLang="en-US" sz="4800" dirty="0">
               <a:solidFill>
@@ -5465,11 +5410,6 @@
               </a:rPr>
               <a:t>背景</a:t>
             </a:r>
-            <a:endParaRPr lang="ja-JP" altLang="en-US" sz="6000" dirty="0">
-              <a:solidFill>
-                <a:schemeClr val="tx1"/>
-              </a:solidFill>
-            </a:endParaRPr>
           </a:p>
         </p:txBody>
       </p:sp>
@@ -5531,11 +5471,6 @@
               </a:rPr>
               <a:t>方法</a:t>
             </a:r>
-            <a:endParaRPr lang="ja-JP" altLang="en-US" sz="6000" dirty="0">
-              <a:solidFill>
-                <a:schemeClr val="tx1"/>
-              </a:solidFill>
-            </a:endParaRPr>
           </a:p>
         </p:txBody>
       </p:sp>
@@ -5714,16 +5649,7 @@
                   </a:solidFill>
                   <a:latin typeface="+mn-ea"/>
                 </a:rPr>
-                <a:t>取得</a:t>
-              </a:r>
-              <a:r>
-                <a:rPr kumimoji="1" lang="ja-JP" altLang="en-US" sz="4800" dirty="0" smtClean="0">
-                  <a:solidFill>
-                    <a:schemeClr val="tx1"/>
-                  </a:solidFill>
-                  <a:latin typeface="+mn-ea"/>
-                </a:rPr>
-                <a:t>・解析</a:t>
+                <a:t>取得・解析</a:t>
               </a:r>
               <a:endParaRPr kumimoji="1" lang="ja-JP" altLang="en-US" sz="4800" dirty="0">
                 <a:solidFill>
@@ -6262,7 +6188,7 @@
     </p:spTree>
     <p:extLst>
       <p:ext uri="{BB962C8B-B14F-4D97-AF65-F5344CB8AC3E}">
-        <p14:creationId xmlns:p14="http://schemas.microsoft.com/office/powerpoint/2010/main" val="2017730835"/>
+        <p14:creationId xmlns:p14="http://schemas.microsoft.com/office/powerpoint/2010/main" val="2647203205"/>
       </p:ext>
     </p:extLst>
   </p:cSld>

--- a/課題研究/2014/石井康之/1242005ポスター.pptx
+++ b/課題研究/2014/石井康之/1242005ポスター.pptx
@@ -4,13 +4,16 @@
   <p:sldMasterIdLst>
     <p:sldMasterId id="2147483720" r:id="rId1"/>
   </p:sldMasterIdLst>
+  <p:notesMasterIdLst>
+    <p:notesMasterId r:id="rId3"/>
+  </p:notesMasterIdLst>
   <p:sldIdLst>
     <p:sldId id="259" r:id="rId2"/>
   </p:sldIdLst>
   <p:sldSz cx="21386800" cy="30279975"/>
   <p:notesSz cx="6858000" cy="9144000"/>
   <p:custDataLst>
-    <p:tags r:id="rId3"/>
+    <p:tags r:id="rId4"/>
   </p:custDataLst>
   <p:defaultTextStyle>
     <a:defPPr>
@@ -126,6 +129,472 @@
 </p:presentation>
 </file>
 
+<file path=ppt/notesMasters/notesMaster1.xml><?xml version="1.0" encoding="utf-8"?>
+<p:notesMaster xmlns:a="http://schemas.openxmlformats.org/drawingml/2006/main" xmlns:r="http://schemas.openxmlformats.org/officeDocument/2006/relationships" xmlns:p="http://schemas.openxmlformats.org/presentationml/2006/main">
+  <p:cSld>
+    <p:bg>
+      <p:bgRef idx="1001">
+        <a:schemeClr val="bg1"/>
+      </p:bgRef>
+    </p:bg>
+    <p:spTree>
+      <p:nvGrpSpPr>
+        <p:cNvPr id="1" name=""/>
+        <p:cNvGrpSpPr/>
+        <p:nvPr/>
+      </p:nvGrpSpPr>
+      <p:grpSpPr>
+        <a:xfrm>
+          <a:off x="0" y="0"/>
+          <a:ext cx="0" cy="0"/>
+          <a:chOff x="0" y="0"/>
+          <a:chExt cx="0" cy="0"/>
+        </a:xfrm>
+      </p:grpSpPr>
+      <p:sp>
+        <p:nvSpPr>
+          <p:cNvPr id="2" name="ヘッダー プレースホルダー 1"/>
+          <p:cNvSpPr>
+            <a:spLocks noGrp="1"/>
+          </p:cNvSpPr>
+          <p:nvPr>
+            <p:ph type="hdr" sz="quarter"/>
+          </p:nvPr>
+        </p:nvSpPr>
+        <p:spPr>
+          <a:xfrm>
+            <a:off x="0" y="0"/>
+            <a:ext cx="2971800" cy="458788"/>
+          </a:xfrm>
+          <a:prstGeom prst="rect">
+            <a:avLst/>
+          </a:prstGeom>
+        </p:spPr>
+        <p:txBody>
+          <a:bodyPr vert="horz" lIns="91440" tIns="45720" rIns="91440" bIns="45720" rtlCol="0"/>
+          <a:lstStyle>
+            <a:lvl1pPr algn="l">
+              <a:defRPr sz="1200"/>
+            </a:lvl1pPr>
+          </a:lstStyle>
+          <a:p>
+            <a:endParaRPr kumimoji="1" lang="ja-JP" altLang="en-US"/>
+          </a:p>
+        </p:txBody>
+      </p:sp>
+      <p:sp>
+        <p:nvSpPr>
+          <p:cNvPr id="3" name="日付プレースホルダー 2"/>
+          <p:cNvSpPr>
+            <a:spLocks noGrp="1"/>
+          </p:cNvSpPr>
+          <p:nvPr>
+            <p:ph type="dt" idx="1"/>
+          </p:nvPr>
+        </p:nvSpPr>
+        <p:spPr>
+          <a:xfrm>
+            <a:off x="3884613" y="0"/>
+            <a:ext cx="2971800" cy="458788"/>
+          </a:xfrm>
+          <a:prstGeom prst="rect">
+            <a:avLst/>
+          </a:prstGeom>
+        </p:spPr>
+        <p:txBody>
+          <a:bodyPr vert="horz" lIns="91440" tIns="45720" rIns="91440" bIns="45720" rtlCol="0"/>
+          <a:lstStyle>
+            <a:lvl1pPr algn="r">
+              <a:defRPr sz="1200"/>
+            </a:lvl1pPr>
+          </a:lstStyle>
+          <a:p>
+            <a:fld id="{1355B614-8C80-42CD-A0C7-A8AC0A708725}" type="datetimeFigureOut">
+              <a:rPr kumimoji="1" lang="ja-JP" altLang="en-US" smtClean="0"/>
+              <a:t>2014/12/17</a:t>
+            </a:fld>
+            <a:endParaRPr kumimoji="1" lang="ja-JP" altLang="en-US"/>
+          </a:p>
+        </p:txBody>
+      </p:sp>
+      <p:sp>
+        <p:nvSpPr>
+          <p:cNvPr id="4" name="スライド イメージ プレースホルダー 3"/>
+          <p:cNvSpPr>
+            <a:spLocks noGrp="1" noRot="1" noChangeAspect="1"/>
+          </p:cNvSpPr>
+          <p:nvPr>
+            <p:ph type="sldImg" idx="2"/>
+          </p:nvPr>
+        </p:nvSpPr>
+        <p:spPr>
+          <a:xfrm>
+            <a:off x="2338388" y="1143000"/>
+            <a:ext cx="2181225" cy="3086100"/>
+          </a:xfrm>
+          <a:prstGeom prst="rect">
+            <a:avLst/>
+          </a:prstGeom>
+          <a:noFill/>
+          <a:ln w="12700">
+            <a:solidFill>
+              <a:prstClr val="black"/>
+            </a:solidFill>
+          </a:ln>
+        </p:spPr>
+        <p:txBody>
+          <a:bodyPr vert="horz" lIns="91440" tIns="45720" rIns="91440" bIns="45720" rtlCol="0" anchor="ctr"/>
+          <a:lstStyle/>
+          <a:p>
+            <a:endParaRPr lang="ja-JP" altLang="en-US"/>
+          </a:p>
+        </p:txBody>
+      </p:sp>
+      <p:sp>
+        <p:nvSpPr>
+          <p:cNvPr id="5" name="ノート プレースホルダー 4"/>
+          <p:cNvSpPr>
+            <a:spLocks noGrp="1"/>
+          </p:cNvSpPr>
+          <p:nvPr>
+            <p:ph type="body" sz="quarter" idx="3"/>
+          </p:nvPr>
+        </p:nvSpPr>
+        <p:spPr>
+          <a:xfrm>
+            <a:off x="685800" y="4400550"/>
+            <a:ext cx="5486400" cy="3600450"/>
+          </a:xfrm>
+          <a:prstGeom prst="rect">
+            <a:avLst/>
+          </a:prstGeom>
+        </p:spPr>
+        <p:txBody>
+          <a:bodyPr vert="horz" lIns="91440" tIns="45720" rIns="91440" bIns="45720" rtlCol="0"/>
+          <a:lstStyle/>
+          <a:p>
+            <a:pPr lvl="0"/>
+            <a:r>
+              <a:rPr kumimoji="1" lang="ja-JP" altLang="en-US" smtClean="0"/>
+              <a:t>マスター テキストの書式設定</a:t>
+            </a:r>
+          </a:p>
+          <a:p>
+            <a:pPr lvl="1"/>
+            <a:r>
+              <a:rPr kumimoji="1" lang="ja-JP" altLang="en-US" smtClean="0"/>
+              <a:t>第 </a:t>
+            </a:r>
+            <a:r>
+              <a:rPr kumimoji="1" lang="en-US" altLang="ja-JP" smtClean="0"/>
+              <a:t>2 </a:t>
+            </a:r>
+            <a:r>
+              <a:rPr kumimoji="1" lang="ja-JP" altLang="en-US" smtClean="0"/>
+              <a:t>レベル</a:t>
+            </a:r>
+          </a:p>
+          <a:p>
+            <a:pPr lvl="2"/>
+            <a:r>
+              <a:rPr kumimoji="1" lang="ja-JP" altLang="en-US" smtClean="0"/>
+              <a:t>第 </a:t>
+            </a:r>
+            <a:r>
+              <a:rPr kumimoji="1" lang="en-US" altLang="ja-JP" smtClean="0"/>
+              <a:t>3 </a:t>
+            </a:r>
+            <a:r>
+              <a:rPr kumimoji="1" lang="ja-JP" altLang="en-US" smtClean="0"/>
+              <a:t>レベル</a:t>
+            </a:r>
+          </a:p>
+          <a:p>
+            <a:pPr lvl="3"/>
+            <a:r>
+              <a:rPr kumimoji="1" lang="ja-JP" altLang="en-US" smtClean="0"/>
+              <a:t>第 </a:t>
+            </a:r>
+            <a:r>
+              <a:rPr kumimoji="1" lang="en-US" altLang="ja-JP" smtClean="0"/>
+              <a:t>4 </a:t>
+            </a:r>
+            <a:r>
+              <a:rPr kumimoji="1" lang="ja-JP" altLang="en-US" smtClean="0"/>
+              <a:t>レベル</a:t>
+            </a:r>
+          </a:p>
+          <a:p>
+            <a:pPr lvl="4"/>
+            <a:r>
+              <a:rPr kumimoji="1" lang="ja-JP" altLang="en-US" smtClean="0"/>
+              <a:t>第 </a:t>
+            </a:r>
+            <a:r>
+              <a:rPr kumimoji="1" lang="en-US" altLang="ja-JP" smtClean="0"/>
+              <a:t>5 </a:t>
+            </a:r>
+            <a:r>
+              <a:rPr kumimoji="1" lang="ja-JP" altLang="en-US" smtClean="0"/>
+              <a:t>レベル</a:t>
+            </a:r>
+            <a:endParaRPr kumimoji="1" lang="ja-JP" altLang="en-US"/>
+          </a:p>
+        </p:txBody>
+      </p:sp>
+      <p:sp>
+        <p:nvSpPr>
+          <p:cNvPr id="6" name="フッター プレースホルダー 5"/>
+          <p:cNvSpPr>
+            <a:spLocks noGrp="1"/>
+          </p:cNvSpPr>
+          <p:nvPr>
+            <p:ph type="ftr" sz="quarter" idx="4"/>
+          </p:nvPr>
+        </p:nvSpPr>
+        <p:spPr>
+          <a:xfrm>
+            <a:off x="0" y="8685213"/>
+            <a:ext cx="2971800" cy="458787"/>
+          </a:xfrm>
+          <a:prstGeom prst="rect">
+            <a:avLst/>
+          </a:prstGeom>
+        </p:spPr>
+        <p:txBody>
+          <a:bodyPr vert="horz" lIns="91440" tIns="45720" rIns="91440" bIns="45720" rtlCol="0" anchor="b"/>
+          <a:lstStyle>
+            <a:lvl1pPr algn="l">
+              <a:defRPr sz="1200"/>
+            </a:lvl1pPr>
+          </a:lstStyle>
+          <a:p>
+            <a:endParaRPr kumimoji="1" lang="ja-JP" altLang="en-US"/>
+          </a:p>
+        </p:txBody>
+      </p:sp>
+      <p:sp>
+        <p:nvSpPr>
+          <p:cNvPr id="7" name="スライド番号プレースホルダー 6"/>
+          <p:cNvSpPr>
+            <a:spLocks noGrp="1"/>
+          </p:cNvSpPr>
+          <p:nvPr>
+            <p:ph type="sldNum" sz="quarter" idx="5"/>
+          </p:nvPr>
+        </p:nvSpPr>
+        <p:spPr>
+          <a:xfrm>
+            <a:off x="3884613" y="8685213"/>
+            <a:ext cx="2971800" cy="458787"/>
+          </a:xfrm>
+          <a:prstGeom prst="rect">
+            <a:avLst/>
+          </a:prstGeom>
+        </p:spPr>
+        <p:txBody>
+          <a:bodyPr vert="horz" lIns="91440" tIns="45720" rIns="91440" bIns="45720" rtlCol="0" anchor="b"/>
+          <a:lstStyle>
+            <a:lvl1pPr algn="r">
+              <a:defRPr sz="1200"/>
+            </a:lvl1pPr>
+          </a:lstStyle>
+          <a:p>
+            <a:fld id="{2A178348-B998-4583-8D76-0C2E693C4C62}" type="slidenum">
+              <a:rPr kumimoji="1" lang="ja-JP" altLang="en-US" smtClean="0"/>
+              <a:t>‹#›</a:t>
+            </a:fld>
+            <a:endParaRPr kumimoji="1" lang="ja-JP" altLang="en-US"/>
+          </a:p>
+        </p:txBody>
+      </p:sp>
+    </p:spTree>
+    <p:extLst>
+      <p:ext uri="{BB962C8B-B14F-4D97-AF65-F5344CB8AC3E}">
+        <p14:creationId xmlns:p14="http://schemas.microsoft.com/office/powerpoint/2010/main" val="2561701518"/>
+      </p:ext>
+    </p:extLst>
+  </p:cSld>
+  <p:clrMap bg1="lt1" tx1="dk1" bg2="lt2" tx2="dk2" accent1="accent1" accent2="accent2" accent3="accent3" accent4="accent4" accent5="accent5" accent6="accent6" hlink="hlink" folHlink="folHlink"/>
+  <p:notesStyle>
+    <a:lvl1pPr marL="0" algn="l" defTabSz="914400" rtl="0" eaLnBrk="1" latinLnBrk="0" hangingPunct="1">
+      <a:defRPr kumimoji="1" sz="1200" kern="1200">
+        <a:solidFill>
+          <a:schemeClr val="tx1"/>
+        </a:solidFill>
+        <a:latin typeface="+mn-lt"/>
+        <a:ea typeface="+mn-ea"/>
+        <a:cs typeface="+mn-cs"/>
+      </a:defRPr>
+    </a:lvl1pPr>
+    <a:lvl2pPr marL="457200" algn="l" defTabSz="914400" rtl="0" eaLnBrk="1" latinLnBrk="0" hangingPunct="1">
+      <a:defRPr kumimoji="1" sz="1200" kern="1200">
+        <a:solidFill>
+          <a:schemeClr val="tx1"/>
+        </a:solidFill>
+        <a:latin typeface="+mn-lt"/>
+        <a:ea typeface="+mn-ea"/>
+        <a:cs typeface="+mn-cs"/>
+      </a:defRPr>
+    </a:lvl2pPr>
+    <a:lvl3pPr marL="914400" algn="l" defTabSz="914400" rtl="0" eaLnBrk="1" latinLnBrk="0" hangingPunct="1">
+      <a:defRPr kumimoji="1" sz="1200" kern="1200">
+        <a:solidFill>
+          <a:schemeClr val="tx1"/>
+        </a:solidFill>
+        <a:latin typeface="+mn-lt"/>
+        <a:ea typeface="+mn-ea"/>
+        <a:cs typeface="+mn-cs"/>
+      </a:defRPr>
+    </a:lvl3pPr>
+    <a:lvl4pPr marL="1371600" algn="l" defTabSz="914400" rtl="0" eaLnBrk="1" latinLnBrk="0" hangingPunct="1">
+      <a:defRPr kumimoji="1" sz="1200" kern="1200">
+        <a:solidFill>
+          <a:schemeClr val="tx1"/>
+        </a:solidFill>
+        <a:latin typeface="+mn-lt"/>
+        <a:ea typeface="+mn-ea"/>
+        <a:cs typeface="+mn-cs"/>
+      </a:defRPr>
+    </a:lvl4pPr>
+    <a:lvl5pPr marL="1828800" algn="l" defTabSz="914400" rtl="0" eaLnBrk="1" latinLnBrk="0" hangingPunct="1">
+      <a:defRPr kumimoji="1" sz="1200" kern="1200">
+        <a:solidFill>
+          <a:schemeClr val="tx1"/>
+        </a:solidFill>
+        <a:latin typeface="+mn-lt"/>
+        <a:ea typeface="+mn-ea"/>
+        <a:cs typeface="+mn-cs"/>
+      </a:defRPr>
+    </a:lvl5pPr>
+    <a:lvl6pPr marL="2286000" algn="l" defTabSz="914400" rtl="0" eaLnBrk="1" latinLnBrk="0" hangingPunct="1">
+      <a:defRPr kumimoji="1" sz="1200" kern="1200">
+        <a:solidFill>
+          <a:schemeClr val="tx1"/>
+        </a:solidFill>
+        <a:latin typeface="+mn-lt"/>
+        <a:ea typeface="+mn-ea"/>
+        <a:cs typeface="+mn-cs"/>
+      </a:defRPr>
+    </a:lvl6pPr>
+    <a:lvl7pPr marL="2743200" algn="l" defTabSz="914400" rtl="0" eaLnBrk="1" latinLnBrk="0" hangingPunct="1">
+      <a:defRPr kumimoji="1" sz="1200" kern="1200">
+        <a:solidFill>
+          <a:schemeClr val="tx1"/>
+        </a:solidFill>
+        <a:latin typeface="+mn-lt"/>
+        <a:ea typeface="+mn-ea"/>
+        <a:cs typeface="+mn-cs"/>
+      </a:defRPr>
+    </a:lvl7pPr>
+    <a:lvl8pPr marL="3200400" algn="l" defTabSz="914400" rtl="0" eaLnBrk="1" latinLnBrk="0" hangingPunct="1">
+      <a:defRPr kumimoji="1" sz="1200" kern="1200">
+        <a:solidFill>
+          <a:schemeClr val="tx1"/>
+        </a:solidFill>
+        <a:latin typeface="+mn-lt"/>
+        <a:ea typeface="+mn-ea"/>
+        <a:cs typeface="+mn-cs"/>
+      </a:defRPr>
+    </a:lvl8pPr>
+    <a:lvl9pPr marL="3657600" algn="l" defTabSz="914400" rtl="0" eaLnBrk="1" latinLnBrk="0" hangingPunct="1">
+      <a:defRPr kumimoji="1" sz="1200" kern="1200">
+        <a:solidFill>
+          <a:schemeClr val="tx1"/>
+        </a:solidFill>
+        <a:latin typeface="+mn-lt"/>
+        <a:ea typeface="+mn-ea"/>
+        <a:cs typeface="+mn-cs"/>
+      </a:defRPr>
+    </a:lvl9pPr>
+  </p:notesStyle>
+</p:notesMaster>
+</file>
+
+<file path=ppt/notesSlides/notesSlide1.xml><?xml version="1.0" encoding="utf-8"?>
+<p:notes xmlns:a="http://schemas.openxmlformats.org/drawingml/2006/main" xmlns:r="http://schemas.openxmlformats.org/officeDocument/2006/relationships" xmlns:p="http://schemas.openxmlformats.org/presentationml/2006/main">
+  <p:cSld>
+    <p:spTree>
+      <p:nvGrpSpPr>
+        <p:cNvPr id="1" name=""/>
+        <p:cNvGrpSpPr/>
+        <p:nvPr/>
+      </p:nvGrpSpPr>
+      <p:grpSpPr>
+        <a:xfrm>
+          <a:off x="0" y="0"/>
+          <a:ext cx="0" cy="0"/>
+          <a:chOff x="0" y="0"/>
+          <a:chExt cx="0" cy="0"/>
+        </a:xfrm>
+      </p:grpSpPr>
+      <p:sp>
+        <p:nvSpPr>
+          <p:cNvPr id="2" name="スライド イメージ プレースホルダー 1"/>
+          <p:cNvSpPr>
+            <a:spLocks noGrp="1" noRot="1" noChangeAspect="1"/>
+          </p:cNvSpPr>
+          <p:nvPr>
+            <p:ph type="sldImg"/>
+          </p:nvPr>
+        </p:nvSpPr>
+        <p:spPr/>
+      </p:sp>
+      <p:sp>
+        <p:nvSpPr>
+          <p:cNvPr id="3" name="ノート プレースホルダー 2"/>
+          <p:cNvSpPr>
+            <a:spLocks noGrp="1"/>
+          </p:cNvSpPr>
+          <p:nvPr>
+            <p:ph type="body" idx="1"/>
+          </p:nvPr>
+        </p:nvSpPr>
+        <p:spPr/>
+        <p:txBody>
+          <a:bodyPr/>
+          <a:lstStyle/>
+          <a:p>
+            <a:endParaRPr kumimoji="1" lang="ja-JP" altLang="en-US" dirty="0"/>
+          </a:p>
+        </p:txBody>
+      </p:sp>
+      <p:sp>
+        <p:nvSpPr>
+          <p:cNvPr id="4" name="スライド番号プレースホルダー 3"/>
+          <p:cNvSpPr>
+            <a:spLocks noGrp="1"/>
+          </p:cNvSpPr>
+          <p:nvPr>
+            <p:ph type="sldNum" sz="quarter" idx="10"/>
+          </p:nvPr>
+        </p:nvSpPr>
+        <p:spPr/>
+        <p:txBody>
+          <a:bodyPr/>
+          <a:lstStyle/>
+          <a:p>
+            <a:fld id="{2A178348-B998-4583-8D76-0C2E693C4C62}" type="slidenum">
+              <a:rPr kumimoji="1" lang="ja-JP" altLang="en-US" smtClean="0"/>
+              <a:t>1</a:t>
+            </a:fld>
+            <a:endParaRPr kumimoji="1" lang="ja-JP" altLang="en-US"/>
+          </a:p>
+        </p:txBody>
+      </p:sp>
+    </p:spTree>
+    <p:extLst>
+      <p:ext uri="{BB962C8B-B14F-4D97-AF65-F5344CB8AC3E}">
+        <p14:creationId xmlns:p14="http://schemas.microsoft.com/office/powerpoint/2010/main" val="3143019293"/>
+      </p:ext>
+    </p:extLst>
+  </p:cSld>
+  <p:clrMapOvr>
+    <a:masterClrMapping/>
+  </p:clrMapOvr>
+</p:notes>
+</file>
+
 <file path=ppt/slideLayouts/slideLayout1.xml><?xml version="1.0" encoding="utf-8"?>
 <p:sldLayout xmlns:a="http://schemas.openxmlformats.org/drawingml/2006/main" xmlns:r="http://schemas.openxmlformats.org/officeDocument/2006/relationships" xmlns:p="http://schemas.openxmlformats.org/presentationml/2006/main" showMasterSp="0" type="title" preserve="1">
   <p:cSld name="タイトル スライド">
@@ -548,7 +1017,7 @@
           <a:p>
             <a:fld id="{CD18CB5A-6947-405F-A94A-52FF85729738}" type="datetimeFigureOut">
               <a:rPr kumimoji="1" lang="ja-JP" altLang="en-US" smtClean="0"/>
-              <a:t>2014/12/16</a:t>
+              <a:t>2014/12/17</a:t>
             </a:fld>
             <a:endParaRPr kumimoji="1" lang="ja-JP" altLang="en-US"/>
           </a:p>
@@ -792,7 +1261,7 @@
           <a:p>
             <a:fld id="{CD18CB5A-6947-405F-A94A-52FF85729738}" type="datetimeFigureOut">
               <a:rPr kumimoji="1" lang="ja-JP" altLang="en-US" smtClean="0"/>
-              <a:t>2014/12/16</a:t>
+              <a:t>2014/12/17</a:t>
             </a:fld>
             <a:endParaRPr kumimoji="1" lang="ja-JP" altLang="en-US"/>
           </a:p>
@@ -1011,7 +1480,7 @@
           <a:p>
             <a:fld id="{CD18CB5A-6947-405F-A94A-52FF85729738}" type="datetimeFigureOut">
               <a:rPr kumimoji="1" lang="ja-JP" altLang="en-US" smtClean="0"/>
-              <a:t>2014/12/16</a:t>
+              <a:t>2014/12/17</a:t>
             </a:fld>
             <a:endParaRPr kumimoji="1" lang="ja-JP" altLang="en-US"/>
           </a:p>
@@ -1108,7 +1577,7 @@
           <a:p>
             <a:fld id="{CD18CB5A-6947-405F-A94A-52FF85729738}" type="datetimeFigureOut">
               <a:rPr kumimoji="1" lang="ja-JP" altLang="en-US" smtClean="0"/>
-              <a:t>2014/12/16</a:t>
+              <a:t>2014/12/17</a:t>
             </a:fld>
             <a:endParaRPr kumimoji="1" lang="ja-JP" altLang="en-US"/>
           </a:p>
@@ -1736,7 +2205,7 @@
           <a:p>
             <a:fld id="{CD18CB5A-6947-405F-A94A-52FF85729738}" type="datetimeFigureOut">
               <a:rPr kumimoji="1" lang="ja-JP" altLang="en-US" smtClean="0"/>
-              <a:t>2014/12/16</a:t>
+              <a:t>2014/12/17</a:t>
             </a:fld>
             <a:endParaRPr kumimoji="1" lang="ja-JP" altLang="en-US"/>
           </a:p>
@@ -1833,7 +2302,7 @@
           <a:p>
             <a:fld id="{CD18CB5A-6947-405F-A94A-52FF85729738}" type="datetimeFigureOut">
               <a:rPr kumimoji="1" lang="ja-JP" altLang="en-US" smtClean="0"/>
-              <a:t>2014/12/16</a:t>
+              <a:t>2014/12/17</a:t>
             </a:fld>
             <a:endParaRPr kumimoji="1" lang="ja-JP" altLang="en-US"/>
           </a:p>
@@ -2566,7 +3035,7 @@
           <a:p>
             <a:fld id="{CD18CB5A-6947-405F-A94A-52FF85729738}" type="datetimeFigureOut">
               <a:rPr kumimoji="1" lang="ja-JP" altLang="en-US" smtClean="0"/>
-              <a:t>2014/12/16</a:t>
+              <a:t>2014/12/17</a:t>
             </a:fld>
             <a:endParaRPr kumimoji="1" lang="ja-JP" altLang="en-US"/>
           </a:p>
@@ -2709,7 +3178,7 @@
           <a:p>
             <a:fld id="{CD18CB5A-6947-405F-A94A-52FF85729738}" type="datetimeFigureOut">
               <a:rPr kumimoji="1" lang="ja-JP" altLang="en-US" smtClean="0"/>
-              <a:t>2014/12/16</a:t>
+              <a:t>2014/12/17</a:t>
             </a:fld>
             <a:endParaRPr kumimoji="1" lang="ja-JP" altLang="en-US"/>
           </a:p>
@@ -2806,7 +3275,7 @@
           <a:p>
             <a:fld id="{CD18CB5A-6947-405F-A94A-52FF85729738}" type="datetimeFigureOut">
               <a:rPr kumimoji="1" lang="ja-JP" altLang="en-US" smtClean="0"/>
-              <a:t>2014/12/16</a:t>
+              <a:t>2014/12/17</a:t>
             </a:fld>
             <a:endParaRPr kumimoji="1" lang="ja-JP" altLang="en-US"/>
           </a:p>
@@ -3122,7 +3591,7 @@
           <a:p>
             <a:fld id="{CD18CB5A-6947-405F-A94A-52FF85729738}" type="datetimeFigureOut">
               <a:rPr kumimoji="1" lang="ja-JP" altLang="en-US" smtClean="0"/>
-              <a:t>2014/12/16</a:t>
+              <a:t>2014/12/17</a:t>
             </a:fld>
             <a:endParaRPr kumimoji="1" lang="ja-JP" altLang="en-US"/>
           </a:p>
@@ -3644,7 +4113,7 @@
           <a:p>
             <a:fld id="{CD18CB5A-6947-405F-A94A-52FF85729738}" type="datetimeFigureOut">
               <a:rPr kumimoji="1" lang="ja-JP" altLang="en-US" smtClean="0"/>
-              <a:t>2014/12/16</a:t>
+              <a:t>2014/12/17</a:t>
             </a:fld>
             <a:endParaRPr kumimoji="1" lang="ja-JP" altLang="en-US"/>
           </a:p>
@@ -4196,7 +4665,7 @@
           <a:p>
             <a:fld id="{CD18CB5A-6947-405F-A94A-52FF85729738}" type="datetimeFigureOut">
               <a:rPr kumimoji="1" lang="ja-JP" altLang="en-US" smtClean="0"/>
-              <a:t>2014/12/16</a:t>
+              <a:t>2014/12/17</a:t>
             </a:fld>
             <a:endParaRPr kumimoji="1" lang="ja-JP" altLang="en-US"/>
           </a:p>
@@ -4767,14 +5236,60 @@
       </p:grpSpPr>
       <p:sp>
         <p:nvSpPr>
+          <p:cNvPr id="2" name="正方形/長方形 1"/>
+          <p:cNvSpPr/>
+          <p:nvPr/>
+        </p:nvSpPr>
+        <p:spPr>
+          <a:xfrm>
+            <a:off x="180232" y="2929585"/>
+            <a:ext cx="20906812" cy="7400925"/>
+          </a:xfrm>
+          <a:prstGeom prst="rect">
+            <a:avLst/>
+          </a:prstGeom>
+          <a:noFill/>
+          <a:ln w="38100">
+            <a:solidFill>
+              <a:schemeClr val="tx1"/>
+            </a:solidFill>
+          </a:ln>
+        </p:spPr>
+        <p:style>
+          <a:lnRef idx="2">
+            <a:schemeClr val="accent1">
+              <a:shade val="50000"/>
+            </a:schemeClr>
+          </a:lnRef>
+          <a:fillRef idx="1">
+            <a:schemeClr val="accent1"/>
+          </a:fillRef>
+          <a:effectRef idx="0">
+            <a:schemeClr val="accent1"/>
+          </a:effectRef>
+          <a:fontRef idx="minor">
+            <a:schemeClr val="lt1"/>
+          </a:fontRef>
+        </p:style>
+        <p:txBody>
+          <a:bodyPr rtlCol="0" anchor="ctr"/>
+          <a:lstStyle/>
+          <a:p>
+            <a:pPr algn="ctr"/>
+            <a:endParaRPr kumimoji="1" lang="ja-JP" altLang="en-US"/>
+          </a:p>
+        </p:txBody>
+      </p:sp>
+      <p:sp>
+        <p:nvSpPr>
           <p:cNvPr id="11" name="上矢印 10"/>
           <p:cNvSpPr/>
           <p:nvPr/>
         </p:nvSpPr>
         <p:spPr>
-          <a:xfrm rot="10800000">
-            <a:off x="5272574" y="6577921"/>
-            <a:ext cx="1592583" cy="1050916"/>
+          <a:xfrm rot="5400000">
+            <a:off x="8678886" y="8290155"/>
+            <a:ext cx="668211" cy="968759"/>
           </a:xfrm>
           <a:prstGeom prst="upArrow">
             <a:avLst/>
@@ -4819,8 +5334,8 @@
         </p:nvSpPr>
         <p:spPr>
           <a:xfrm>
-            <a:off x="400539" y="522363"/>
-            <a:ext cx="20474274" cy="1298389"/>
+            <a:off x="0" y="276976"/>
+            <a:ext cx="21386800" cy="1313778"/>
           </a:xfrm>
           <a:prstGeom prst="rect">
             <a:avLst/>
@@ -4835,7 +5350,7 @@
           <a:p>
             <a:pPr algn="ctr"/>
             <a:r>
-              <a:rPr lang="en-US" altLang="ja-JP" sz="6500" kern="0" dirty="0" smtClean="0">
+              <a:rPr lang="en-US" altLang="ja-JP" sz="6600" kern="0" dirty="0" smtClean="0">
                 <a:solidFill>
                   <a:srgbClr val="975C1E"/>
                 </a:solidFill>
@@ -4858,7 +5373,7 @@
               <a:t>Wikipedia</a:t>
             </a:r>
             <a:r>
-              <a:rPr lang="ja-JP" altLang="en-US" sz="6500" kern="0" dirty="0" smtClean="0">
+              <a:rPr lang="ja-JP" altLang="en-US" sz="6600" kern="0" dirty="0" smtClean="0">
                 <a:solidFill>
                   <a:srgbClr val="975C1E"/>
                 </a:solidFill>
@@ -4880,7 +5395,7 @@
               </a:rPr>
               <a:t>の履歴データ解析</a:t>
             </a:r>
-            <a:endParaRPr lang="ja-JP" altLang="en-US" sz="6500" dirty="0"/>
+            <a:endParaRPr lang="ja-JP" altLang="en-US" sz="6600" dirty="0"/>
           </a:p>
         </p:txBody>
       </p:sp>
@@ -4892,8 +5407,8 @@
         </p:nvSpPr>
         <p:spPr>
           <a:xfrm>
-            <a:off x="1769761" y="1890976"/>
-            <a:ext cx="19617039" cy="1098334"/>
+            <a:off x="0" y="1603907"/>
+            <a:ext cx="21386800" cy="1129112"/>
           </a:xfrm>
           <a:prstGeom prst="rect">
             <a:avLst/>
@@ -4908,31 +5423,31 @@
           <a:p>
             <a:pPr algn="ctr"/>
             <a:r>
-              <a:rPr lang="en-US" altLang="ja-JP" sz="5200" b="1" dirty="0" smtClean="0">
+              <a:rPr lang="en-US" altLang="ja-JP" sz="5400" b="1" dirty="0" smtClean="0">
                 <a:latin typeface="+mn-ea"/>
               </a:rPr>
               <a:t>PM</a:t>
             </a:r>
             <a:r>
-              <a:rPr lang="ja-JP" altLang="en-US" sz="5200" b="1" dirty="0" smtClean="0">
+              <a:rPr lang="ja-JP" altLang="en-US" sz="5400" b="1" dirty="0" smtClean="0">
                 <a:latin typeface="+mn-ea"/>
               </a:rPr>
               <a:t>コース</a:t>
             </a:r>
             <a:r>
-              <a:rPr lang="ja-JP" altLang="en-US" sz="5200" b="1" dirty="0">
+              <a:rPr lang="ja-JP" altLang="en-US" sz="5400" b="1" dirty="0">
                 <a:latin typeface="+mn-ea"/>
               </a:rPr>
               <a:t>　矢吹研究室　</a:t>
             </a:r>
             <a:r>
-              <a:rPr lang="en-US" altLang="ja-JP" sz="5200" b="1" dirty="0">
+              <a:rPr lang="en-US" altLang="ja-JP" sz="5400" b="1" dirty="0">
                 <a:latin typeface="+mn-ea"/>
               </a:rPr>
               <a:t>1242005</a:t>
             </a:r>
             <a:r>
-              <a:rPr lang="ja-JP" altLang="en-US" sz="5200" b="1" dirty="0">
+              <a:rPr lang="ja-JP" altLang="en-US" sz="5400" b="1" dirty="0">
                 <a:latin typeface="+mn-ea"/>
               </a:rPr>
               <a:t>　石井康之</a:t>
@@ -4942,74 +5457,14 @@
       </p:sp>
       <p:sp>
         <p:nvSpPr>
-          <p:cNvPr id="5" name="円/楕円 4"/>
-          <p:cNvSpPr/>
-          <p:nvPr/>
-        </p:nvSpPr>
-        <p:spPr>
-          <a:xfrm>
-            <a:off x="2317120" y="4909060"/>
-            <a:ext cx="7503492" cy="1623070"/>
-          </a:xfrm>
-          <a:prstGeom prst="ellipse">
-            <a:avLst/>
-          </a:prstGeom>
-          <a:solidFill>
-            <a:srgbClr val="FFC000"/>
-          </a:solidFill>
-          <a:ln>
-            <a:noFill/>
-          </a:ln>
-        </p:spPr>
-        <p:style>
-          <a:lnRef idx="2">
-            <a:schemeClr val="accent1">
-              <a:shade val="50000"/>
-            </a:schemeClr>
-          </a:lnRef>
-          <a:fillRef idx="1">
-            <a:schemeClr val="accent1"/>
-          </a:fillRef>
-          <a:effectRef idx="0">
-            <a:schemeClr val="accent1"/>
-          </a:effectRef>
-          <a:fontRef idx="minor">
-            <a:schemeClr val="lt1"/>
-          </a:fontRef>
-        </p:style>
-        <p:txBody>
-          <a:bodyPr lIns="295232" tIns="147616" rIns="295232" bIns="147616" rtlCol="0" anchor="ctr"/>
-          <a:lstStyle/>
-          <a:p>
-            <a:pPr algn="ctr"/>
-            <a:r>
-              <a:rPr lang="en-US" altLang="ja-JP" sz="4800" dirty="0">
-                <a:solidFill>
-                  <a:schemeClr val="tx1"/>
-                </a:solidFill>
-                <a:latin typeface="+mn-ea"/>
-              </a:rPr>
-              <a:t>Wikipedia</a:t>
-            </a:r>
-            <a:endParaRPr lang="ja-JP" altLang="en-US" sz="4800" dirty="0">
-              <a:solidFill>
-                <a:schemeClr val="tx1"/>
-              </a:solidFill>
-              <a:latin typeface="+mn-ea"/>
-            </a:endParaRPr>
-          </a:p>
-        </p:txBody>
-      </p:sp>
-      <p:sp>
-        <p:nvSpPr>
           <p:cNvPr id="12" name="角丸四角形 11"/>
           <p:cNvSpPr/>
           <p:nvPr/>
         </p:nvSpPr>
         <p:spPr>
           <a:xfrm>
-            <a:off x="347531" y="7618192"/>
-            <a:ext cx="11426444" cy="2282208"/>
+            <a:off x="505338" y="7633431"/>
+            <a:ext cx="7506057" cy="2282208"/>
           </a:xfrm>
           <a:prstGeom prst="roundRect">
             <a:avLst/>
@@ -5043,15 +5498,24 @@
           <a:p>
             <a:pPr algn="ctr"/>
             <a:r>
-              <a:rPr kumimoji="1" lang="ja-JP" altLang="en-US" sz="4800" dirty="0" smtClean="0">
+              <a:rPr kumimoji="1" lang="en-US" altLang="ja-JP" sz="3600" dirty="0" smtClean="0">
                 <a:solidFill>
                   <a:schemeClr val="tx1"/>
                 </a:solidFill>
                 <a:latin typeface="+mn-ea"/>
               </a:rPr>
-              <a:t>履歴データは個人で扱うのは</a:t>
-            </a:r>
-            <a:endParaRPr kumimoji="1" lang="en-US" altLang="ja-JP" sz="4800" dirty="0" smtClean="0">
+              <a:t>Wikipedia</a:t>
+            </a:r>
+            <a:r>
+              <a:rPr kumimoji="1" lang="ja-JP" altLang="en-US" sz="3600" dirty="0" smtClean="0">
+                <a:solidFill>
+                  <a:schemeClr val="tx1"/>
+                </a:solidFill>
+                <a:latin typeface="+mn-ea"/>
+              </a:rPr>
+              <a:t>の履歴データは</a:t>
+            </a:r>
+            <a:endParaRPr kumimoji="1" lang="en-US" altLang="ja-JP" sz="3600" dirty="0" smtClean="0">
               <a:solidFill>
                 <a:schemeClr val="tx1"/>
               </a:solidFill>
@@ -5061,15 +5525,15 @@
           <a:p>
             <a:pPr algn="ctr"/>
             <a:r>
-              <a:rPr kumimoji="1" lang="ja-JP" altLang="en-US" sz="4800" dirty="0" smtClean="0">
+              <a:rPr kumimoji="1" lang="ja-JP" altLang="en-US" sz="3600" dirty="0" smtClean="0">
                 <a:solidFill>
                   <a:schemeClr val="tx1"/>
                 </a:solidFill>
                 <a:latin typeface="+mn-ea"/>
               </a:rPr>
-              <a:t>困難なほど膨大</a:t>
-            </a:r>
-            <a:endParaRPr kumimoji="1" lang="en-US" altLang="ja-JP" sz="4800" dirty="0" smtClean="0">
+              <a:t>個人で扱うのは困難なほど膨大</a:t>
+            </a:r>
+            <a:endParaRPr kumimoji="1" lang="en-US" altLang="ja-JP" sz="3600" dirty="0" smtClean="0">
               <a:solidFill>
                 <a:schemeClr val="tx1"/>
               </a:solidFill>
@@ -5079,66 +5543,20 @@
           <a:p>
             <a:pPr algn="ctr"/>
             <a:r>
-              <a:rPr kumimoji="1" lang="ja-JP" altLang="en-US" sz="4800" dirty="0" smtClean="0">
+              <a:rPr kumimoji="1" lang="ja-JP" altLang="en-US" sz="3600" dirty="0" smtClean="0">
                 <a:solidFill>
                   <a:schemeClr val="tx1"/>
                 </a:solidFill>
                 <a:latin typeface="+mn-ea"/>
               </a:rPr>
-              <a:t>（いわゆるビッグデータ）</a:t>
-            </a:r>
-            <a:endParaRPr kumimoji="1" lang="ja-JP" altLang="en-US" sz="4800" dirty="0">
+              <a:t>（いわゆるビッグデータ）．</a:t>
+            </a:r>
+            <a:endParaRPr kumimoji="1" lang="ja-JP" altLang="en-US" sz="3600" dirty="0">
               <a:solidFill>
                 <a:schemeClr val="tx1"/>
               </a:solidFill>
               <a:latin typeface="+mn-ea"/>
             </a:endParaRPr>
-          </a:p>
-        </p:txBody>
-      </p:sp>
-      <p:sp>
-        <p:nvSpPr>
-          <p:cNvPr id="21" name="右矢印 20"/>
-          <p:cNvSpPr/>
-          <p:nvPr/>
-        </p:nvSpPr>
-        <p:spPr>
-          <a:xfrm rot="5400000">
-            <a:off x="5477431" y="9728749"/>
-            <a:ext cx="1166642" cy="1807305"/>
-          </a:xfrm>
-          <a:prstGeom prst="rightArrow">
-            <a:avLst/>
-          </a:prstGeom>
-          <a:solidFill>
-            <a:srgbClr val="00B0F0"/>
-          </a:solidFill>
-          <a:ln>
-            <a:noFill/>
-          </a:ln>
-        </p:spPr>
-        <p:style>
-          <a:lnRef idx="2">
-            <a:schemeClr val="accent1">
-              <a:shade val="50000"/>
-            </a:schemeClr>
-          </a:lnRef>
-          <a:fillRef idx="1">
-            <a:schemeClr val="accent1"/>
-          </a:fillRef>
-          <a:effectRef idx="0">
-            <a:schemeClr val="accent1"/>
-          </a:effectRef>
-          <a:fontRef idx="minor">
-            <a:schemeClr val="lt1"/>
-          </a:fontRef>
-        </p:style>
-        <p:txBody>
-          <a:bodyPr lIns="295232" tIns="147616" rIns="295232" bIns="147616" rtlCol="0" anchor="ctr"/>
-          <a:lstStyle/>
-          <a:p>
-            <a:pPr algn="ctr"/>
-            <a:endParaRPr kumimoji="1" lang="ja-JP" altLang="en-US"/>
           </a:p>
         </p:txBody>
       </p:sp>
@@ -5151,7 +5569,7 @@
           <p:nvPr/>
         </p:nvPicPr>
         <p:blipFill>
-          <a:blip r:embed="rId2">
+          <a:blip r:embed="rId3">
             <a:extLst>
               <a:ext uri="{28A0092B-C50C-407E-A947-70E740481C1C}">
                 <a14:useLocalDpi xmlns:a14="http://schemas.microsoft.com/office/drawing/2010/main" val="0"/>
@@ -5164,8 +5582,8 @@
         </p:blipFill>
         <p:spPr>
           <a:xfrm>
-            <a:off x="12399651" y="4598522"/>
-            <a:ext cx="8503106" cy="7835189"/>
+            <a:off x="14634477" y="3203627"/>
+            <a:ext cx="6159423" cy="5675601"/>
           </a:xfrm>
           <a:prstGeom prst="rect">
             <a:avLst/>
@@ -5180,8 +5598,8 @@
         </p:nvSpPr>
         <p:spPr>
           <a:xfrm>
-            <a:off x="457705" y="11227959"/>
-            <a:ext cx="11316269" cy="1113878"/>
+            <a:off x="10014589" y="7741708"/>
+            <a:ext cx="4031565" cy="1995660"/>
           </a:xfrm>
           <a:prstGeom prst="roundRect">
             <a:avLst/>
@@ -5215,21 +5633,57 @@
           <a:p>
             <a:pPr algn="ctr"/>
             <a:r>
-              <a:rPr lang="ja-JP" altLang="en-US" sz="4800" dirty="0" smtClean="0">
+              <a:rPr lang="ja-JP" altLang="en-US" sz="3600" dirty="0" smtClean="0">
                 <a:solidFill>
                   <a:schemeClr val="tx1"/>
                 </a:solidFill>
                 <a:latin typeface="+mn-ea"/>
               </a:rPr>
-              <a:t>ビッグデータの処理技術を身につける</a:t>
-            </a:r>
-            <a:endParaRPr kumimoji="1" lang="ja-JP" altLang="en-US" sz="4800" dirty="0">
+              <a:t>ビッグデータの</a:t>
+            </a:r>
+            <a:endParaRPr lang="en-US" altLang="ja-JP" sz="3600" dirty="0" smtClean="0">
               <a:solidFill>
                 <a:schemeClr val="tx1"/>
               </a:solidFill>
               <a:latin typeface="+mn-ea"/>
             </a:endParaRPr>
           </a:p>
+          <a:p>
+            <a:pPr algn="ctr"/>
+            <a:r>
+              <a:rPr lang="ja-JP" altLang="en-US" sz="3600" dirty="0" smtClean="0">
+                <a:solidFill>
+                  <a:schemeClr val="tx1"/>
+                </a:solidFill>
+                <a:latin typeface="+mn-ea"/>
+              </a:rPr>
+              <a:t>処理技術を</a:t>
+            </a:r>
+            <a:endParaRPr lang="en-US" altLang="ja-JP" sz="3600" dirty="0" smtClean="0">
+              <a:solidFill>
+                <a:schemeClr val="tx1"/>
+              </a:solidFill>
+              <a:latin typeface="+mn-ea"/>
+            </a:endParaRPr>
+          </a:p>
+          <a:p>
+            <a:pPr algn="ctr"/>
+            <a:r>
+              <a:rPr lang="ja-JP" altLang="en-US" sz="3600" dirty="0" smtClean="0">
+                <a:solidFill>
+                  <a:schemeClr val="tx1"/>
+                </a:solidFill>
+                <a:latin typeface="+mn-ea"/>
+              </a:rPr>
+              <a:t>身につける．</a:t>
+            </a:r>
+            <a:endParaRPr kumimoji="1" lang="ja-JP" altLang="en-US" sz="3600" dirty="0">
+              <a:solidFill>
+                <a:schemeClr val="tx1"/>
+              </a:solidFill>
+              <a:latin typeface="+mn-ea"/>
+            </a:endParaRPr>
+          </a:p>
         </p:txBody>
       </p:sp>
       <p:sp>
@@ -5240,8 +5694,8 @@
         </p:nvSpPr>
         <p:spPr>
           <a:xfrm>
-            <a:off x="690877" y="14613399"/>
-            <a:ext cx="19893598" cy="1868407"/>
+            <a:off x="493247" y="11756421"/>
+            <a:ext cx="19273162" cy="1382255"/>
           </a:xfrm>
           <a:prstGeom prst="rect">
             <a:avLst/>
@@ -5276,7 +5730,7 @@
           <a:lstStyle/>
           <a:p>
             <a:r>
-              <a:rPr lang="en-US" altLang="ja-JP" sz="4800" dirty="0" smtClean="0">
+              <a:rPr lang="en-US" altLang="ja-JP" sz="3600" dirty="0" smtClean="0">
                 <a:solidFill>
                   <a:schemeClr val="tx1"/>
                 </a:solidFill>
@@ -5285,7 +5739,7 @@
               <a:t>Wikipedia</a:t>
             </a:r>
             <a:r>
-              <a:rPr lang="ja-JP" altLang="en-US" sz="4800" dirty="0" smtClean="0">
+              <a:rPr lang="ja-JP" altLang="en-US" sz="3600" dirty="0" smtClean="0">
                 <a:solidFill>
                   <a:schemeClr val="tx1"/>
                 </a:solidFill>
@@ -5293,7 +5747,7 @@
               </a:rPr>
               <a:t>の履歴データを扱えるようになるために，ビッグデータを解析できる技術を取得することを目指す．</a:t>
             </a:r>
-            <a:endParaRPr lang="en-US" altLang="ja-JP" sz="4800" dirty="0" smtClean="0">
+            <a:endParaRPr lang="en-US" altLang="ja-JP" sz="3600" dirty="0" smtClean="0">
               <a:solidFill>
                 <a:schemeClr val="tx1"/>
               </a:solidFill>
@@ -5310,8 +5764,8 @@
         </p:nvSpPr>
         <p:spPr>
           <a:xfrm>
-            <a:off x="400539" y="12908379"/>
-            <a:ext cx="3452101" cy="1322399"/>
+            <a:off x="457705" y="10784627"/>
+            <a:ext cx="2158099" cy="755597"/>
           </a:xfrm>
           <a:prstGeom prst="homePlate">
             <a:avLst/>
@@ -5345,14 +5799,14 @@
           <a:p>
             <a:pPr algn="ctr"/>
             <a:r>
-              <a:rPr lang="ja-JP" altLang="en-US" sz="6000" dirty="0" smtClean="0">
+              <a:rPr lang="ja-JP" altLang="en-US" sz="4400" dirty="0" smtClean="0">
                 <a:solidFill>
                   <a:schemeClr val="tx1"/>
                 </a:solidFill>
               </a:rPr>
               <a:t>目的</a:t>
             </a:r>
-            <a:endParaRPr lang="ja-JP" altLang="en-US" sz="6000" dirty="0">
+            <a:endParaRPr lang="ja-JP" altLang="en-US" sz="4400" dirty="0">
               <a:solidFill>
                 <a:schemeClr val="tx1"/>
               </a:solidFill>
@@ -5368,8 +5822,8 @@
         </p:nvSpPr>
         <p:spPr>
           <a:xfrm>
-            <a:off x="457705" y="3532084"/>
-            <a:ext cx="3452101" cy="1322399"/>
+            <a:off x="493247" y="3109271"/>
+            <a:ext cx="2567306" cy="817737"/>
           </a:xfrm>
           <a:prstGeom prst="homePlate">
             <a:avLst/>
@@ -5403,7 +5857,7 @@
           <a:p>
             <a:pPr algn="ctr"/>
             <a:r>
-              <a:rPr lang="ja-JP" altLang="en-US" sz="6000" dirty="0">
+              <a:rPr lang="ja-JP" altLang="en-US" sz="4400" dirty="0">
                 <a:solidFill>
                   <a:schemeClr val="tx1"/>
                 </a:solidFill>
@@ -5421,8 +5875,8 @@
         </p:nvSpPr>
         <p:spPr>
           <a:xfrm>
-            <a:off x="400539" y="17064155"/>
-            <a:ext cx="4316198" cy="1322399"/>
+            <a:off x="354653" y="18189745"/>
+            <a:ext cx="3698113" cy="687221"/>
           </a:xfrm>
           <a:prstGeom prst="homePlate">
             <a:avLst/>
@@ -5456,7 +5910,7 @@
           <a:p>
             <a:pPr algn="ctr"/>
             <a:r>
-              <a:rPr lang="ja-JP" altLang="en-US" sz="6000" dirty="0" smtClean="0">
+              <a:rPr lang="ja-JP" altLang="en-US" sz="4400" dirty="0" smtClean="0">
                 <a:solidFill>
                   <a:schemeClr val="tx1"/>
                 </a:solidFill>
@@ -5464,7 +5918,7 @@
               <a:t>研究</a:t>
             </a:r>
             <a:r>
-              <a:rPr lang="ja-JP" altLang="en-US" sz="6000" dirty="0">
+              <a:rPr lang="ja-JP" altLang="en-US" sz="4400" dirty="0">
                 <a:solidFill>
                   <a:schemeClr val="tx1"/>
                 </a:solidFill>
@@ -5474,265 +5928,6 @@
           </a:p>
         </p:txBody>
       </p:sp>
-      <p:grpSp>
-        <p:nvGrpSpPr>
-          <p:cNvPr id="33" name="グループ化 32"/>
-          <p:cNvGrpSpPr/>
-          <p:nvPr/>
-        </p:nvGrpSpPr>
-        <p:grpSpPr>
-          <a:xfrm>
-            <a:off x="1276635" y="18793750"/>
-            <a:ext cx="18722082" cy="1988698"/>
-            <a:chOff x="4870487" y="-240442"/>
-            <a:chExt cx="7306588" cy="2033757"/>
-          </a:xfrm>
-        </p:grpSpPr>
-        <p:sp>
-          <p:nvSpPr>
-            <p:cNvPr id="34" name="雲 33"/>
-            <p:cNvSpPr/>
-            <p:nvPr/>
-          </p:nvSpPr>
-          <p:spPr>
-            <a:xfrm>
-              <a:off x="4870487" y="-167237"/>
-              <a:ext cx="2605377" cy="1887348"/>
-            </a:xfrm>
-            <a:prstGeom prst="cloud">
-              <a:avLst/>
-            </a:prstGeom>
-            <a:solidFill>
-              <a:schemeClr val="bg1"/>
-            </a:solidFill>
-            <a:ln>
-              <a:solidFill>
-                <a:schemeClr val="tx1"/>
-              </a:solidFill>
-            </a:ln>
-          </p:spPr>
-          <p:style>
-            <a:lnRef idx="2">
-              <a:schemeClr val="accent1">
-                <a:shade val="50000"/>
-              </a:schemeClr>
-            </a:lnRef>
-            <a:fillRef idx="1">
-              <a:schemeClr val="accent1"/>
-            </a:fillRef>
-            <a:effectRef idx="0">
-              <a:schemeClr val="accent1"/>
-            </a:effectRef>
-            <a:fontRef idx="minor">
-              <a:schemeClr val="lt1"/>
-            </a:fontRef>
-          </p:style>
-          <p:txBody>
-            <a:bodyPr rtlCol="0" anchor="ctr"/>
-            <a:lstStyle/>
-            <a:p>
-              <a:pPr algn="ctr"/>
-              <a:r>
-                <a:rPr lang="en-US" altLang="ja-JP" sz="4800" dirty="0" smtClean="0">
-                  <a:solidFill>
-                    <a:schemeClr val="tx1"/>
-                  </a:solidFill>
-                  <a:latin typeface="+mn-ea"/>
-                </a:rPr>
-                <a:t>Wikipedia</a:t>
-              </a:r>
-              <a:r>
-                <a:rPr lang="ja-JP" altLang="en-US" sz="4800" dirty="0" smtClean="0">
-                  <a:solidFill>
-                    <a:schemeClr val="tx1"/>
-                  </a:solidFill>
-                  <a:latin typeface="+mn-ea"/>
-                </a:rPr>
-                <a:t>の</a:t>
-              </a:r>
-              <a:endParaRPr lang="en-US" altLang="ja-JP" sz="4800" dirty="0" smtClean="0">
-                <a:solidFill>
-                  <a:schemeClr val="tx1"/>
-                </a:solidFill>
-                <a:latin typeface="+mn-ea"/>
-              </a:endParaRPr>
-            </a:p>
-            <a:p>
-              <a:pPr algn="ctr"/>
-              <a:r>
-                <a:rPr lang="ja-JP" altLang="en-US" sz="4800" dirty="0" smtClean="0">
-                  <a:solidFill>
-                    <a:schemeClr val="tx1"/>
-                  </a:solidFill>
-                  <a:latin typeface="+mn-ea"/>
-                </a:rPr>
-                <a:t>履歴データ</a:t>
-              </a:r>
-              <a:endParaRPr kumimoji="1" lang="ja-JP" altLang="en-US" sz="4800" dirty="0">
-                <a:solidFill>
-                  <a:schemeClr val="tx1"/>
-                </a:solidFill>
-                <a:latin typeface="+mn-ea"/>
-              </a:endParaRPr>
-            </a:p>
-          </p:txBody>
-        </p:sp>
-        <p:sp>
-          <p:nvSpPr>
-            <p:cNvPr id="36" name="円/楕円 35"/>
-            <p:cNvSpPr/>
-            <p:nvPr/>
-          </p:nvSpPr>
-          <p:spPr>
-            <a:xfrm>
-              <a:off x="9775411" y="-240442"/>
-              <a:ext cx="2401664" cy="2033757"/>
-            </a:xfrm>
-            <a:prstGeom prst="ellipse">
-              <a:avLst/>
-            </a:prstGeom>
-            <a:solidFill>
-              <a:schemeClr val="accent3">
-                <a:lumMod val="20000"/>
-                <a:lumOff val="80000"/>
-              </a:schemeClr>
-            </a:solidFill>
-            <a:ln>
-              <a:solidFill>
-                <a:schemeClr val="tx1"/>
-              </a:solidFill>
-            </a:ln>
-          </p:spPr>
-          <p:style>
-            <a:lnRef idx="2">
-              <a:schemeClr val="accent1">
-                <a:shade val="50000"/>
-              </a:schemeClr>
-            </a:lnRef>
-            <a:fillRef idx="1">
-              <a:schemeClr val="accent1"/>
-            </a:fillRef>
-            <a:effectRef idx="0">
-              <a:schemeClr val="accent1"/>
-            </a:effectRef>
-            <a:fontRef idx="minor">
-              <a:schemeClr val="lt1"/>
-            </a:fontRef>
-          </p:style>
-          <p:txBody>
-            <a:bodyPr rtlCol="0" anchor="ctr"/>
-            <a:lstStyle/>
-            <a:p>
-              <a:pPr algn="ctr"/>
-              <a:r>
-                <a:rPr kumimoji="1" lang="ja-JP" altLang="en-US" sz="4800" dirty="0" smtClean="0">
-                  <a:solidFill>
-                    <a:schemeClr val="tx1"/>
-                  </a:solidFill>
-                  <a:latin typeface="+mn-ea"/>
-                </a:rPr>
-                <a:t>履歴データを</a:t>
-              </a:r>
-              <a:endParaRPr kumimoji="1" lang="en-US" altLang="ja-JP" sz="4800" dirty="0" smtClean="0">
-                <a:solidFill>
-                  <a:schemeClr val="tx1"/>
-                </a:solidFill>
-                <a:latin typeface="+mn-ea"/>
-              </a:endParaRPr>
-            </a:p>
-            <a:p>
-              <a:pPr algn="ctr"/>
-              <a:r>
-                <a:rPr kumimoji="1" lang="ja-JP" altLang="en-US" sz="4800" dirty="0" smtClean="0">
-                  <a:solidFill>
-                    <a:schemeClr val="tx1"/>
-                  </a:solidFill>
-                  <a:latin typeface="+mn-ea"/>
-                </a:rPr>
-                <a:t>取得・解析</a:t>
-              </a:r>
-              <a:endParaRPr kumimoji="1" lang="ja-JP" altLang="en-US" sz="4800" dirty="0">
-                <a:solidFill>
-                  <a:schemeClr val="tx1"/>
-                </a:solidFill>
-                <a:latin typeface="+mn-ea"/>
-              </a:endParaRPr>
-            </a:p>
-          </p:txBody>
-        </p:sp>
-      </p:grpSp>
-      <p:sp>
-        <p:nvSpPr>
-          <p:cNvPr id="38" name="右矢印 37"/>
-          <p:cNvSpPr/>
-          <p:nvPr/>
-        </p:nvSpPr>
-        <p:spPr>
-          <a:xfrm>
-            <a:off x="8702950" y="18310731"/>
-            <a:ext cx="4417784" cy="2954736"/>
-          </a:xfrm>
-          <a:prstGeom prst="rightArrow">
-            <a:avLst/>
-          </a:prstGeom>
-          <a:solidFill>
-            <a:srgbClr val="00B0F0"/>
-          </a:solidFill>
-          <a:ln>
-            <a:noFill/>
-          </a:ln>
-        </p:spPr>
-        <p:style>
-          <a:lnRef idx="2">
-            <a:schemeClr val="accent1">
-              <a:shade val="50000"/>
-            </a:schemeClr>
-          </a:lnRef>
-          <a:fillRef idx="1">
-            <a:schemeClr val="accent1"/>
-          </a:fillRef>
-          <a:effectRef idx="0">
-            <a:schemeClr val="accent1"/>
-          </a:effectRef>
-          <a:fontRef idx="minor">
-            <a:schemeClr val="lt1"/>
-          </a:fontRef>
-        </p:style>
-        <p:txBody>
-          <a:bodyPr lIns="295232" tIns="147616" rIns="295232" bIns="147616" rtlCol="0" anchor="ctr"/>
-          <a:lstStyle/>
-          <a:p>
-            <a:pPr algn="ctr"/>
-            <a:r>
-              <a:rPr lang="en-US" altLang="ja-JP" sz="4800" dirty="0" smtClean="0">
-                <a:solidFill>
-                  <a:schemeClr val="tx1"/>
-                </a:solidFill>
-                <a:latin typeface="+mn-ea"/>
-              </a:rPr>
-              <a:t>BigQuery</a:t>
-            </a:r>
-          </a:p>
-          <a:p>
-            <a:pPr algn="ctr"/>
-            <a:r>
-              <a:rPr lang="ja-JP" altLang="en-US" sz="4800" dirty="0" smtClean="0">
-                <a:solidFill>
-                  <a:schemeClr val="tx1"/>
-                </a:solidFill>
-                <a:latin typeface="+mn-ea"/>
-              </a:rPr>
-              <a:t>を使用</a:t>
-            </a:r>
-            <a:endParaRPr kumimoji="1" lang="ja-JP" altLang="en-US" sz="4800" dirty="0">
-              <a:solidFill>
-                <a:schemeClr val="tx1"/>
-              </a:solidFill>
-              <a:latin typeface="+mn-ea"/>
-            </a:endParaRPr>
-          </a:p>
-        </p:txBody>
-      </p:sp>
       <p:sp>
         <p:nvSpPr>
           <p:cNvPr id="43" name="ホームベース 42"/>
@@ -5741,8 +5936,8 @@
         </p:nvSpPr>
         <p:spPr>
           <a:xfrm>
-            <a:off x="457705" y="21771994"/>
-            <a:ext cx="6571982" cy="1322399"/>
+            <a:off x="13267775" y="18268118"/>
+            <a:ext cx="4979111" cy="759310"/>
           </a:xfrm>
           <a:prstGeom prst="homePlate">
             <a:avLst/>
@@ -5776,7 +5971,7 @@
           <a:p>
             <a:pPr algn="ctr"/>
             <a:r>
-              <a:rPr lang="ja-JP" altLang="en-US" sz="6000" dirty="0">
+              <a:rPr lang="ja-JP" altLang="en-US" sz="4400" dirty="0">
                 <a:solidFill>
                   <a:schemeClr val="tx1"/>
                 </a:solidFill>
@@ -5784,14 +5979,14 @@
               <a:t>現在</a:t>
             </a:r>
             <a:r>
-              <a:rPr lang="ja-JP" altLang="en-US" sz="6000" dirty="0" smtClean="0">
+              <a:rPr lang="ja-JP" altLang="en-US" sz="4400" dirty="0" smtClean="0">
                 <a:solidFill>
                   <a:schemeClr val="tx1"/>
                 </a:solidFill>
               </a:rPr>
               <a:t>の進捗状況</a:t>
             </a:r>
-            <a:endParaRPr lang="ja-JP" altLang="en-US" sz="6000" dirty="0">
+            <a:endParaRPr lang="ja-JP" altLang="en-US" sz="4400" dirty="0">
               <a:solidFill>
                 <a:schemeClr val="tx1"/>
               </a:solidFill>
@@ -5807,8 +6002,8 @@
         </p:nvSpPr>
         <p:spPr>
           <a:xfrm>
-            <a:off x="594014" y="23339153"/>
-            <a:ext cx="9739346" cy="6490466"/>
+            <a:off x="13178628" y="19268720"/>
+            <a:ext cx="7584598" cy="7119528"/>
           </a:xfrm>
           <a:prstGeom prst="rect">
             <a:avLst/>
@@ -5846,7 +6041,7 @@
               <a:buFont typeface="Wingdings" panose="05000000000000000000" pitchFamily="2" charset="2"/>
               <a:buChar char="l"/>
             </a:pPr>
-            <a:endParaRPr lang="en-US" altLang="ja-JP" sz="4800" dirty="0" smtClean="0">
+            <a:endParaRPr lang="en-US" altLang="ja-JP" sz="3600" dirty="0" smtClean="0">
               <a:solidFill>
                 <a:schemeClr val="tx1"/>
               </a:solidFill>
@@ -5858,7 +6053,7 @@
               <a:buFont typeface="Wingdings" panose="05000000000000000000" pitchFamily="2" charset="2"/>
               <a:buChar char="l"/>
             </a:pPr>
-            <a:endParaRPr lang="en-US" altLang="ja-JP" sz="4800" dirty="0">
+            <a:endParaRPr lang="en-US" altLang="ja-JP" sz="3600" dirty="0">
               <a:solidFill>
                 <a:schemeClr val="tx1"/>
               </a:solidFill>
@@ -5870,7 +6065,7 @@
               <a:buFont typeface="Wingdings" panose="05000000000000000000" pitchFamily="2" charset="2"/>
               <a:buChar char="l"/>
             </a:pPr>
-            <a:endParaRPr lang="en-US" altLang="ja-JP" sz="4800" dirty="0" smtClean="0">
+            <a:endParaRPr lang="en-US" altLang="ja-JP" sz="3600" dirty="0" smtClean="0">
               <a:solidFill>
                 <a:schemeClr val="tx1"/>
               </a:solidFill>
@@ -5882,7 +6077,7 @@
               <a:buFont typeface="Wingdings" panose="05000000000000000000" pitchFamily="2" charset="2"/>
               <a:buChar char="l"/>
             </a:pPr>
-            <a:endParaRPr lang="en-US" altLang="ja-JP" sz="4800" dirty="0">
+            <a:endParaRPr lang="en-US" altLang="ja-JP" sz="3600" dirty="0">
               <a:solidFill>
                 <a:schemeClr val="tx1"/>
               </a:solidFill>
@@ -5894,7 +6089,7 @@
               <a:buFont typeface="Wingdings" panose="05000000000000000000" pitchFamily="2" charset="2"/>
               <a:buChar char="l"/>
             </a:pPr>
-            <a:endParaRPr lang="en-US" altLang="ja-JP" sz="4800" dirty="0" smtClean="0">
+            <a:endParaRPr lang="en-US" altLang="ja-JP" sz="3600" dirty="0" smtClean="0">
               <a:solidFill>
                 <a:schemeClr val="tx1"/>
               </a:solidFill>
@@ -5906,7 +6101,7 @@
               <a:buFont typeface="Wingdings" panose="05000000000000000000" pitchFamily="2" charset="2"/>
               <a:buChar char="l"/>
             </a:pPr>
-            <a:endParaRPr lang="en-US" altLang="ja-JP" sz="4800" dirty="0" smtClean="0">
+            <a:endParaRPr lang="en-US" altLang="ja-JP" sz="3600" dirty="0" smtClean="0">
               <a:solidFill>
                 <a:schemeClr val="tx1"/>
               </a:solidFill>
@@ -5914,8 +6109,40 @@
             </a:endParaRPr>
           </a:p>
           <a:p>
-            <a:r>
-              <a:rPr lang="ja-JP" altLang="en-US" sz="4800" dirty="0" smtClean="0">
+            <a:endParaRPr lang="en-US" altLang="ja-JP" sz="3600" dirty="0" smtClean="0">
+              <a:solidFill>
+                <a:schemeClr val="tx1"/>
+              </a:solidFill>
+              <a:latin typeface="+mn-ea"/>
+            </a:endParaRPr>
+          </a:p>
+          <a:p>
+            <a:endParaRPr lang="en-US" altLang="ja-JP" sz="3600" dirty="0">
+              <a:solidFill>
+                <a:schemeClr val="tx1"/>
+              </a:solidFill>
+              <a:latin typeface="+mn-ea"/>
+            </a:endParaRPr>
+          </a:p>
+          <a:p>
+            <a:endParaRPr lang="en-US" altLang="ja-JP" sz="3600" dirty="0" smtClean="0">
+              <a:solidFill>
+                <a:schemeClr val="tx1"/>
+              </a:solidFill>
+              <a:latin typeface="+mn-ea"/>
+            </a:endParaRPr>
+          </a:p>
+          <a:p>
+            <a:endParaRPr lang="en-US" altLang="ja-JP" sz="3600" dirty="0">
+              <a:solidFill>
+                <a:schemeClr val="tx1"/>
+              </a:solidFill>
+              <a:latin typeface="+mn-ea"/>
+            </a:endParaRPr>
+          </a:p>
+          <a:p>
+            <a:r>
+              <a:rPr lang="ja-JP" altLang="en-US" sz="3600" dirty="0" smtClean="0">
                 <a:solidFill>
                   <a:schemeClr val="tx1"/>
                 </a:solidFill>
@@ -5923,7 +6150,7 @@
               </a:rPr>
               <a:t>処理テストとして，差し戻しの</a:t>
             </a:r>
-            <a:endParaRPr lang="en-US" altLang="ja-JP" sz="4800" dirty="0" smtClean="0">
+            <a:endParaRPr lang="en-US" altLang="ja-JP" sz="3600" dirty="0" smtClean="0">
               <a:solidFill>
                 <a:schemeClr val="tx1"/>
               </a:solidFill>
@@ -5932,7 +6159,7 @@
           </a:p>
           <a:p>
             <a:r>
-              <a:rPr lang="ja-JP" altLang="en-US" sz="4800" dirty="0" smtClean="0">
+              <a:rPr lang="ja-JP" altLang="en-US" sz="3600" dirty="0" smtClean="0">
                 <a:solidFill>
                   <a:schemeClr val="tx1"/>
                 </a:solidFill>
@@ -5940,7 +6167,7 @@
               </a:rPr>
               <a:t>履歴データを取得した．</a:t>
             </a:r>
-            <a:endParaRPr lang="en-US" altLang="ja-JP" sz="4800" dirty="0" smtClean="0">
+            <a:endParaRPr lang="en-US" altLang="ja-JP" sz="3600" dirty="0" smtClean="0">
               <a:solidFill>
                 <a:schemeClr val="tx1"/>
               </a:solidFill>
@@ -5958,7 +6185,7 @@
           <p:nvPr/>
         </p:nvPicPr>
         <p:blipFill>
-          <a:blip r:embed="rId3">
+          <a:blip r:embed="rId4">
             <a:extLst>
               <a:ext uri="{28A0092B-C50C-407E-A947-70E740481C1C}">
                 <a14:useLocalDpi xmlns:a14="http://schemas.microsoft.com/office/drawing/2010/main" val="0"/>
@@ -5971,8 +6198,8 @@
         </p:blipFill>
         <p:spPr>
           <a:xfrm>
-            <a:off x="2558638" y="23689947"/>
-            <a:ext cx="5649113" cy="3829584"/>
+            <a:off x="13728979" y="19893680"/>
+            <a:ext cx="6483896" cy="4395490"/>
           </a:xfrm>
           <a:prstGeom prst="rect">
             <a:avLst/>
@@ -5995,8 +6222,8 @@
         </p:nvSpPr>
         <p:spPr>
           <a:xfrm>
-            <a:off x="12050441" y="21771993"/>
-            <a:ext cx="5123679" cy="1322399"/>
+            <a:off x="366813" y="27328170"/>
+            <a:ext cx="3729264" cy="762712"/>
           </a:xfrm>
           <a:prstGeom prst="homePlate">
             <a:avLst/>
@@ -6030,14 +6257,14 @@
           <a:p>
             <a:pPr algn="ctr"/>
             <a:r>
-              <a:rPr lang="ja-JP" altLang="en-US" sz="6000" dirty="0" smtClean="0">
+              <a:rPr lang="ja-JP" altLang="en-US" sz="4400" dirty="0" smtClean="0">
                 <a:solidFill>
                   <a:schemeClr val="tx1"/>
                 </a:solidFill>
               </a:rPr>
               <a:t>今後の計画</a:t>
             </a:r>
-            <a:endParaRPr lang="ja-JP" altLang="en-US" sz="6000" dirty="0">
+            <a:endParaRPr lang="ja-JP" altLang="en-US" sz="4400" dirty="0">
               <a:solidFill>
                 <a:schemeClr val="tx1"/>
               </a:solidFill>
@@ -6053,8 +6280,8 @@
         </p:nvSpPr>
         <p:spPr>
           <a:xfrm>
-            <a:off x="11900374" y="23689947"/>
-            <a:ext cx="8974439" cy="4415947"/>
+            <a:off x="510735" y="28316371"/>
+            <a:ext cx="20166510" cy="1503782"/>
           </a:xfrm>
           <a:prstGeom prst="rect">
             <a:avLst/>
@@ -6089,7 +6316,7 @@
           <a:lstStyle/>
           <a:p>
             <a:r>
-              <a:rPr lang="en-US" altLang="ja-JP" sz="4800" dirty="0" smtClean="0">
+              <a:rPr lang="en-US" altLang="ja-JP" sz="3600" dirty="0" smtClean="0">
                 <a:solidFill>
                   <a:schemeClr val="tx1"/>
                 </a:solidFill>
@@ -6098,7 +6325,7 @@
               <a:t>Wikipedia</a:t>
             </a:r>
             <a:r>
-              <a:rPr lang="ja-JP" altLang="en-US" sz="4800" dirty="0" smtClean="0">
+              <a:rPr lang="ja-JP" altLang="en-US" sz="3600" dirty="0" smtClean="0">
                 <a:solidFill>
                   <a:schemeClr val="tx1"/>
                 </a:solidFill>
@@ -6106,7 +6333,7 @@
               </a:rPr>
               <a:t>の全編集履歴データをダウンロードする．</a:t>
             </a:r>
-            <a:endParaRPr lang="en-US" altLang="ja-JP" sz="4800" dirty="0" smtClean="0">
+            <a:endParaRPr lang="en-US" altLang="ja-JP" sz="3600" dirty="0" smtClean="0">
               <a:solidFill>
                 <a:schemeClr val="tx1"/>
               </a:solidFill>
@@ -6114,16 +6341,8 @@
             </a:endParaRPr>
           </a:p>
           <a:p>
-            <a:endParaRPr lang="en-US" altLang="ja-JP" sz="4800" dirty="0" smtClean="0">
-              <a:solidFill>
-                <a:schemeClr val="tx1"/>
-              </a:solidFill>
-              <a:latin typeface="+mn-ea"/>
-            </a:endParaRPr>
-          </a:p>
-          <a:p>
-            <a:r>
-              <a:rPr lang="ja-JP" altLang="en-US" sz="4800" dirty="0" smtClean="0">
+            <a:r>
+              <a:rPr lang="ja-JP" altLang="en-US" sz="3600" dirty="0" smtClean="0">
                 <a:solidFill>
                   <a:schemeClr val="tx1"/>
                 </a:solidFill>
@@ -6132,7 +6351,7 @@
               <a:t>引き続き</a:t>
             </a:r>
             <a:r>
-              <a:rPr lang="en-US" altLang="ja-JP" sz="4800" dirty="0" smtClean="0">
+              <a:rPr lang="en-US" altLang="ja-JP" sz="3600" dirty="0" smtClean="0">
                 <a:solidFill>
                   <a:schemeClr val="tx1"/>
                 </a:solidFill>
@@ -6141,7 +6360,7 @@
               <a:t>BigQuery</a:t>
             </a:r>
             <a:r>
-              <a:rPr lang="ja-JP" altLang="en-US" sz="4800" dirty="0" err="1" smtClean="0">
+              <a:rPr lang="ja-JP" altLang="en-US" sz="3600" dirty="0">
                 <a:solidFill>
                   <a:schemeClr val="tx1"/>
                 </a:solidFill>
@@ -6150,7 +6369,7 @@
               <a:t>，</a:t>
             </a:r>
             <a:r>
-              <a:rPr lang="ja-JP" altLang="en-US" sz="4800" dirty="0" smtClean="0">
+              <a:rPr lang="ja-JP" altLang="en-US" sz="3600" dirty="0" smtClean="0">
                 <a:solidFill>
                   <a:schemeClr val="tx1"/>
                 </a:solidFill>
@@ -6159,7 +6378,7 @@
               <a:t>または</a:t>
             </a:r>
             <a:r>
-              <a:rPr lang="en-US" altLang="ja-JP" sz="4800" dirty="0" smtClean="0">
+              <a:rPr lang="en-US" altLang="ja-JP" sz="3600" dirty="0" smtClean="0">
                 <a:solidFill>
                   <a:schemeClr val="tx1"/>
                 </a:solidFill>
@@ -6168,7 +6387,7 @@
               <a:t>API</a:t>
             </a:r>
             <a:r>
-              <a:rPr lang="ja-JP" altLang="en-US" sz="4800" dirty="0" smtClean="0">
+              <a:rPr lang="ja-JP" altLang="en-US" sz="3600" dirty="0" smtClean="0">
                 <a:solidFill>
                   <a:schemeClr val="tx1"/>
                 </a:solidFill>
@@ -6176,7 +6395,1217 @@
               </a:rPr>
               <a:t>を用いて解析する．</a:t>
             </a:r>
-            <a:endParaRPr lang="en-US" altLang="ja-JP" sz="4800" dirty="0" smtClean="0">
+            <a:endParaRPr lang="en-US" altLang="ja-JP" sz="3600" dirty="0" smtClean="0">
+              <a:solidFill>
+                <a:schemeClr val="tx1"/>
+              </a:solidFill>
+              <a:latin typeface="+mn-ea"/>
+            </a:endParaRPr>
+          </a:p>
+        </p:txBody>
+      </p:sp>
+      <p:sp>
+        <p:nvSpPr>
+          <p:cNvPr id="23" name="ホームベース 22"/>
+          <p:cNvSpPr/>
+          <p:nvPr/>
+        </p:nvSpPr>
+        <p:spPr>
+          <a:xfrm>
+            <a:off x="354653" y="14115728"/>
+            <a:ext cx="5022623" cy="816443"/>
+          </a:xfrm>
+          <a:prstGeom prst="homePlate">
+            <a:avLst/>
+          </a:prstGeom>
+          <a:solidFill>
+            <a:srgbClr val="92D050"/>
+          </a:solidFill>
+          <a:ln>
+            <a:noFill/>
+          </a:ln>
+        </p:spPr>
+        <p:style>
+          <a:lnRef idx="2">
+            <a:schemeClr val="accent1">
+              <a:shade val="50000"/>
+            </a:schemeClr>
+          </a:lnRef>
+          <a:fillRef idx="1">
+            <a:schemeClr val="accent1"/>
+          </a:fillRef>
+          <a:effectRef idx="0">
+            <a:schemeClr val="accent1"/>
+          </a:effectRef>
+          <a:fontRef idx="minor">
+            <a:schemeClr val="lt1"/>
+          </a:fontRef>
+        </p:style>
+        <p:txBody>
+          <a:bodyPr lIns="295232" tIns="147616" rIns="295232" bIns="147616" rtlCol="0" anchor="ctr"/>
+          <a:lstStyle/>
+          <a:p>
+            <a:pPr algn="ctr"/>
+            <a:r>
+              <a:rPr lang="en-US" altLang="ja-JP" sz="4400" dirty="0" smtClean="0">
+                <a:solidFill>
+                  <a:schemeClr val="tx1"/>
+                </a:solidFill>
+              </a:rPr>
+              <a:t>PM</a:t>
+            </a:r>
+            <a:r>
+              <a:rPr lang="ja-JP" altLang="en-US" sz="4400" dirty="0" smtClean="0">
+                <a:solidFill>
+                  <a:schemeClr val="tx1"/>
+                </a:solidFill>
+              </a:rPr>
+              <a:t>との関連性</a:t>
+            </a:r>
+            <a:endParaRPr lang="ja-JP" altLang="en-US" sz="4400" dirty="0">
+              <a:solidFill>
+                <a:schemeClr val="tx1"/>
+              </a:solidFill>
+            </a:endParaRPr>
+          </a:p>
+        </p:txBody>
+      </p:sp>
+      <p:sp>
+        <p:nvSpPr>
+          <p:cNvPr id="25" name="角丸四角形 24"/>
+          <p:cNvSpPr/>
+          <p:nvPr/>
+        </p:nvSpPr>
+        <p:spPr>
+          <a:xfrm>
+            <a:off x="604234" y="4157666"/>
+            <a:ext cx="12249406" cy="3038863"/>
+          </a:xfrm>
+          <a:prstGeom prst="roundRect">
+            <a:avLst/>
+          </a:prstGeom>
+          <a:solidFill>
+            <a:schemeClr val="bg1"/>
+          </a:solidFill>
+          <a:ln>
+            <a:noFill/>
+          </a:ln>
+        </p:spPr>
+        <p:style>
+          <a:lnRef idx="2">
+            <a:schemeClr val="accent1">
+              <a:shade val="50000"/>
+            </a:schemeClr>
+          </a:lnRef>
+          <a:fillRef idx="1">
+            <a:schemeClr val="accent1"/>
+          </a:fillRef>
+          <a:effectRef idx="0">
+            <a:schemeClr val="accent1"/>
+          </a:effectRef>
+          <a:fontRef idx="minor">
+            <a:schemeClr val="lt1"/>
+          </a:fontRef>
+        </p:style>
+        <p:txBody>
+          <a:bodyPr lIns="295232" tIns="147616" rIns="295232" bIns="147616" rtlCol="0" anchor="ctr"/>
+          <a:lstStyle/>
+          <a:p>
+            <a:r>
+              <a:rPr kumimoji="1" lang="en-US" altLang="ja-JP" sz="3600" dirty="0" smtClean="0">
+                <a:solidFill>
+                  <a:schemeClr val="tx1"/>
+                </a:solidFill>
+                <a:latin typeface="+mn-ea"/>
+              </a:rPr>
+              <a:t>Wikipedia</a:t>
+            </a:r>
+            <a:r>
+              <a:rPr kumimoji="1" lang="ja-JP" altLang="en-US" sz="3600" dirty="0" smtClean="0">
+                <a:solidFill>
+                  <a:schemeClr val="tx1"/>
+                </a:solidFill>
+                <a:latin typeface="+mn-ea"/>
+              </a:rPr>
+              <a:t>はオープンなプロジェクトにおける最も有名な成功事例の</a:t>
+            </a:r>
+            <a:r>
+              <a:rPr kumimoji="1" lang="en-US" altLang="ja-JP" sz="3600" dirty="0" smtClean="0">
+                <a:solidFill>
+                  <a:schemeClr val="tx1"/>
+                </a:solidFill>
+                <a:latin typeface="+mn-ea"/>
+              </a:rPr>
+              <a:t>1</a:t>
+            </a:r>
+            <a:r>
+              <a:rPr kumimoji="1" lang="ja-JP" altLang="en-US" sz="3600" dirty="0" smtClean="0">
+                <a:solidFill>
+                  <a:schemeClr val="tx1"/>
+                </a:solidFill>
+                <a:latin typeface="+mn-ea"/>
+              </a:rPr>
+              <a:t>つ．</a:t>
+            </a:r>
+            <a:endParaRPr kumimoji="1" lang="en-US" altLang="ja-JP" sz="3600" dirty="0" smtClean="0">
+              <a:solidFill>
+                <a:schemeClr val="tx1"/>
+              </a:solidFill>
+              <a:latin typeface="+mn-ea"/>
+            </a:endParaRPr>
+          </a:p>
+          <a:p>
+            <a:r>
+              <a:rPr kumimoji="1" lang="ja-JP" altLang="en-US" sz="3600" dirty="0" smtClean="0">
+                <a:solidFill>
+                  <a:schemeClr val="tx1"/>
+                </a:solidFill>
+                <a:latin typeface="+mn-ea"/>
+              </a:rPr>
+              <a:t>調査することによりオープンなプロジェクトでのマネジメントについての知見が得られることが期待できる．</a:t>
+            </a:r>
+            <a:endParaRPr kumimoji="1" lang="ja-JP" altLang="en-US" sz="3600" dirty="0">
+              <a:solidFill>
+                <a:schemeClr val="tx1"/>
+              </a:solidFill>
+              <a:latin typeface="+mn-ea"/>
+            </a:endParaRPr>
+          </a:p>
+        </p:txBody>
+      </p:sp>
+      <p:sp>
+        <p:nvSpPr>
+          <p:cNvPr id="4" name="正方形/長方形 3"/>
+          <p:cNvSpPr/>
+          <p:nvPr/>
+        </p:nvSpPr>
+        <p:spPr>
+          <a:xfrm>
+            <a:off x="180232" y="10594746"/>
+            <a:ext cx="20906812" cy="2921359"/>
+          </a:xfrm>
+          <a:prstGeom prst="rect">
+            <a:avLst/>
+          </a:prstGeom>
+          <a:noFill/>
+          <a:ln w="38100">
+            <a:solidFill>
+              <a:schemeClr val="tx1"/>
+            </a:solidFill>
+          </a:ln>
+        </p:spPr>
+        <p:style>
+          <a:lnRef idx="2">
+            <a:schemeClr val="accent1">
+              <a:shade val="50000"/>
+            </a:schemeClr>
+          </a:lnRef>
+          <a:fillRef idx="1">
+            <a:schemeClr val="accent1"/>
+          </a:fillRef>
+          <a:effectRef idx="0">
+            <a:schemeClr val="accent1"/>
+          </a:effectRef>
+          <a:fontRef idx="minor">
+            <a:schemeClr val="lt1"/>
+          </a:fontRef>
+        </p:style>
+        <p:txBody>
+          <a:bodyPr rtlCol="0" anchor="ctr"/>
+          <a:lstStyle/>
+          <a:p>
+            <a:pPr algn="ctr"/>
+            <a:endParaRPr kumimoji="1" lang="ja-JP" altLang="en-US"/>
+          </a:p>
+        </p:txBody>
+      </p:sp>
+      <p:sp>
+        <p:nvSpPr>
+          <p:cNvPr id="31" name="円/楕円 30"/>
+          <p:cNvSpPr/>
+          <p:nvPr/>
+        </p:nvSpPr>
+        <p:spPr>
+          <a:xfrm>
+            <a:off x="5902604" y="15630130"/>
+            <a:ext cx="4191681" cy="1262942"/>
+          </a:xfrm>
+          <a:prstGeom prst="ellipse">
+            <a:avLst/>
+          </a:prstGeom>
+          <a:solidFill>
+            <a:srgbClr val="FFFF00"/>
+          </a:solidFill>
+          <a:ln>
+            <a:solidFill>
+              <a:srgbClr val="92D050"/>
+            </a:solidFill>
+          </a:ln>
+        </p:spPr>
+        <p:style>
+          <a:lnRef idx="2">
+            <a:schemeClr val="accent1">
+              <a:shade val="50000"/>
+            </a:schemeClr>
+          </a:lnRef>
+          <a:fillRef idx="1">
+            <a:schemeClr val="accent1"/>
+          </a:fillRef>
+          <a:effectRef idx="0">
+            <a:schemeClr val="accent1"/>
+          </a:effectRef>
+          <a:fontRef idx="minor">
+            <a:schemeClr val="lt1"/>
+          </a:fontRef>
+        </p:style>
+        <p:txBody>
+          <a:bodyPr rtlCol="0" anchor="ctr"/>
+          <a:lstStyle/>
+          <a:p>
+            <a:pPr algn="ctr"/>
+            <a:r>
+              <a:rPr lang="ja-JP" altLang="en-US" sz="3600" dirty="0" smtClean="0">
+                <a:solidFill>
+                  <a:schemeClr val="tx1"/>
+                </a:solidFill>
+                <a:latin typeface="+mn-ea"/>
+              </a:rPr>
+              <a:t>品質管理</a:t>
+            </a:r>
+            <a:endParaRPr lang="en-US" altLang="ja-JP" sz="3600" dirty="0" smtClean="0">
+              <a:solidFill>
+                <a:schemeClr val="tx1"/>
+              </a:solidFill>
+              <a:latin typeface="+mn-ea"/>
+            </a:endParaRPr>
+          </a:p>
+          <a:p>
+            <a:pPr algn="ctr"/>
+            <a:r>
+              <a:rPr lang="ja-JP" altLang="en-US" sz="3600" dirty="0" smtClean="0">
+                <a:solidFill>
+                  <a:schemeClr val="tx1"/>
+                </a:solidFill>
+                <a:latin typeface="+mn-ea"/>
+              </a:rPr>
+              <a:t>マネジメント</a:t>
+            </a:r>
+            <a:endParaRPr lang="en-US" altLang="ja-JP" sz="3600" dirty="0">
+              <a:solidFill>
+                <a:schemeClr val="tx1"/>
+              </a:solidFill>
+              <a:latin typeface="+mn-ea"/>
+            </a:endParaRPr>
+          </a:p>
+        </p:txBody>
+      </p:sp>
+      <p:sp>
+        <p:nvSpPr>
+          <p:cNvPr id="35" name="円/楕円 34"/>
+          <p:cNvSpPr/>
+          <p:nvPr/>
+        </p:nvSpPr>
+        <p:spPr>
+          <a:xfrm>
+            <a:off x="16428773" y="15453541"/>
+            <a:ext cx="4248472" cy="1455143"/>
+          </a:xfrm>
+          <a:prstGeom prst="ellipse">
+            <a:avLst/>
+          </a:prstGeom>
+          <a:solidFill>
+            <a:srgbClr val="FFFF00"/>
+          </a:solidFill>
+          <a:ln>
+            <a:solidFill>
+              <a:srgbClr val="92D050"/>
+            </a:solidFill>
+          </a:ln>
+        </p:spPr>
+        <p:style>
+          <a:lnRef idx="2">
+            <a:schemeClr val="accent1">
+              <a:shade val="50000"/>
+            </a:schemeClr>
+          </a:lnRef>
+          <a:fillRef idx="1">
+            <a:schemeClr val="accent1"/>
+          </a:fillRef>
+          <a:effectRef idx="0">
+            <a:schemeClr val="accent1"/>
+          </a:effectRef>
+          <a:fontRef idx="minor">
+            <a:schemeClr val="lt1"/>
+          </a:fontRef>
+        </p:style>
+        <p:txBody>
+          <a:bodyPr rtlCol="0" anchor="ctr"/>
+          <a:lstStyle/>
+          <a:p>
+            <a:pPr algn="ctr"/>
+            <a:r>
+              <a:rPr lang="ja-JP" altLang="en-US" sz="3600" dirty="0" smtClean="0">
+                <a:solidFill>
+                  <a:schemeClr val="tx1"/>
+                </a:solidFill>
+                <a:latin typeface="+mn-ea"/>
+              </a:rPr>
+              <a:t>人的</a:t>
+            </a:r>
+            <a:r>
+              <a:rPr lang="ja-JP" altLang="en-US" sz="3600" dirty="0">
+                <a:solidFill>
+                  <a:schemeClr val="tx1"/>
+                </a:solidFill>
+                <a:latin typeface="+mn-ea"/>
+              </a:rPr>
+              <a:t>資源</a:t>
+            </a:r>
+            <a:endParaRPr lang="en-US" altLang="ja-JP" sz="3600" dirty="0" smtClean="0">
+              <a:solidFill>
+                <a:schemeClr val="tx1"/>
+              </a:solidFill>
+              <a:latin typeface="+mn-ea"/>
+            </a:endParaRPr>
+          </a:p>
+          <a:p>
+            <a:pPr algn="ctr"/>
+            <a:r>
+              <a:rPr lang="ja-JP" altLang="en-US" sz="3600" dirty="0" smtClean="0">
+                <a:solidFill>
+                  <a:schemeClr val="tx1"/>
+                </a:solidFill>
+                <a:latin typeface="+mn-ea"/>
+              </a:rPr>
+              <a:t>マネジメント</a:t>
+            </a:r>
+            <a:endParaRPr lang="en-US" altLang="ja-JP" sz="3600" dirty="0">
+              <a:solidFill>
+                <a:schemeClr val="tx1"/>
+              </a:solidFill>
+              <a:latin typeface="+mn-ea"/>
+            </a:endParaRPr>
+          </a:p>
+        </p:txBody>
+      </p:sp>
+      <p:sp>
+        <p:nvSpPr>
+          <p:cNvPr id="37" name="角丸四角形 36"/>
+          <p:cNvSpPr/>
+          <p:nvPr/>
+        </p:nvSpPr>
+        <p:spPr>
+          <a:xfrm>
+            <a:off x="510735" y="15263772"/>
+            <a:ext cx="4031565" cy="1995660"/>
+          </a:xfrm>
+          <a:prstGeom prst="roundRect">
+            <a:avLst/>
+          </a:prstGeom>
+          <a:solidFill>
+            <a:schemeClr val="bg1"/>
+          </a:solidFill>
+          <a:ln>
+            <a:noFill/>
+          </a:ln>
+        </p:spPr>
+        <p:style>
+          <a:lnRef idx="2">
+            <a:schemeClr val="accent1">
+              <a:shade val="50000"/>
+            </a:schemeClr>
+          </a:lnRef>
+          <a:fillRef idx="1">
+            <a:schemeClr val="accent1"/>
+          </a:fillRef>
+          <a:effectRef idx="0">
+            <a:schemeClr val="accent1"/>
+          </a:effectRef>
+          <a:fontRef idx="minor">
+            <a:schemeClr val="lt1"/>
+          </a:fontRef>
+        </p:style>
+        <p:txBody>
+          <a:bodyPr lIns="295232" tIns="147616" rIns="295232" bIns="147616" rtlCol="0" anchor="ctr"/>
+          <a:lstStyle/>
+          <a:p>
+            <a:r>
+              <a:rPr lang="ja-JP" altLang="en-US" sz="3600" dirty="0" smtClean="0">
+                <a:solidFill>
+                  <a:schemeClr val="tx1"/>
+                </a:solidFill>
+                <a:latin typeface="+mn-ea"/>
+              </a:rPr>
+              <a:t>誰もが使用する</a:t>
+            </a:r>
+            <a:endParaRPr lang="en-US" altLang="ja-JP" sz="3600" dirty="0" smtClean="0">
+              <a:solidFill>
+                <a:schemeClr val="tx1"/>
+              </a:solidFill>
+              <a:latin typeface="+mn-ea"/>
+            </a:endParaRPr>
+          </a:p>
+          <a:p>
+            <a:r>
+              <a:rPr lang="ja-JP" altLang="en-US" sz="3600" dirty="0" smtClean="0">
+                <a:solidFill>
+                  <a:schemeClr val="tx1"/>
+                </a:solidFill>
+                <a:latin typeface="+mn-ea"/>
+              </a:rPr>
+              <a:t>記事の質を保っている．</a:t>
+            </a:r>
+            <a:endParaRPr kumimoji="1" lang="ja-JP" altLang="en-US" sz="3600" dirty="0">
+              <a:solidFill>
+                <a:schemeClr val="tx1"/>
+              </a:solidFill>
+              <a:latin typeface="+mn-ea"/>
+            </a:endParaRPr>
+          </a:p>
+        </p:txBody>
+      </p:sp>
+      <p:sp>
+        <p:nvSpPr>
+          <p:cNvPr id="39" name="正方形/長方形 38"/>
+          <p:cNvSpPr/>
+          <p:nvPr/>
+        </p:nvSpPr>
+        <p:spPr>
+          <a:xfrm>
+            <a:off x="189372" y="13844933"/>
+            <a:ext cx="20897672" cy="3745189"/>
+          </a:xfrm>
+          <a:prstGeom prst="rect">
+            <a:avLst/>
+          </a:prstGeom>
+          <a:noFill/>
+          <a:ln w="38100">
+            <a:solidFill>
+              <a:schemeClr val="tx1"/>
+            </a:solidFill>
+          </a:ln>
+        </p:spPr>
+        <p:style>
+          <a:lnRef idx="2">
+            <a:schemeClr val="accent1">
+              <a:shade val="50000"/>
+            </a:schemeClr>
+          </a:lnRef>
+          <a:fillRef idx="1">
+            <a:schemeClr val="accent1"/>
+          </a:fillRef>
+          <a:effectRef idx="0">
+            <a:schemeClr val="accent1"/>
+          </a:effectRef>
+          <a:fontRef idx="minor">
+            <a:schemeClr val="lt1"/>
+          </a:fontRef>
+        </p:style>
+        <p:txBody>
+          <a:bodyPr rtlCol="0" anchor="ctr"/>
+          <a:lstStyle/>
+          <a:p>
+            <a:pPr algn="ctr"/>
+            <a:endParaRPr kumimoji="1" lang="ja-JP" altLang="en-US"/>
+          </a:p>
+        </p:txBody>
+      </p:sp>
+      <p:sp>
+        <p:nvSpPr>
+          <p:cNvPr id="40" name="角丸四角形 39"/>
+          <p:cNvSpPr/>
+          <p:nvPr/>
+        </p:nvSpPr>
+        <p:spPr>
+          <a:xfrm>
+            <a:off x="10911843" y="15181143"/>
+            <a:ext cx="4174046" cy="1995660"/>
+          </a:xfrm>
+          <a:prstGeom prst="roundRect">
+            <a:avLst/>
+          </a:prstGeom>
+          <a:solidFill>
+            <a:schemeClr val="bg1"/>
+          </a:solidFill>
+          <a:ln>
+            <a:noFill/>
+          </a:ln>
+        </p:spPr>
+        <p:style>
+          <a:lnRef idx="2">
+            <a:schemeClr val="accent1">
+              <a:shade val="50000"/>
+            </a:schemeClr>
+          </a:lnRef>
+          <a:fillRef idx="1">
+            <a:schemeClr val="accent1"/>
+          </a:fillRef>
+          <a:effectRef idx="0">
+            <a:schemeClr val="accent1"/>
+          </a:effectRef>
+          <a:fontRef idx="minor">
+            <a:schemeClr val="lt1"/>
+          </a:fontRef>
+        </p:style>
+        <p:txBody>
+          <a:bodyPr lIns="295232" tIns="147616" rIns="295232" bIns="147616" rtlCol="0" anchor="ctr"/>
+          <a:lstStyle/>
+          <a:p>
+            <a:r>
+              <a:rPr lang="ja-JP" altLang="en-US" sz="3600" dirty="0" smtClean="0">
+                <a:solidFill>
+                  <a:schemeClr val="tx1"/>
+                </a:solidFill>
+                <a:latin typeface="+mn-ea"/>
+              </a:rPr>
+              <a:t>多くのボランティアにより成り立っている．</a:t>
+            </a:r>
+            <a:endParaRPr kumimoji="1" lang="ja-JP" altLang="en-US" sz="3600" dirty="0">
+              <a:solidFill>
+                <a:schemeClr val="tx1"/>
+              </a:solidFill>
+              <a:latin typeface="+mn-ea"/>
+            </a:endParaRPr>
+          </a:p>
+        </p:txBody>
+      </p:sp>
+      <p:sp>
+        <p:nvSpPr>
+          <p:cNvPr id="41" name="上矢印 40"/>
+          <p:cNvSpPr/>
+          <p:nvPr/>
+        </p:nvSpPr>
+        <p:spPr>
+          <a:xfrm rot="5400000">
+            <a:off x="4897057" y="15777222"/>
+            <a:ext cx="668211" cy="968759"/>
+          </a:xfrm>
+          <a:prstGeom prst="upArrow">
+            <a:avLst/>
+          </a:prstGeom>
+          <a:solidFill>
+            <a:srgbClr val="00B0F0"/>
+          </a:solidFill>
+          <a:ln>
+            <a:noFill/>
+          </a:ln>
+        </p:spPr>
+        <p:style>
+          <a:lnRef idx="2">
+            <a:schemeClr val="accent1">
+              <a:shade val="50000"/>
+            </a:schemeClr>
+          </a:lnRef>
+          <a:fillRef idx="1">
+            <a:schemeClr val="accent1"/>
+          </a:fillRef>
+          <a:effectRef idx="0">
+            <a:schemeClr val="accent1"/>
+          </a:effectRef>
+          <a:fontRef idx="minor">
+            <a:schemeClr val="lt1"/>
+          </a:fontRef>
+        </p:style>
+        <p:txBody>
+          <a:bodyPr lIns="295232" tIns="147616" rIns="295232" bIns="147616" rtlCol="0" anchor="ctr"/>
+          <a:lstStyle/>
+          <a:p>
+            <a:pPr algn="ctr"/>
+            <a:endParaRPr kumimoji="1" lang="ja-JP" altLang="en-US"/>
+          </a:p>
+        </p:txBody>
+      </p:sp>
+      <p:sp>
+        <p:nvSpPr>
+          <p:cNvPr id="42" name="上矢印 41"/>
+          <p:cNvSpPr/>
+          <p:nvPr/>
+        </p:nvSpPr>
+        <p:spPr>
+          <a:xfrm rot="5400000">
+            <a:off x="15415045" y="15731905"/>
+            <a:ext cx="668211" cy="968759"/>
+          </a:xfrm>
+          <a:prstGeom prst="upArrow">
+            <a:avLst/>
+          </a:prstGeom>
+          <a:solidFill>
+            <a:srgbClr val="00B0F0"/>
+          </a:solidFill>
+          <a:ln>
+            <a:noFill/>
+          </a:ln>
+        </p:spPr>
+        <p:style>
+          <a:lnRef idx="2">
+            <a:schemeClr val="accent1">
+              <a:shade val="50000"/>
+            </a:schemeClr>
+          </a:lnRef>
+          <a:fillRef idx="1">
+            <a:schemeClr val="accent1"/>
+          </a:fillRef>
+          <a:effectRef idx="0">
+            <a:schemeClr val="accent1"/>
+          </a:effectRef>
+          <a:fontRef idx="minor">
+            <a:schemeClr val="lt1"/>
+          </a:fontRef>
+        </p:style>
+        <p:txBody>
+          <a:bodyPr lIns="295232" tIns="147616" rIns="295232" bIns="147616" rtlCol="0" anchor="ctr"/>
+          <a:lstStyle/>
+          <a:p>
+            <a:pPr algn="ctr"/>
+            <a:endParaRPr kumimoji="1" lang="ja-JP" altLang="en-US"/>
+          </a:p>
+        </p:txBody>
+      </p:sp>
+      <p:sp>
+        <p:nvSpPr>
+          <p:cNvPr id="47" name="正方形/長方形 46"/>
+          <p:cNvSpPr/>
+          <p:nvPr/>
+        </p:nvSpPr>
+        <p:spPr>
+          <a:xfrm>
+            <a:off x="12826629" y="17792154"/>
+            <a:ext cx="8288596" cy="9047651"/>
+          </a:xfrm>
+          <a:prstGeom prst="rect">
+            <a:avLst/>
+          </a:prstGeom>
+          <a:noFill/>
+          <a:ln w="38100">
+            <a:solidFill>
+              <a:schemeClr val="tx1"/>
+            </a:solidFill>
+          </a:ln>
+        </p:spPr>
+        <p:style>
+          <a:lnRef idx="2">
+            <a:schemeClr val="accent1">
+              <a:shade val="50000"/>
+            </a:schemeClr>
+          </a:lnRef>
+          <a:fillRef idx="1">
+            <a:schemeClr val="accent1"/>
+          </a:fillRef>
+          <a:effectRef idx="0">
+            <a:schemeClr val="accent1"/>
+          </a:effectRef>
+          <a:fontRef idx="minor">
+            <a:schemeClr val="lt1"/>
+          </a:fontRef>
+        </p:style>
+        <p:txBody>
+          <a:bodyPr rtlCol="0" anchor="ctr"/>
+          <a:lstStyle/>
+          <a:p>
+            <a:pPr algn="ctr"/>
+            <a:endParaRPr kumimoji="1" lang="ja-JP" altLang="en-US"/>
+          </a:p>
+        </p:txBody>
+      </p:sp>
+      <p:sp>
+        <p:nvSpPr>
+          <p:cNvPr id="48" name="正方形/長方形 47"/>
+          <p:cNvSpPr/>
+          <p:nvPr/>
+        </p:nvSpPr>
+        <p:spPr>
+          <a:xfrm>
+            <a:off x="180232" y="27104040"/>
+            <a:ext cx="20881529" cy="2941602"/>
+          </a:xfrm>
+          <a:prstGeom prst="rect">
+            <a:avLst/>
+          </a:prstGeom>
+          <a:noFill/>
+          <a:ln w="38100">
+            <a:solidFill>
+              <a:schemeClr val="tx1"/>
+            </a:solidFill>
+          </a:ln>
+        </p:spPr>
+        <p:style>
+          <a:lnRef idx="2">
+            <a:schemeClr val="accent1">
+              <a:shade val="50000"/>
+            </a:schemeClr>
+          </a:lnRef>
+          <a:fillRef idx="1">
+            <a:schemeClr val="accent1"/>
+          </a:fillRef>
+          <a:effectRef idx="0">
+            <a:schemeClr val="accent1"/>
+          </a:effectRef>
+          <a:fontRef idx="minor">
+            <a:schemeClr val="lt1"/>
+          </a:fontRef>
+        </p:style>
+        <p:txBody>
+          <a:bodyPr rtlCol="0" anchor="ctr"/>
+          <a:lstStyle/>
+          <a:p>
+            <a:pPr algn="ctr"/>
+            <a:endParaRPr kumimoji="1" lang="ja-JP" altLang="en-US"/>
+          </a:p>
+        </p:txBody>
+      </p:sp>
+      <p:sp>
+        <p:nvSpPr>
+          <p:cNvPr id="49" name="正方形/長方形 48"/>
+          <p:cNvSpPr/>
+          <p:nvPr/>
+        </p:nvSpPr>
+        <p:spPr>
+          <a:xfrm>
+            <a:off x="180232" y="17792155"/>
+            <a:ext cx="12448045" cy="9047650"/>
+          </a:xfrm>
+          <a:prstGeom prst="rect">
+            <a:avLst/>
+          </a:prstGeom>
+          <a:noFill/>
+          <a:ln w="38100">
+            <a:solidFill>
+              <a:schemeClr val="tx1"/>
+            </a:solidFill>
+          </a:ln>
+        </p:spPr>
+        <p:style>
+          <a:lnRef idx="2">
+            <a:schemeClr val="accent1">
+              <a:shade val="50000"/>
+            </a:schemeClr>
+          </a:lnRef>
+          <a:fillRef idx="1">
+            <a:schemeClr val="accent1"/>
+          </a:fillRef>
+          <a:effectRef idx="0">
+            <a:schemeClr val="accent1"/>
+          </a:effectRef>
+          <a:fontRef idx="minor">
+            <a:schemeClr val="lt1"/>
+          </a:fontRef>
+        </p:style>
+        <p:txBody>
+          <a:bodyPr rtlCol="0" anchor="ctr"/>
+          <a:lstStyle/>
+          <a:p>
+            <a:pPr algn="ctr"/>
+            <a:endParaRPr kumimoji="1" lang="ja-JP" altLang="en-US"/>
+          </a:p>
+        </p:txBody>
+      </p:sp>
+      <p:sp>
+        <p:nvSpPr>
+          <p:cNvPr id="50" name="角丸四角形 49"/>
+          <p:cNvSpPr/>
+          <p:nvPr/>
+        </p:nvSpPr>
+        <p:spPr>
+          <a:xfrm>
+            <a:off x="510735" y="19141201"/>
+            <a:ext cx="11792554" cy="1398147"/>
+          </a:xfrm>
+          <a:prstGeom prst="roundRect">
+            <a:avLst/>
+          </a:prstGeom>
+          <a:solidFill>
+            <a:schemeClr val="bg1"/>
+          </a:solidFill>
+          <a:ln>
+            <a:noFill/>
+          </a:ln>
+        </p:spPr>
+        <p:style>
+          <a:lnRef idx="2">
+            <a:schemeClr val="accent1">
+              <a:shade val="50000"/>
+            </a:schemeClr>
+          </a:lnRef>
+          <a:fillRef idx="1">
+            <a:schemeClr val="accent1"/>
+          </a:fillRef>
+          <a:effectRef idx="0">
+            <a:schemeClr val="accent1"/>
+          </a:effectRef>
+          <a:fontRef idx="minor">
+            <a:schemeClr val="lt1"/>
+          </a:fontRef>
+        </p:style>
+        <p:txBody>
+          <a:bodyPr lIns="295232" tIns="147616" rIns="295232" bIns="147616" rtlCol="0" anchor="ctr"/>
+          <a:lstStyle/>
+          <a:p>
+            <a:r>
+              <a:rPr lang="en-US" altLang="ja-JP" sz="3600" dirty="0" smtClean="0">
+                <a:solidFill>
+                  <a:schemeClr val="tx1"/>
+                </a:solidFill>
+                <a:latin typeface="+mn-ea"/>
+              </a:rPr>
+              <a:t>BigQuery</a:t>
+            </a:r>
+            <a:r>
+              <a:rPr lang="ja-JP" altLang="en-US" sz="3600" dirty="0" smtClean="0">
+                <a:solidFill>
+                  <a:schemeClr val="tx1"/>
+                </a:solidFill>
+                <a:latin typeface="+mn-ea"/>
+              </a:rPr>
+              <a:t>（大量のデータに対して高速にクエリを実行可能な</a:t>
+            </a:r>
+            <a:r>
+              <a:rPr lang="en-US" altLang="ja-JP" sz="3600" dirty="0" smtClean="0">
+                <a:solidFill>
+                  <a:schemeClr val="tx1"/>
+                </a:solidFill>
+                <a:latin typeface="+mn-ea"/>
+              </a:rPr>
+              <a:t>Google</a:t>
+            </a:r>
+            <a:r>
+              <a:rPr lang="ja-JP" altLang="en-US" sz="3600" dirty="0" smtClean="0">
+                <a:solidFill>
+                  <a:schemeClr val="tx1"/>
+                </a:solidFill>
+                <a:latin typeface="+mn-ea"/>
+              </a:rPr>
+              <a:t>のサービス）を用いて調査する．</a:t>
+            </a:r>
+            <a:endParaRPr kumimoji="1" lang="ja-JP" altLang="en-US" sz="3600" dirty="0">
+              <a:solidFill>
+                <a:schemeClr val="tx1"/>
+              </a:solidFill>
+              <a:latin typeface="+mn-ea"/>
+            </a:endParaRPr>
+          </a:p>
+        </p:txBody>
+      </p:sp>
+      <p:sp>
+        <p:nvSpPr>
+          <p:cNvPr id="51" name="角丸四角形 50"/>
+          <p:cNvSpPr/>
+          <p:nvPr/>
+        </p:nvSpPr>
+        <p:spPr>
+          <a:xfrm>
+            <a:off x="493247" y="21027334"/>
+            <a:ext cx="6730664" cy="1816874"/>
+          </a:xfrm>
+          <a:prstGeom prst="roundRect">
+            <a:avLst/>
+          </a:prstGeom>
+          <a:solidFill>
+            <a:schemeClr val="bg1"/>
+          </a:solidFill>
+          <a:ln>
+            <a:noFill/>
+          </a:ln>
+        </p:spPr>
+        <p:style>
+          <a:lnRef idx="2">
+            <a:schemeClr val="accent1">
+              <a:shade val="50000"/>
+            </a:schemeClr>
+          </a:lnRef>
+          <a:fillRef idx="1">
+            <a:schemeClr val="accent1"/>
+          </a:fillRef>
+          <a:effectRef idx="0">
+            <a:schemeClr val="accent1"/>
+          </a:effectRef>
+          <a:fontRef idx="minor">
+            <a:schemeClr val="lt1"/>
+          </a:fontRef>
+        </p:style>
+        <p:txBody>
+          <a:bodyPr lIns="295232" tIns="147616" rIns="295232" bIns="147616" rtlCol="0" anchor="ctr"/>
+          <a:lstStyle/>
+          <a:p>
+            <a:r>
+              <a:rPr kumimoji="1" lang="en-US" altLang="ja-JP" sz="3600" dirty="0" smtClean="0">
+                <a:solidFill>
+                  <a:schemeClr val="tx1"/>
+                </a:solidFill>
+                <a:latin typeface="+mn-ea"/>
+              </a:rPr>
+              <a:t>Wikipedia</a:t>
+            </a:r>
+            <a:r>
+              <a:rPr kumimoji="1" lang="ja-JP" altLang="en-US" sz="3600" dirty="0" smtClean="0">
+                <a:solidFill>
+                  <a:schemeClr val="tx1"/>
+                </a:solidFill>
+                <a:latin typeface="+mn-ea"/>
+              </a:rPr>
+              <a:t>の作業履歴データを用いて調査をする．</a:t>
+            </a:r>
+            <a:endParaRPr kumimoji="1" lang="en-US" altLang="ja-JP" sz="3600" dirty="0" smtClean="0">
+              <a:solidFill>
+                <a:schemeClr val="tx1"/>
+              </a:solidFill>
+              <a:latin typeface="+mn-ea"/>
+            </a:endParaRPr>
+          </a:p>
+        </p:txBody>
+      </p:sp>
+      <p:pic>
+        <p:nvPicPr>
+          <p:cNvPr id="8" name="図 7"/>
+          <p:cNvPicPr>
+            <a:picLocks noChangeAspect="1"/>
+          </p:cNvPicPr>
+          <p:nvPr/>
+        </p:nvPicPr>
+        <p:blipFill>
+          <a:blip r:embed="rId5">
+            <a:extLst>
+              <a:ext uri="{28A0092B-C50C-407E-A947-70E740481C1C}">
+                <a14:useLocalDpi xmlns:a14="http://schemas.microsoft.com/office/drawing/2010/main" val="0"/>
+              </a:ext>
+            </a:extLst>
+          </a:blip>
+          <a:stretch>
+            <a:fillRect/>
+          </a:stretch>
+        </p:blipFill>
+        <p:spPr>
+          <a:xfrm>
+            <a:off x="7664932" y="21138971"/>
+            <a:ext cx="4522324" cy="3777025"/>
+          </a:xfrm>
+          <a:prstGeom prst="rect">
+            <a:avLst/>
+          </a:prstGeom>
+        </p:spPr>
+      </p:pic>
+      <p:sp>
+        <p:nvSpPr>
+          <p:cNvPr id="52" name="角丸四角形 51"/>
+          <p:cNvSpPr/>
+          <p:nvPr/>
+        </p:nvSpPr>
+        <p:spPr>
+          <a:xfrm>
+            <a:off x="7664932" y="24884161"/>
+            <a:ext cx="4699315" cy="1488943"/>
+          </a:xfrm>
+          <a:prstGeom prst="roundRect">
+            <a:avLst/>
+          </a:prstGeom>
+          <a:noFill/>
+          <a:ln>
+            <a:noFill/>
+          </a:ln>
+        </p:spPr>
+        <p:style>
+          <a:lnRef idx="2">
+            <a:schemeClr val="accent1">
+              <a:shade val="50000"/>
+            </a:schemeClr>
+          </a:lnRef>
+          <a:fillRef idx="1">
+            <a:schemeClr val="accent1"/>
+          </a:fillRef>
+          <a:effectRef idx="0">
+            <a:schemeClr val="accent1"/>
+          </a:effectRef>
+          <a:fontRef idx="minor">
+            <a:schemeClr val="lt1"/>
+          </a:fontRef>
+        </p:style>
+        <p:txBody>
+          <a:bodyPr lIns="295232" tIns="147616" rIns="295232" bIns="147616" rtlCol="0" anchor="ctr"/>
+          <a:lstStyle/>
+          <a:p>
+            <a:r>
+              <a:rPr lang="ja-JP" altLang="en-US" sz="3600" dirty="0" smtClean="0">
+                <a:solidFill>
+                  <a:schemeClr val="tx1"/>
+                </a:solidFill>
+                <a:latin typeface="+mn-ea"/>
+              </a:rPr>
+              <a:t>↑</a:t>
+            </a:r>
+            <a:r>
+              <a:rPr lang="en-US" altLang="ja-JP" sz="3600" dirty="0" smtClean="0">
+                <a:solidFill>
+                  <a:schemeClr val="tx1"/>
+                </a:solidFill>
+                <a:latin typeface="+mn-ea"/>
+              </a:rPr>
+              <a:t>BigQuery</a:t>
+            </a:r>
+          </a:p>
+          <a:p>
+            <a:r>
+              <a:rPr lang="ja-JP" altLang="en-US" sz="3600" dirty="0">
+                <a:solidFill>
+                  <a:schemeClr val="tx1"/>
+                </a:solidFill>
+                <a:latin typeface="+mn-ea"/>
+              </a:rPr>
+              <a:t>　</a:t>
+            </a:r>
+            <a:r>
+              <a:rPr lang="ja-JP" altLang="en-US" sz="3600" dirty="0" smtClean="0">
+                <a:solidFill>
+                  <a:schemeClr val="tx1"/>
+                </a:solidFill>
+                <a:latin typeface="+mn-ea"/>
+              </a:rPr>
+              <a:t>のウェブページ</a:t>
+            </a:r>
+            <a:endParaRPr kumimoji="1" lang="ja-JP" altLang="en-US" sz="3600" dirty="0">
+              <a:solidFill>
+                <a:schemeClr val="tx1"/>
+              </a:solidFill>
+              <a:latin typeface="+mn-ea"/>
+            </a:endParaRPr>
+          </a:p>
+        </p:txBody>
+      </p:sp>
+      <p:sp>
+        <p:nvSpPr>
+          <p:cNvPr id="53" name="角丸四角形 52"/>
+          <p:cNvSpPr/>
+          <p:nvPr/>
+        </p:nvSpPr>
+        <p:spPr>
+          <a:xfrm>
+            <a:off x="506307" y="23231910"/>
+            <a:ext cx="6645826" cy="3040741"/>
+          </a:xfrm>
+          <a:prstGeom prst="roundRect">
+            <a:avLst/>
+          </a:prstGeom>
+          <a:solidFill>
+            <a:schemeClr val="bg1"/>
+          </a:solidFill>
+          <a:ln>
+            <a:noFill/>
+          </a:ln>
+        </p:spPr>
+        <p:style>
+          <a:lnRef idx="2">
+            <a:schemeClr val="accent1">
+              <a:shade val="50000"/>
+            </a:schemeClr>
+          </a:lnRef>
+          <a:fillRef idx="1">
+            <a:schemeClr val="accent1"/>
+          </a:fillRef>
+          <a:effectRef idx="0">
+            <a:schemeClr val="accent1"/>
+          </a:effectRef>
+          <a:fontRef idx="minor">
+            <a:schemeClr val="lt1"/>
+          </a:fontRef>
+        </p:style>
+        <p:txBody>
+          <a:bodyPr lIns="295232" tIns="147616" rIns="295232" bIns="147616" rtlCol="0" anchor="ctr"/>
+          <a:lstStyle/>
+          <a:p>
+            <a:r>
+              <a:rPr lang="ja-JP" altLang="en-US" sz="3600" dirty="0">
+                <a:solidFill>
+                  <a:schemeClr val="tx1"/>
+                </a:solidFill>
+                <a:latin typeface="+mn-ea"/>
+              </a:rPr>
+              <a:t>ビッグデータを処理できる技術を取得できたかのテストとして，差し戻しの統計を取る．</a:t>
+            </a:r>
+          </a:p>
+        </p:txBody>
+      </p:sp>
+      <p:sp>
+        <p:nvSpPr>
+          <p:cNvPr id="38" name="角丸四角形 37"/>
+          <p:cNvSpPr/>
+          <p:nvPr/>
+        </p:nvSpPr>
+        <p:spPr>
+          <a:xfrm>
+            <a:off x="15757330" y="8831652"/>
+            <a:ext cx="4699315" cy="1488943"/>
+          </a:xfrm>
+          <a:prstGeom prst="roundRect">
+            <a:avLst/>
+          </a:prstGeom>
+          <a:noFill/>
+          <a:ln>
+            <a:noFill/>
+          </a:ln>
+        </p:spPr>
+        <p:style>
+          <a:lnRef idx="2">
+            <a:schemeClr val="accent1">
+              <a:shade val="50000"/>
+            </a:schemeClr>
+          </a:lnRef>
+          <a:fillRef idx="1">
+            <a:schemeClr val="accent1"/>
+          </a:fillRef>
+          <a:effectRef idx="0">
+            <a:schemeClr val="accent1"/>
+          </a:effectRef>
+          <a:fontRef idx="minor">
+            <a:schemeClr val="lt1"/>
+          </a:fontRef>
+        </p:style>
+        <p:txBody>
+          <a:bodyPr lIns="295232" tIns="147616" rIns="295232" bIns="147616" rtlCol="0" anchor="ctr"/>
+          <a:lstStyle/>
+          <a:p>
+            <a:r>
+              <a:rPr lang="ja-JP" altLang="en-US" sz="3600" dirty="0" smtClean="0">
+                <a:solidFill>
+                  <a:schemeClr val="tx1"/>
+                </a:solidFill>
+                <a:latin typeface="+mn-ea"/>
+              </a:rPr>
+              <a:t>↑</a:t>
+            </a:r>
+            <a:r>
+              <a:rPr lang="en-US" altLang="ja-JP" sz="3600" dirty="0" smtClean="0">
+                <a:solidFill>
+                  <a:schemeClr val="tx1"/>
+                </a:solidFill>
+                <a:latin typeface="+mn-ea"/>
+              </a:rPr>
+              <a:t>Wikipedia</a:t>
+            </a:r>
+            <a:endParaRPr lang="en-US" altLang="ja-JP" sz="3600" dirty="0" smtClean="0">
+              <a:solidFill>
+                <a:schemeClr val="tx1"/>
+              </a:solidFill>
+              <a:latin typeface="+mn-ea"/>
+            </a:endParaRPr>
+          </a:p>
+          <a:p>
+            <a:r>
+              <a:rPr lang="ja-JP" altLang="en-US" sz="3600" dirty="0">
+                <a:solidFill>
+                  <a:schemeClr val="tx1"/>
+                </a:solidFill>
+                <a:latin typeface="+mn-ea"/>
+              </a:rPr>
+              <a:t>　</a:t>
+            </a:r>
+            <a:r>
+              <a:rPr lang="ja-JP" altLang="en-US" sz="3600" dirty="0" smtClean="0">
+                <a:solidFill>
+                  <a:schemeClr val="tx1"/>
+                </a:solidFill>
+                <a:latin typeface="+mn-ea"/>
+              </a:rPr>
+              <a:t>のウェブページ</a:t>
+            </a:r>
+            <a:endParaRPr kumimoji="1" lang="ja-JP" altLang="en-US" sz="3600" dirty="0">
               <a:solidFill>
                 <a:schemeClr val="tx1"/>
               </a:solidFill>
@@ -6511,4 +7940,265 @@
   <a:objectDefaults/>
   <a:extraClrSchemeLst/>
 </a:theme>
+</file>
+
+<file path=ppt/theme/theme2.xml><?xml version="1.0" encoding="utf-8"?>
+<a:theme xmlns:a="http://schemas.openxmlformats.org/drawingml/2006/main" name="Office テーマ">
+  <a:themeElements>
+    <a:clrScheme name="Office">
+      <a:dk1>
+        <a:sysClr val="windowText" lastClr="000000"/>
+      </a:dk1>
+      <a:lt1>
+        <a:sysClr val="window" lastClr="FFFFFF"/>
+      </a:lt1>
+      <a:dk2>
+        <a:srgbClr val="44546A"/>
+      </a:dk2>
+      <a:lt2>
+        <a:srgbClr val="E7E6E6"/>
+      </a:lt2>
+      <a:accent1>
+        <a:srgbClr val="5B9BD5"/>
+      </a:accent1>
+      <a:accent2>
+        <a:srgbClr val="ED7D31"/>
+      </a:accent2>
+      <a:accent3>
+        <a:srgbClr val="A5A5A5"/>
+      </a:accent3>
+      <a:accent4>
+        <a:srgbClr val="FFC000"/>
+      </a:accent4>
+      <a:accent5>
+        <a:srgbClr val="4472C4"/>
+      </a:accent5>
+      <a:accent6>
+        <a:srgbClr val="70AD47"/>
+      </a:accent6>
+      <a:hlink>
+        <a:srgbClr val="0563C1"/>
+      </a:hlink>
+      <a:folHlink>
+        <a:srgbClr val="954F72"/>
+      </a:folHlink>
+    </a:clrScheme>
+    <a:fontScheme name="Office">
+      <a:majorFont>
+        <a:latin typeface="Calibri Light" panose="020F0302020204030204"/>
+        <a:ea typeface=""/>
+        <a:cs typeface=""/>
+        <a:font script="Jpan" typeface="ＭＳ Ｐゴシック"/>
+        <a:font script="Hang" typeface="맑은 고딕"/>
+        <a:font script="Hans" typeface="宋体"/>
+        <a:font script="Hant" typeface="新細明體"/>
+        <a:font script="Arab" typeface="Times New Roman"/>
+        <a:font script="Hebr" typeface="Times New Roman"/>
+        <a:font script="Thai" typeface="Angsana New"/>
+        <a:font script="Ethi" typeface="Nyala"/>
+        <a:font script="Beng" typeface="Vrinda"/>
+        <a:font script="Gujr" typeface="Shruti"/>
+        <a:font script="Khmr" typeface="MoolBoran"/>
+        <a:font script="Knda" typeface="Tunga"/>
+        <a:font script="Guru" typeface="Raavi"/>
+        <a:font script="Cans" typeface="Euphemia"/>
+        <a:font script="Cher" typeface="Plantagenet Cherokee"/>
+        <a:font script="Yiii" typeface="Microsoft Yi Baiti"/>
+        <a:font script="Tibt" typeface="Microsoft Himalaya"/>
+        <a:font script="Thaa" typeface="MV Boli"/>
+        <a:font script="Deva" typeface="Mangal"/>
+        <a:font script="Telu" typeface="Gautami"/>
+        <a:font script="Taml" typeface="Latha"/>
+        <a:font script="Syrc" typeface="Estrangelo Edessa"/>
+        <a:font script="Orya" typeface="Kalinga"/>
+        <a:font script="Mlym" typeface="Kartika"/>
+        <a:font script="Laoo" typeface="DokChampa"/>
+        <a:font script="Sinh" typeface="Iskoola Pota"/>
+        <a:font script="Mong" typeface="Mongolian Baiti"/>
+        <a:font script="Viet" typeface="Times New Roman"/>
+        <a:font script="Uigh" typeface="Microsoft Uighur"/>
+        <a:font script="Geor" typeface="Sylfaen"/>
+      </a:majorFont>
+      <a:minorFont>
+        <a:latin typeface="Calibri" panose="020F0502020204030204"/>
+        <a:ea typeface=""/>
+        <a:cs typeface=""/>
+        <a:font script="Jpan" typeface="ＭＳ Ｐゴシック"/>
+        <a:font script="Hang" typeface="맑은 고딕"/>
+        <a:font script="Hans" typeface="宋体"/>
+        <a:font script="Hant" typeface="新細明體"/>
+        <a:font script="Arab" typeface="Arial"/>
+        <a:font script="Hebr" typeface="Arial"/>
+        <a:font script="Thai" typeface="Cordia New"/>
+        <a:font script="Ethi" typeface="Nyala"/>
+        <a:font script="Beng" typeface="Vrinda"/>
+        <a:font script="Gujr" typeface="Shruti"/>
+        <a:font script="Khmr" typeface="DaunPenh"/>
+        <a:font script="Knda" typeface="Tunga"/>
+        <a:font script="Guru" typeface="Raavi"/>
+        <a:font script="Cans" typeface="Euphemia"/>
+        <a:font script="Cher" typeface="Plantagenet Cherokee"/>
+        <a:font script="Yiii" typeface="Microsoft Yi Baiti"/>
+        <a:font script="Tibt" typeface="Microsoft Himalaya"/>
+        <a:font script="Thaa" typeface="MV Boli"/>
+        <a:font script="Deva" typeface="Mangal"/>
+        <a:font script="Telu" typeface="Gautami"/>
+        <a:font script="Taml" typeface="Latha"/>
+        <a:font script="Syrc" typeface="Estrangelo Edessa"/>
+        <a:font script="Orya" typeface="Kalinga"/>
+        <a:font script="Mlym" typeface="Kartika"/>
+        <a:font script="Laoo" typeface="DokChampa"/>
+        <a:font script="Sinh" typeface="Iskoola Pota"/>
+        <a:font script="Mong" typeface="Mongolian Baiti"/>
+        <a:font script="Viet" typeface="Arial"/>
+        <a:font script="Uigh" typeface="Microsoft Uighur"/>
+        <a:font script="Geor" typeface="Sylfaen"/>
+      </a:minorFont>
+    </a:fontScheme>
+    <a:fmtScheme name="Office">
+      <a:fillStyleLst>
+        <a:solidFill>
+          <a:schemeClr val="phClr"/>
+        </a:solidFill>
+        <a:gradFill rotWithShape="1">
+          <a:gsLst>
+            <a:gs pos="0">
+              <a:schemeClr val="phClr">
+                <a:lumMod val="110000"/>
+                <a:satMod val="105000"/>
+                <a:tint val="67000"/>
+              </a:schemeClr>
+            </a:gs>
+            <a:gs pos="50000">
+              <a:schemeClr val="phClr">
+                <a:lumMod val="105000"/>
+                <a:satMod val="103000"/>
+                <a:tint val="73000"/>
+              </a:schemeClr>
+            </a:gs>
+            <a:gs pos="100000">
+              <a:schemeClr val="phClr">
+                <a:lumMod val="105000"/>
+                <a:satMod val="109000"/>
+                <a:tint val="81000"/>
+              </a:schemeClr>
+            </a:gs>
+          </a:gsLst>
+          <a:lin ang="5400000" scaled="0"/>
+        </a:gradFill>
+        <a:gradFill rotWithShape="1">
+          <a:gsLst>
+            <a:gs pos="0">
+              <a:schemeClr val="phClr">
+                <a:satMod val="103000"/>
+                <a:lumMod val="102000"/>
+                <a:tint val="94000"/>
+              </a:schemeClr>
+            </a:gs>
+            <a:gs pos="50000">
+              <a:schemeClr val="phClr">
+                <a:satMod val="110000"/>
+                <a:lumMod val="100000"/>
+                <a:shade val="100000"/>
+              </a:schemeClr>
+            </a:gs>
+            <a:gs pos="100000">
+              <a:schemeClr val="phClr">
+                <a:lumMod val="99000"/>
+                <a:satMod val="120000"/>
+                <a:shade val="78000"/>
+              </a:schemeClr>
+            </a:gs>
+          </a:gsLst>
+          <a:lin ang="5400000" scaled="0"/>
+        </a:gradFill>
+      </a:fillStyleLst>
+      <a:lnStyleLst>
+        <a:ln w="6350" cap="flat" cmpd="sng" algn="ctr">
+          <a:solidFill>
+            <a:schemeClr val="phClr"/>
+          </a:solidFill>
+          <a:prstDash val="solid"/>
+          <a:miter lim="800000"/>
+        </a:ln>
+        <a:ln w="12700" cap="flat" cmpd="sng" algn="ctr">
+          <a:solidFill>
+            <a:schemeClr val="phClr"/>
+          </a:solidFill>
+          <a:prstDash val="solid"/>
+          <a:miter lim="800000"/>
+        </a:ln>
+        <a:ln w="19050" cap="flat" cmpd="sng" algn="ctr">
+          <a:solidFill>
+            <a:schemeClr val="phClr"/>
+          </a:solidFill>
+          <a:prstDash val="solid"/>
+          <a:miter lim="800000"/>
+        </a:ln>
+      </a:lnStyleLst>
+      <a:effectStyleLst>
+        <a:effectStyle>
+          <a:effectLst/>
+        </a:effectStyle>
+        <a:effectStyle>
+          <a:effectLst/>
+        </a:effectStyle>
+        <a:effectStyle>
+          <a:effectLst>
+            <a:outerShdw blurRad="57150" dist="19050" dir="5400000" algn="ctr" rotWithShape="0">
+              <a:srgbClr val="000000">
+                <a:alpha val="63000"/>
+              </a:srgbClr>
+            </a:outerShdw>
+          </a:effectLst>
+        </a:effectStyle>
+      </a:effectStyleLst>
+      <a:bgFillStyleLst>
+        <a:solidFill>
+          <a:schemeClr val="phClr"/>
+        </a:solidFill>
+        <a:solidFill>
+          <a:schemeClr val="phClr">
+            <a:tint val="95000"/>
+            <a:satMod val="170000"/>
+          </a:schemeClr>
+        </a:solidFill>
+        <a:gradFill rotWithShape="1">
+          <a:gsLst>
+            <a:gs pos="0">
+              <a:schemeClr val="phClr">
+                <a:tint val="93000"/>
+                <a:satMod val="150000"/>
+                <a:shade val="98000"/>
+                <a:lumMod val="102000"/>
+              </a:schemeClr>
+            </a:gs>
+            <a:gs pos="50000">
+              <a:schemeClr val="phClr">
+                <a:tint val="98000"/>
+                <a:satMod val="130000"/>
+                <a:shade val="90000"/>
+                <a:lumMod val="103000"/>
+              </a:schemeClr>
+            </a:gs>
+            <a:gs pos="100000">
+              <a:schemeClr val="phClr">
+                <a:shade val="63000"/>
+                <a:satMod val="120000"/>
+              </a:schemeClr>
+            </a:gs>
+          </a:gsLst>
+          <a:lin ang="5400000" scaled="0"/>
+        </a:gradFill>
+      </a:bgFillStyleLst>
+    </a:fmtScheme>
+  </a:themeElements>
+  <a:objectDefaults/>
+  <a:extraClrSchemeLst/>
+  <a:extLst>
+    <a:ext uri="{05A4C25C-085E-4340-85A3-A5531E510DB2}">
+      <thm15:themeFamily xmlns:thm15="http://schemas.microsoft.com/office/thememl/2012/main" name="Office Theme" id="{62F939B6-93AF-4DB8-9C6B-D6C7DFDC589F}" vid="{4A3C46E8-61CC-4603-A589-7422A47A8E4A}"/>
+    </a:ext>
+  </a:extLst>
+</a:theme>
 </file>
--- a/課題研究/2014/石井康之/1242005ポスター.pptx
+++ b/課題研究/2014/石井康之/1242005ポスター.pptx
@@ -7274,7 +7274,43 @@
                 </a:solidFill>
                 <a:latin typeface="+mn-ea"/>
               </a:rPr>
-              <a:t>のサービス）を用いて調査する．</a:t>
+              <a:t>のサービス）</a:t>
+            </a:r>
+            <a:r>
+              <a:rPr lang="ja-JP" altLang="en-US" sz="3600" smtClean="0">
+                <a:solidFill>
+                  <a:schemeClr val="tx1"/>
+                </a:solidFill>
+                <a:latin typeface="+mn-ea"/>
+              </a:rPr>
+              <a:t>を</a:t>
+            </a:r>
+            <a:r>
+              <a:rPr lang="ja-JP" altLang="en-US" sz="3600" smtClean="0">
+                <a:solidFill>
+                  <a:schemeClr val="tx1"/>
+                </a:solidFill>
+                <a:latin typeface="+mn-ea"/>
+              </a:rPr>
+              <a:t>用い</a:t>
+            </a:r>
+            <a:r>
+              <a:rPr lang="ja-JP" altLang="en-US" sz="3600">
+                <a:solidFill>
+                  <a:schemeClr val="tx1"/>
+                </a:solidFill>
+                <a:latin typeface="+mn-ea"/>
+              </a:rPr>
+              <a:t>る</a:t>
+            </a:r>
+            <a:r>
+              <a:rPr lang="ja-JP" altLang="en-US" sz="3600" smtClean="0">
+                <a:solidFill>
+                  <a:schemeClr val="tx1"/>
+                </a:solidFill>
+                <a:latin typeface="+mn-ea"/>
+              </a:rPr>
+              <a:t>．</a:t>
             </a:r>
             <a:endParaRPr kumimoji="1" lang="ja-JP" altLang="en-US" sz="3600" dirty="0">
               <a:solidFill>
@@ -7579,12 +7615,6 @@
               </a:rPr>
               <a:t>Wikipedia</a:t>
             </a:r>
-            <a:endParaRPr lang="en-US" altLang="ja-JP" sz="3600" dirty="0" smtClean="0">
-              <a:solidFill>
-                <a:schemeClr val="tx1"/>
-              </a:solidFill>
-              <a:latin typeface="+mn-ea"/>
-            </a:endParaRPr>
           </a:p>
           <a:p>
             <a:r>

--- a/課題研究/2014/石井康之/1242005ポスター.pptx
+++ b/課題研究/2014/石井康之/1242005ポスター.pptx
@@ -2,7 +2,7 @@
 <file path=ppt/presentation.xml><?xml version="1.0" encoding="utf-8"?>
 <p:presentation xmlns:a="http://schemas.openxmlformats.org/drawingml/2006/main" xmlns:r="http://schemas.openxmlformats.org/officeDocument/2006/relationships" xmlns:p="http://schemas.openxmlformats.org/presentationml/2006/main" saveSubsetFonts="1">
   <p:sldMasterIdLst>
-    <p:sldMasterId id="2147483720" r:id="rId1"/>
+    <p:sldMasterId id="2147483732" r:id="rId1"/>
   </p:sldMasterIdLst>
   <p:notesMasterIdLst>
     <p:notesMasterId r:id="rId3"/>
@@ -211,7 +211,7 @@
           <a:p>
             <a:fld id="{1355B614-8C80-42CD-A0C7-A8AC0A708725}" type="datetimeFigureOut">
               <a:rPr kumimoji="1" lang="ja-JP" altLang="en-US" smtClean="0"/>
-              <a:t>2014/12/17</a:t>
+              <a:t>2014/12/18</a:t>
             </a:fld>
             <a:endParaRPr kumimoji="1" lang="ja-JP" altLang="en-US"/>
           </a:p>
@@ -596,7 +596,7 @@
 </file>
 
 <file path=ppt/slideLayouts/slideLayout1.xml><?xml version="1.0" encoding="utf-8"?>
-<p:sldLayout xmlns:a="http://schemas.openxmlformats.org/drawingml/2006/main" xmlns:r="http://schemas.openxmlformats.org/officeDocument/2006/relationships" xmlns:p="http://schemas.openxmlformats.org/presentationml/2006/main" showMasterSp="0" type="title" preserve="1">
+<p:sldLayout xmlns:a="http://schemas.openxmlformats.org/drawingml/2006/main" xmlns:r="http://schemas.openxmlformats.org/officeDocument/2006/relationships" xmlns:p="http://schemas.openxmlformats.org/presentationml/2006/main" type="title" preserve="1">
   <p:cSld name="タイトル スライド">
     <p:spTree>
       <p:nvGrpSpPr>
@@ -614,395 +614,104 @@
       </p:grpSpPr>
       <p:sp>
         <p:nvSpPr>
-          <p:cNvPr id="11" name="Rectangle 10"/>
-          <p:cNvSpPr/>
-          <p:nvPr/>
+          <p:cNvPr id="2" name="タイトル 1"/>
+          <p:cNvSpPr>
+            <a:spLocks noGrp="1"/>
+          </p:cNvSpPr>
+          <p:nvPr>
+            <p:ph type="ctrTitle"/>
+          </p:nvPr>
         </p:nvSpPr>
         <p:spPr>
           <a:xfrm>
-            <a:off x="0" y="17073526"/>
-            <a:ext cx="21386800" cy="13206449"/>
+            <a:off x="2673350" y="4955545"/>
+            <a:ext cx="16040100" cy="10541917"/>
           </a:xfrm>
-          <a:prstGeom prst="rect">
-            <a:avLst/>
-          </a:prstGeom>
-          <a:gradFill>
-            <a:gsLst>
-              <a:gs pos="0">
-                <a:schemeClr val="bg1">
-                  <a:alpha val="91000"/>
-                </a:schemeClr>
-              </a:gs>
-              <a:gs pos="37000">
-                <a:schemeClr val="bg1">
-                  <a:alpha val="76000"/>
-                </a:schemeClr>
-              </a:gs>
-              <a:gs pos="100000">
-                <a:schemeClr val="bg2">
-                  <a:alpha val="79000"/>
-                </a:schemeClr>
-              </a:gs>
-            </a:gsLst>
-            <a:path path="circle">
-              <a:fillToRect l="50000" t="50000" r="50000" b="50000"/>
-            </a:path>
-          </a:gradFill>
-          <a:ln>
-            <a:noFill/>
-          </a:ln>
         </p:spPr>
-        <p:style>
-          <a:lnRef idx="2">
-            <a:schemeClr val="accent1">
-              <a:shade val="50000"/>
-            </a:schemeClr>
-          </a:lnRef>
-          <a:fillRef idx="1">
-            <a:schemeClr val="accent1"/>
-          </a:fillRef>
-          <a:effectRef idx="0">
-            <a:schemeClr val="accent1"/>
-          </a:effectRef>
-          <a:fontRef idx="minor">
-            <a:schemeClr val="lt1"/>
-          </a:fontRef>
-        </p:style>
-        <p:txBody>
-          <a:bodyPr lIns="295232" tIns="147616" rIns="295232" bIns="147616" rtlCol="0" anchor="ctr"/>
-          <a:lstStyle/>
-          <a:p>
-            <a:pPr algn="ctr"/>
-            <a:endParaRPr lang="en-US"/>
-          </a:p>
-        </p:txBody>
-      </p:sp>
-      <p:sp>
-        <p:nvSpPr>
-          <p:cNvPr id="12" name="Rectangle 11"/>
-          <p:cNvSpPr/>
-          <p:nvPr/>
+        <p:txBody>
+          <a:bodyPr anchor="b"/>
+          <a:lstStyle>
+            <a:lvl1pPr algn="ctr">
+              <a:defRPr sz="10525"/>
+            </a:lvl1pPr>
+          </a:lstStyle>
+          <a:p>
+            <a:r>
+              <a:rPr kumimoji="1" lang="ja-JP" altLang="en-US" smtClean="0"/>
+              <a:t>マスター タイトルの書式設定</a:t>
+            </a:r>
+            <a:endParaRPr kumimoji="1" lang="ja-JP" altLang="en-US"/>
+          </a:p>
+        </p:txBody>
+      </p:sp>
+      <p:sp>
+        <p:nvSpPr>
+          <p:cNvPr id="3" name="サブタイトル 2"/>
+          <p:cNvSpPr>
+            <a:spLocks noGrp="1"/>
+          </p:cNvSpPr>
+          <p:nvPr>
+            <p:ph type="subTitle" idx="1"/>
+          </p:nvPr>
         </p:nvSpPr>
         <p:spPr>
           <a:xfrm>
-            <a:off x="0" y="0"/>
-            <a:ext cx="21386800" cy="17073526"/>
-          </a:xfrm>
-          <a:prstGeom prst="rect">
-            <a:avLst/>
-          </a:prstGeom>
-          <a:gradFill flip="none" rotWithShape="1">
-            <a:gsLst>
-              <a:gs pos="0">
-                <a:schemeClr val="bg1">
-                  <a:alpha val="89000"/>
-                </a:schemeClr>
-              </a:gs>
-              <a:gs pos="48000">
-                <a:schemeClr val="bg1">
-                  <a:alpha val="62000"/>
-                </a:schemeClr>
-              </a:gs>
-              <a:gs pos="100000">
-                <a:schemeClr val="bg2">
-                  <a:alpha val="79000"/>
-                </a:schemeClr>
-              </a:gs>
-            </a:gsLst>
-            <a:path path="circle">
-              <a:fillToRect l="50000" t="50000" r="50000" b="50000"/>
-            </a:path>
-            <a:tileRect/>
-          </a:gradFill>
-          <a:ln>
-            <a:noFill/>
-          </a:ln>
-        </p:spPr>
-        <p:style>
-          <a:lnRef idx="2">
-            <a:schemeClr val="accent1">
-              <a:shade val="50000"/>
-            </a:schemeClr>
-          </a:lnRef>
-          <a:fillRef idx="1">
-            <a:schemeClr val="accent1"/>
-          </a:fillRef>
-          <a:effectRef idx="0">
-            <a:schemeClr val="accent1"/>
-          </a:effectRef>
-          <a:fontRef idx="minor">
-            <a:schemeClr val="lt1"/>
-          </a:fontRef>
-        </p:style>
-        <p:txBody>
-          <a:bodyPr lIns="295232" tIns="147616" rIns="295232" bIns="147616" rtlCol="0" anchor="ctr"/>
-          <a:lstStyle/>
-          <a:p>
-            <a:pPr algn="ctr"/>
-            <a:endParaRPr lang="en-US" dirty="0"/>
-          </a:p>
-        </p:txBody>
-      </p:sp>
-      <p:sp>
-        <p:nvSpPr>
-          <p:cNvPr id="13" name="Rectangle 12"/>
-          <p:cNvSpPr/>
-          <p:nvPr/>
-        </p:nvSpPr>
-        <p:spPr>
-          <a:xfrm>
-            <a:off x="0" y="11710690"/>
-            <a:ext cx="21386800" cy="10093325"/>
-          </a:xfrm>
-          <a:prstGeom prst="rect">
-            <a:avLst/>
-          </a:prstGeom>
-          <a:gradFill flip="none" rotWithShape="1">
-            <a:gsLst>
-              <a:gs pos="0">
-                <a:schemeClr val="bg1">
-                  <a:alpha val="0"/>
-                </a:schemeClr>
-              </a:gs>
-              <a:gs pos="29000">
-                <a:schemeClr val="bg1">
-                  <a:alpha val="30000"/>
-                </a:schemeClr>
-              </a:gs>
-              <a:gs pos="45000">
-                <a:schemeClr val="bg2">
-                  <a:alpha val="40000"/>
-                </a:schemeClr>
-              </a:gs>
-              <a:gs pos="55000">
-                <a:schemeClr val="bg1">
-                  <a:alpha val="26000"/>
-                </a:schemeClr>
-              </a:gs>
-              <a:gs pos="65000">
-                <a:schemeClr val="bg2">
-                  <a:alpha val="60000"/>
-                </a:schemeClr>
-              </a:gs>
-              <a:gs pos="100000">
-                <a:schemeClr val="bg1">
-                  <a:alpha val="0"/>
-                </a:schemeClr>
-              </a:gs>
-            </a:gsLst>
-            <a:lin ang="5400000" scaled="0"/>
-            <a:tileRect/>
-          </a:gradFill>
-          <a:ln>
-            <a:noFill/>
-          </a:ln>
-        </p:spPr>
-        <p:style>
-          <a:lnRef idx="2">
-            <a:schemeClr val="accent1">
-              <a:shade val="50000"/>
-            </a:schemeClr>
-          </a:lnRef>
-          <a:fillRef idx="1">
-            <a:schemeClr val="accent1"/>
-          </a:fillRef>
-          <a:effectRef idx="0">
-            <a:schemeClr val="accent1"/>
-          </a:effectRef>
-          <a:fontRef idx="minor">
-            <a:schemeClr val="lt1"/>
-          </a:fontRef>
-        </p:style>
-        <p:txBody>
-          <a:bodyPr lIns="295232" tIns="147616" rIns="295232" bIns="147616" rtlCol="0" anchor="ctr"/>
-          <a:lstStyle/>
-          <a:p>
-            <a:pPr algn="ctr"/>
-            <a:endParaRPr lang="en-US"/>
-          </a:p>
-        </p:txBody>
-      </p:sp>
-      <p:sp>
-        <p:nvSpPr>
-          <p:cNvPr id="14" name="Oval 13"/>
-          <p:cNvSpPr/>
-          <p:nvPr/>
-        </p:nvSpPr>
-        <p:spPr>
-          <a:xfrm>
-            <a:off x="0" y="7065328"/>
-            <a:ext cx="21386800" cy="22541759"/>
-          </a:xfrm>
-          <a:prstGeom prst="ellipse">
-            <a:avLst/>
-          </a:prstGeom>
-          <a:gradFill flip="none" rotWithShape="1">
-            <a:gsLst>
-              <a:gs pos="0">
-                <a:schemeClr val="bg1"/>
-              </a:gs>
-              <a:gs pos="54000">
-                <a:schemeClr val="bg1">
-                  <a:alpha val="0"/>
-                </a:schemeClr>
-              </a:gs>
-            </a:gsLst>
-            <a:path path="circle">
-              <a:fillToRect l="50000" t="50000" r="50000" b="50000"/>
-            </a:path>
-            <a:tileRect/>
-          </a:gradFill>
-          <a:ln>
-            <a:noFill/>
-          </a:ln>
-        </p:spPr>
-        <p:style>
-          <a:lnRef idx="2">
-            <a:schemeClr val="accent1">
-              <a:shade val="50000"/>
-            </a:schemeClr>
-          </a:lnRef>
-          <a:fillRef idx="1">
-            <a:schemeClr val="accent1"/>
-          </a:fillRef>
-          <a:effectRef idx="0">
-            <a:schemeClr val="accent1"/>
-          </a:effectRef>
-          <a:fontRef idx="minor">
-            <a:schemeClr val="lt1"/>
-          </a:fontRef>
-        </p:style>
-        <p:txBody>
-          <a:bodyPr lIns="295232" tIns="147616" rIns="295232" bIns="147616" rtlCol="0" anchor="ctr"/>
-          <a:lstStyle/>
-          <a:p>
-            <a:pPr algn="ctr"/>
-            <a:endParaRPr lang="en-US"/>
-          </a:p>
-        </p:txBody>
-      </p:sp>
-      <p:sp>
-        <p:nvSpPr>
-          <p:cNvPr id="3" name="Subtitle 2"/>
-          <p:cNvSpPr>
-            <a:spLocks noGrp="1"/>
-          </p:cNvSpPr>
-          <p:nvPr>
-            <p:ph type="subTitle" idx="1"/>
-          </p:nvPr>
-        </p:nvSpPr>
-        <p:spPr>
-          <a:xfrm>
-            <a:off x="3447043" y="22308392"/>
-            <a:ext cx="13184340" cy="3894800"/>
+            <a:off x="2673350" y="15903998"/>
+            <a:ext cx="16040100" cy="7310649"/>
           </a:xfrm>
         </p:spPr>
         <p:txBody>
-          <a:bodyPr>
-            <a:normAutofit/>
-          </a:bodyPr>
+          <a:bodyPr/>
           <a:lstStyle>
-            <a:lvl1pPr marL="0" indent="0" algn="l">
+            <a:lvl1pPr marL="0" indent="0" algn="ctr">
               <a:buNone/>
-              <a:defRPr sz="7100">
-                <a:solidFill>
-                  <a:schemeClr val="tx2"/>
-                </a:solidFill>
-              </a:defRPr>
+              <a:defRPr sz="4210"/>
             </a:lvl1pPr>
-            <a:lvl2pPr marL="1476162" indent="0" algn="ctr">
+            <a:lvl2pPr marL="802020" indent="0" algn="ctr">
               <a:buNone/>
-              <a:defRPr>
-                <a:solidFill>
-                  <a:schemeClr val="tx1">
-                    <a:tint val="75000"/>
-                  </a:schemeClr>
-                </a:solidFill>
-              </a:defRPr>
+              <a:defRPr sz="3508"/>
             </a:lvl2pPr>
-            <a:lvl3pPr marL="2952323" indent="0" algn="ctr">
+            <a:lvl3pPr marL="1604040" indent="0" algn="ctr">
               <a:buNone/>
-              <a:defRPr>
-                <a:solidFill>
-                  <a:schemeClr val="tx1">
-                    <a:tint val="75000"/>
-                  </a:schemeClr>
-                </a:solidFill>
-              </a:defRPr>
+              <a:defRPr sz="3158"/>
             </a:lvl3pPr>
-            <a:lvl4pPr marL="4428485" indent="0" algn="ctr">
+            <a:lvl4pPr marL="2406061" indent="0" algn="ctr">
               <a:buNone/>
-              <a:defRPr>
-                <a:solidFill>
-                  <a:schemeClr val="tx1">
-                    <a:tint val="75000"/>
-                  </a:schemeClr>
-                </a:solidFill>
-              </a:defRPr>
+              <a:defRPr sz="2807"/>
             </a:lvl4pPr>
-            <a:lvl5pPr marL="5904647" indent="0" algn="ctr">
+            <a:lvl5pPr marL="3208081" indent="0" algn="ctr">
               <a:buNone/>
-              <a:defRPr>
-                <a:solidFill>
-                  <a:schemeClr val="tx1">
-                    <a:tint val="75000"/>
-                  </a:schemeClr>
-                </a:solidFill>
-              </a:defRPr>
+              <a:defRPr sz="2807"/>
             </a:lvl5pPr>
-            <a:lvl6pPr marL="7380808" indent="0" algn="ctr">
+            <a:lvl6pPr marL="4010101" indent="0" algn="ctr">
               <a:buNone/>
-              <a:defRPr>
-                <a:solidFill>
-                  <a:schemeClr val="tx1">
-                    <a:tint val="75000"/>
-                  </a:schemeClr>
-                </a:solidFill>
-              </a:defRPr>
+              <a:defRPr sz="2807"/>
             </a:lvl6pPr>
-            <a:lvl7pPr marL="8856970" indent="0" algn="ctr">
+            <a:lvl7pPr marL="4812121" indent="0" algn="ctr">
               <a:buNone/>
-              <a:defRPr>
-                <a:solidFill>
-                  <a:schemeClr val="tx1">
-                    <a:tint val="75000"/>
-                  </a:schemeClr>
-                </a:solidFill>
-              </a:defRPr>
+              <a:defRPr sz="2807"/>
             </a:lvl7pPr>
-            <a:lvl8pPr marL="10333131" indent="0" algn="ctr">
+            <a:lvl8pPr marL="5614142" indent="0" algn="ctr">
               <a:buNone/>
-              <a:defRPr>
-                <a:solidFill>
-                  <a:schemeClr val="tx1">
-                    <a:tint val="75000"/>
-                  </a:schemeClr>
-                </a:solidFill>
-              </a:defRPr>
+              <a:defRPr sz="2807"/>
             </a:lvl8pPr>
-            <a:lvl9pPr marL="11809293" indent="0" algn="ctr">
+            <a:lvl9pPr marL="6416162" indent="0" algn="ctr">
               <a:buNone/>
-              <a:defRPr>
-                <a:solidFill>
-                  <a:schemeClr val="tx1">
-                    <a:tint val="75000"/>
-                  </a:schemeClr>
-                </a:solidFill>
-              </a:defRPr>
+              <a:defRPr sz="2807"/>
             </a:lvl9pPr>
           </a:lstStyle>
           <a:p>
             <a:r>
-              <a:rPr lang="ja-JP" altLang="en-US" smtClean="0"/>
+              <a:rPr kumimoji="1" lang="ja-JP" altLang="en-US" smtClean="0"/>
               <a:t>マスター サブタイトルの書式設定</a:t>
             </a:r>
-            <a:endParaRPr lang="en-US" dirty="0"/>
-          </a:p>
-        </p:txBody>
-      </p:sp>
-      <p:sp>
-        <p:nvSpPr>
-          <p:cNvPr id="4" name="Date Placeholder 3"/>
+            <a:endParaRPr kumimoji="1" lang="ja-JP" altLang="en-US"/>
+          </a:p>
+        </p:txBody>
+      </p:sp>
+      <p:sp>
+        <p:nvSpPr>
+          <p:cNvPr id="4" name="日付プレースホルダー 3"/>
           <p:cNvSpPr>
             <a:spLocks noGrp="1"/>
           </p:cNvSpPr>
@@ -1017,7 +726,7 @@
           <a:p>
             <a:fld id="{CD18CB5A-6947-405F-A94A-52FF85729738}" type="datetimeFigureOut">
               <a:rPr kumimoji="1" lang="ja-JP" altLang="en-US" smtClean="0"/>
-              <a:t>2014/12/17</a:t>
+              <a:t>2014/12/18</a:t>
             </a:fld>
             <a:endParaRPr kumimoji="1" lang="ja-JP" altLang="en-US"/>
           </a:p>
@@ -1025,7 +734,7 @@
       </p:sp>
       <p:sp>
         <p:nvSpPr>
-          <p:cNvPr id="5" name="Footer Placeholder 4"/>
+          <p:cNvPr id="5" name="フッター プレースホルダー 4"/>
           <p:cNvSpPr>
             <a:spLocks noGrp="1"/>
           </p:cNvSpPr>
@@ -1044,7 +753,7 @@
       </p:sp>
       <p:sp>
         <p:nvSpPr>
-          <p:cNvPr id="6" name="Slide Number Placeholder 5"/>
+          <p:cNvPr id="6" name="スライド番号プレースホルダー 5"/>
           <p:cNvSpPr>
             <a:spLocks noGrp="1"/>
           </p:cNvSpPr>
@@ -1065,53 +774,16 @@
           </a:p>
         </p:txBody>
       </p:sp>
-      <p:sp>
-        <p:nvSpPr>
-          <p:cNvPr id="2" name="Title 1"/>
-          <p:cNvSpPr>
-            <a:spLocks noGrp="1"/>
-          </p:cNvSpPr>
-          <p:nvPr>
-            <p:ph type="ctrTitle"/>
-          </p:nvPr>
-        </p:nvSpPr>
-        <p:spPr>
-          <a:xfrm>
-            <a:off x="1912232" y="13829933"/>
-            <a:ext cx="16782349" cy="7917330"/>
-          </a:xfrm>
-          <a:effectLst/>
-        </p:spPr>
-        <p:txBody>
-          <a:bodyPr>
-            <a:noAutofit/>
-          </a:bodyPr>
-          <a:lstStyle>
-            <a:lvl1pPr marL="2066626" indent="-1476162" algn="l">
-              <a:defRPr sz="17400"/>
-            </a:lvl1pPr>
-          </a:lstStyle>
-          <a:p>
-            <a:r>
-              <a:rPr lang="ja-JP" altLang="en-US" smtClean="0"/>
-              <a:t>マスター タイトルの書式設定</a:t>
-            </a:r>
-            <a:endParaRPr lang="en-US" dirty="0"/>
-          </a:p>
-        </p:txBody>
-      </p:sp>
     </p:spTree>
+    <p:extLst>
+      <p:ext uri="{BB962C8B-B14F-4D97-AF65-F5344CB8AC3E}">
+        <p14:creationId xmlns:p14="http://schemas.microsoft.com/office/powerpoint/2010/main" val="1178131442"/>
+      </p:ext>
+    </p:extLst>
   </p:cSld>
   <p:clrMapOvr>
     <a:masterClrMapping/>
   </p:clrMapOvr>
-  <p:timing>
-    <p:tnLst>
-      <p:par>
-        <p:cTn id="1" dur="indefinite" restart="never" nodeType="tmRoot"/>
-      </p:par>
-    </p:tnLst>
-  </p:timing>
 </p:sldLayout>
 </file>
 
@@ -1134,7 +806,7 @@
       </p:grpSpPr>
       <p:sp>
         <p:nvSpPr>
-          <p:cNvPr id="2" name="Title 1"/>
+          <p:cNvPr id="2" name="タイトル 1"/>
           <p:cNvSpPr>
             <a:spLocks noGrp="1"/>
           </p:cNvSpPr>
@@ -1148,16 +820,16 @@
           <a:lstStyle/>
           <a:p>
             <a:r>
-              <a:rPr lang="ja-JP" altLang="en-US" smtClean="0"/>
+              <a:rPr kumimoji="1" lang="ja-JP" altLang="en-US" smtClean="0"/>
               <a:t>マスター タイトルの書式設定</a:t>
             </a:r>
-            <a:endParaRPr lang="en-US"/>
-          </a:p>
-        </p:txBody>
-      </p:sp>
-      <p:sp>
-        <p:nvSpPr>
-          <p:cNvPr id="3" name="Vertical Text Placeholder 2"/>
+            <a:endParaRPr kumimoji="1" lang="ja-JP" altLang="en-US"/>
+          </a:p>
+        </p:txBody>
+      </p:sp>
+      <p:sp>
+        <p:nvSpPr>
+          <p:cNvPr id="3" name="縦書きテキスト プレースホルダー 2"/>
           <p:cNvSpPr>
             <a:spLocks noGrp="1"/>
           </p:cNvSpPr>
@@ -1165,88 +837,83 @@
             <p:ph type="body" orient="vert" idx="1"/>
           </p:nvPr>
         </p:nvSpPr>
-        <p:spPr>
-          <a:xfrm>
-            <a:off x="4455583" y="3229860"/>
-            <a:ext cx="14970760" cy="15341854"/>
-          </a:xfrm>
-        </p:spPr>
+        <p:spPr/>
         <p:txBody>
           <a:bodyPr vert="eaVert"/>
           <a:lstStyle/>
           <a:p>
             <a:pPr lvl="0"/>
             <a:r>
-              <a:rPr lang="ja-JP" altLang="en-US" smtClean="0"/>
+              <a:rPr kumimoji="1" lang="ja-JP" altLang="en-US" smtClean="0"/>
               <a:t>マスター テキストの書式設定</a:t>
             </a:r>
           </a:p>
           <a:p>
             <a:pPr lvl="1"/>
             <a:r>
-              <a:rPr lang="ja-JP" altLang="en-US" smtClean="0"/>
+              <a:rPr kumimoji="1" lang="ja-JP" altLang="en-US" smtClean="0"/>
               <a:t>第 </a:t>
             </a:r>
             <a:r>
-              <a:rPr lang="en-US" altLang="ja-JP" smtClean="0"/>
+              <a:rPr kumimoji="1" lang="en-US" altLang="ja-JP" smtClean="0"/>
               <a:t>2 </a:t>
             </a:r>
             <a:r>
-              <a:rPr lang="ja-JP" altLang="en-US" smtClean="0"/>
+              <a:rPr kumimoji="1" lang="ja-JP" altLang="en-US" smtClean="0"/>
               <a:t>レベル</a:t>
             </a:r>
           </a:p>
           <a:p>
             <a:pPr lvl="2"/>
             <a:r>
-              <a:rPr lang="ja-JP" altLang="en-US" smtClean="0"/>
+              <a:rPr kumimoji="1" lang="ja-JP" altLang="en-US" smtClean="0"/>
               <a:t>第 </a:t>
             </a:r>
             <a:r>
-              <a:rPr lang="en-US" altLang="ja-JP" smtClean="0"/>
+              <a:rPr kumimoji="1" lang="en-US" altLang="ja-JP" smtClean="0"/>
               <a:t>3 </a:t>
             </a:r>
             <a:r>
-              <a:rPr lang="ja-JP" altLang="en-US" smtClean="0"/>
+              <a:rPr kumimoji="1" lang="ja-JP" altLang="en-US" smtClean="0"/>
               <a:t>レベル</a:t>
             </a:r>
           </a:p>
           <a:p>
             <a:pPr lvl="3"/>
             <a:r>
-              <a:rPr lang="ja-JP" altLang="en-US" smtClean="0"/>
+              <a:rPr kumimoji="1" lang="ja-JP" altLang="en-US" smtClean="0"/>
               <a:t>第 </a:t>
             </a:r>
             <a:r>
-              <a:rPr lang="en-US" altLang="ja-JP" smtClean="0"/>
+              <a:rPr kumimoji="1" lang="en-US" altLang="ja-JP" smtClean="0"/>
               <a:t>4 </a:t>
             </a:r>
             <a:r>
-              <a:rPr lang="ja-JP" altLang="en-US" smtClean="0"/>
+              <a:rPr kumimoji="1" lang="ja-JP" altLang="en-US" smtClean="0"/>
               <a:t>レベル</a:t>
             </a:r>
           </a:p>
           <a:p>
             <a:pPr lvl="4"/>
             <a:r>
-              <a:rPr lang="ja-JP" altLang="en-US" smtClean="0"/>
+              <a:rPr kumimoji="1" lang="ja-JP" altLang="en-US" smtClean="0"/>
               <a:t>第 </a:t>
             </a:r>
             <a:r>
-              <a:rPr lang="en-US" altLang="ja-JP" smtClean="0"/>
+              <a:rPr kumimoji="1" lang="en-US" altLang="ja-JP" smtClean="0"/>
               <a:t>5 </a:t>
             </a:r>
             <a:r>
-              <a:rPr lang="ja-JP" altLang="en-US" smtClean="0"/>
+              <a:rPr kumimoji="1" lang="ja-JP" altLang="en-US" smtClean="0"/>
               <a:t>レベル</a:t>
             </a:r>
-            <a:endParaRPr lang="en-US"/>
-          </a:p>
-        </p:txBody>
-      </p:sp>
-      <p:sp>
-        <p:nvSpPr>
-          <p:cNvPr id="4" name="Date Placeholder 3"/>
+            <a:endParaRPr kumimoji="1" lang="ja-JP" altLang="en-US"/>
+          </a:p>
+        </p:txBody>
+      </p:sp>
+      <p:sp>
+        <p:nvSpPr>
+          <p:cNvPr id="4" name="日付プレースホルダー 3"/>
           <p:cNvSpPr>
             <a:spLocks noGrp="1"/>
           </p:cNvSpPr>
@@ -1261,7 +928,7 @@
           <a:p>
             <a:fld id="{CD18CB5A-6947-405F-A94A-52FF85729738}" type="datetimeFigureOut">
               <a:rPr kumimoji="1" lang="ja-JP" altLang="en-US" smtClean="0"/>
-              <a:t>2014/12/17</a:t>
+              <a:t>2014/12/18</a:t>
             </a:fld>
             <a:endParaRPr kumimoji="1" lang="ja-JP" altLang="en-US"/>
           </a:p>
@@ -1269,7 +936,7 @@
       </p:sp>
       <p:sp>
         <p:nvSpPr>
-          <p:cNvPr id="5" name="Footer Placeholder 4"/>
+          <p:cNvPr id="5" name="フッター プレースホルダー 4"/>
           <p:cNvSpPr>
             <a:spLocks noGrp="1"/>
           </p:cNvSpPr>
@@ -1288,7 +955,7 @@
       </p:sp>
       <p:sp>
         <p:nvSpPr>
-          <p:cNvPr id="6" name="Slide Number Placeholder 5"/>
+          <p:cNvPr id="6" name="スライド番号プレースホルダー 5"/>
           <p:cNvSpPr>
             <a:spLocks noGrp="1"/>
           </p:cNvSpPr>
@@ -1310,17 +977,15 @@
         </p:txBody>
       </p:sp>
     </p:spTree>
+    <p:extLst>
+      <p:ext uri="{BB962C8B-B14F-4D97-AF65-F5344CB8AC3E}">
+        <p14:creationId xmlns:p14="http://schemas.microsoft.com/office/powerpoint/2010/main" val="397278048"/>
+      </p:ext>
+    </p:extLst>
   </p:cSld>
   <p:clrMapOvr>
     <a:masterClrMapping/>
   </p:clrMapOvr>
-  <p:timing>
-    <p:tnLst>
-      <p:par>
-        <p:cTn id="1" dur="indefinite" restart="never" nodeType="tmRoot"/>
-      </p:par>
-    </p:tnLst>
-  </p:timing>
 </p:sldLayout>
 </file>
 
@@ -1343,7 +1008,7 @@
       </p:grpSpPr>
       <p:sp>
         <p:nvSpPr>
-          <p:cNvPr id="2" name="Vertical Title 1"/>
+          <p:cNvPr id="2" name="縦書きタイトル 1"/>
           <p:cNvSpPr>
             <a:spLocks noGrp="1"/>
           </p:cNvSpPr>
@@ -1353,30 +1018,25 @@
         </p:nvSpPr>
         <p:spPr>
           <a:xfrm>
-            <a:off x="2698512" y="1662429"/>
-            <a:ext cx="4812030" cy="23128722"/>
+            <a:off x="15304929" y="1612128"/>
+            <a:ext cx="4611529" cy="25660879"/>
           </a:xfrm>
-          <a:effectLst/>
         </p:spPr>
         <p:txBody>
           <a:bodyPr vert="eaVert"/>
-          <a:lstStyle>
-            <a:lvl1pPr algn="l">
-              <a:defRPr/>
-            </a:lvl1pPr>
-          </a:lstStyle>
-          <a:p>
-            <a:r>
-              <a:rPr lang="ja-JP" altLang="en-US" smtClean="0"/>
+          <a:lstStyle/>
+          <a:p>
+            <a:r>
+              <a:rPr kumimoji="1" lang="ja-JP" altLang="en-US" smtClean="0"/>
               <a:t>マスター タイトルの書式設定</a:t>
             </a:r>
-            <a:endParaRPr lang="en-US"/>
-          </a:p>
-        </p:txBody>
-      </p:sp>
-      <p:sp>
-        <p:nvSpPr>
-          <p:cNvPr id="3" name="Vertical Text Placeholder 2"/>
+            <a:endParaRPr kumimoji="1" lang="ja-JP" altLang="en-US"/>
+          </a:p>
+        </p:txBody>
+      </p:sp>
+      <p:sp>
+        <p:nvSpPr>
+          <p:cNvPr id="3" name="縦書きテキスト プレースホルダー 2"/>
           <p:cNvSpPr>
             <a:spLocks noGrp="1"/>
           </p:cNvSpPr>
@@ -1386,8 +1046,8 @@
         </p:nvSpPr>
         <p:spPr>
           <a:xfrm>
-            <a:off x="7774732" y="3229862"/>
-            <a:ext cx="11295166" cy="21611588"/>
+            <a:off x="1470343" y="1612128"/>
+            <a:ext cx="13567251" cy="25660879"/>
           </a:xfrm>
         </p:spPr>
         <p:txBody>
@@ -1396,76 +1056,76 @@
           <a:p>
             <a:pPr lvl="0"/>
             <a:r>
-              <a:rPr lang="ja-JP" altLang="en-US" smtClean="0"/>
+              <a:rPr kumimoji="1" lang="ja-JP" altLang="en-US" smtClean="0"/>
               <a:t>マスター テキストの書式設定</a:t>
             </a:r>
           </a:p>
           <a:p>
             <a:pPr lvl="1"/>
             <a:r>
-              <a:rPr lang="ja-JP" altLang="en-US" smtClean="0"/>
+              <a:rPr kumimoji="1" lang="ja-JP" altLang="en-US" smtClean="0"/>
               <a:t>第 </a:t>
             </a:r>
             <a:r>
-              <a:rPr lang="en-US" altLang="ja-JP" smtClean="0"/>
+              <a:rPr kumimoji="1" lang="en-US" altLang="ja-JP" smtClean="0"/>
               <a:t>2 </a:t>
             </a:r>
             <a:r>
-              <a:rPr lang="ja-JP" altLang="en-US" smtClean="0"/>
+              <a:rPr kumimoji="1" lang="ja-JP" altLang="en-US" smtClean="0"/>
               <a:t>レベル</a:t>
             </a:r>
           </a:p>
           <a:p>
             <a:pPr lvl="2"/>
             <a:r>
-              <a:rPr lang="ja-JP" altLang="en-US" smtClean="0"/>
+              <a:rPr kumimoji="1" lang="ja-JP" altLang="en-US" smtClean="0"/>
               <a:t>第 </a:t>
             </a:r>
             <a:r>
-              <a:rPr lang="en-US" altLang="ja-JP" smtClean="0"/>
+              <a:rPr kumimoji="1" lang="en-US" altLang="ja-JP" smtClean="0"/>
               <a:t>3 </a:t>
             </a:r>
             <a:r>
-              <a:rPr lang="ja-JP" altLang="en-US" smtClean="0"/>
+              <a:rPr kumimoji="1" lang="ja-JP" altLang="en-US" smtClean="0"/>
               <a:t>レベル</a:t>
             </a:r>
           </a:p>
           <a:p>
             <a:pPr lvl="3"/>
             <a:r>
-              <a:rPr lang="ja-JP" altLang="en-US" smtClean="0"/>
+              <a:rPr kumimoji="1" lang="ja-JP" altLang="en-US" smtClean="0"/>
               <a:t>第 </a:t>
             </a:r>
             <a:r>
-              <a:rPr lang="en-US" altLang="ja-JP" smtClean="0"/>
+              <a:rPr kumimoji="1" lang="en-US" altLang="ja-JP" smtClean="0"/>
               <a:t>4 </a:t>
             </a:r>
             <a:r>
-              <a:rPr lang="ja-JP" altLang="en-US" smtClean="0"/>
+              <a:rPr kumimoji="1" lang="ja-JP" altLang="en-US" smtClean="0"/>
               <a:t>レベル</a:t>
             </a:r>
           </a:p>
           <a:p>
             <a:pPr lvl="4"/>
             <a:r>
-              <a:rPr lang="ja-JP" altLang="en-US" smtClean="0"/>
+              <a:rPr kumimoji="1" lang="ja-JP" altLang="en-US" smtClean="0"/>
               <a:t>第 </a:t>
             </a:r>
             <a:r>
-              <a:rPr lang="en-US" altLang="ja-JP" smtClean="0"/>
+              <a:rPr kumimoji="1" lang="en-US" altLang="ja-JP" smtClean="0"/>
               <a:t>5 </a:t>
             </a:r>
             <a:r>
-              <a:rPr lang="ja-JP" altLang="en-US" smtClean="0"/>
+              <a:rPr kumimoji="1" lang="ja-JP" altLang="en-US" smtClean="0"/>
               <a:t>レベル</a:t>
             </a:r>
-            <a:endParaRPr lang="en-US" dirty="0"/>
-          </a:p>
-        </p:txBody>
-      </p:sp>
-      <p:sp>
-        <p:nvSpPr>
-          <p:cNvPr id="4" name="Date Placeholder 3"/>
+            <a:endParaRPr kumimoji="1" lang="ja-JP" altLang="en-US"/>
+          </a:p>
+        </p:txBody>
+      </p:sp>
+      <p:sp>
+        <p:nvSpPr>
+          <p:cNvPr id="4" name="日付プレースホルダー 3"/>
           <p:cNvSpPr>
             <a:spLocks noGrp="1"/>
           </p:cNvSpPr>
@@ -1480,7 +1140,7 @@
           <a:p>
             <a:fld id="{CD18CB5A-6947-405F-A94A-52FF85729738}" type="datetimeFigureOut">
               <a:rPr kumimoji="1" lang="ja-JP" altLang="en-US" smtClean="0"/>
-              <a:t>2014/12/17</a:t>
+              <a:t>2014/12/18</a:t>
             </a:fld>
             <a:endParaRPr kumimoji="1" lang="ja-JP" altLang="en-US"/>
           </a:p>
@@ -1488,7 +1148,7 @@
       </p:sp>
       <p:sp>
         <p:nvSpPr>
-          <p:cNvPr id="5" name="Footer Placeholder 4"/>
+          <p:cNvPr id="5" name="フッター プレースホルダー 4"/>
           <p:cNvSpPr>
             <a:spLocks noGrp="1"/>
           </p:cNvSpPr>
@@ -1507,7 +1167,7 @@
       </p:sp>
       <p:sp>
         <p:nvSpPr>
-          <p:cNvPr id="6" name="Slide Number Placeholder 5"/>
+          <p:cNvPr id="6" name="スライド番号プレースホルダー 5"/>
           <p:cNvSpPr>
             <a:spLocks noGrp="1"/>
           </p:cNvSpPr>
@@ -1529,17 +1189,15 @@
         </p:txBody>
       </p:sp>
     </p:spTree>
+    <p:extLst>
+      <p:ext uri="{BB962C8B-B14F-4D97-AF65-F5344CB8AC3E}">
+        <p14:creationId xmlns:p14="http://schemas.microsoft.com/office/powerpoint/2010/main" val="483772693"/>
+      </p:ext>
+    </p:extLst>
   </p:cSld>
   <p:clrMapOvr>
     <a:masterClrMapping/>
   </p:clrMapOvr>
-  <p:timing>
-    <p:tnLst>
-      <p:par>
-        <p:cTn id="1" dur="indefinite" restart="never" nodeType="tmRoot"/>
-      </p:par>
-    </p:tnLst>
-  </p:timing>
 </p:sldLayout>
 </file>
 
@@ -1562,7 +1220,114 @@
       </p:grpSpPr>
       <p:sp>
         <p:nvSpPr>
-          <p:cNvPr id="4" name="Date Placeholder 3"/>
+          <p:cNvPr id="2" name="タイトル 1"/>
+          <p:cNvSpPr>
+            <a:spLocks noGrp="1"/>
+          </p:cNvSpPr>
+          <p:nvPr>
+            <p:ph type="title"/>
+          </p:nvPr>
+        </p:nvSpPr>
+        <p:spPr/>
+        <p:txBody>
+          <a:bodyPr/>
+          <a:lstStyle/>
+          <a:p>
+            <a:r>
+              <a:rPr kumimoji="1" lang="ja-JP" altLang="en-US" smtClean="0"/>
+              <a:t>マスター タイトルの書式設定</a:t>
+            </a:r>
+            <a:endParaRPr kumimoji="1" lang="ja-JP" altLang="en-US"/>
+          </a:p>
+        </p:txBody>
+      </p:sp>
+      <p:sp>
+        <p:nvSpPr>
+          <p:cNvPr id="3" name="コンテンツ プレースホルダー 2"/>
+          <p:cNvSpPr>
+            <a:spLocks noGrp="1"/>
+          </p:cNvSpPr>
+          <p:nvPr>
+            <p:ph idx="1"/>
+          </p:nvPr>
+        </p:nvSpPr>
+        <p:spPr/>
+        <p:txBody>
+          <a:bodyPr/>
+          <a:lstStyle/>
+          <a:p>
+            <a:pPr lvl="0"/>
+            <a:r>
+              <a:rPr kumimoji="1" lang="ja-JP" altLang="en-US" smtClean="0"/>
+              <a:t>マスター テキストの書式設定</a:t>
+            </a:r>
+          </a:p>
+          <a:p>
+            <a:pPr lvl="1"/>
+            <a:r>
+              <a:rPr kumimoji="1" lang="ja-JP" altLang="en-US" smtClean="0"/>
+              <a:t>第 </a:t>
+            </a:r>
+            <a:r>
+              <a:rPr kumimoji="1" lang="en-US" altLang="ja-JP" smtClean="0"/>
+              <a:t>2 </a:t>
+            </a:r>
+            <a:r>
+              <a:rPr kumimoji="1" lang="ja-JP" altLang="en-US" smtClean="0"/>
+              <a:t>レベル</a:t>
+            </a:r>
+          </a:p>
+          <a:p>
+            <a:pPr lvl="2"/>
+            <a:r>
+              <a:rPr kumimoji="1" lang="ja-JP" altLang="en-US" smtClean="0"/>
+              <a:t>第 </a:t>
+            </a:r>
+            <a:r>
+              <a:rPr kumimoji="1" lang="en-US" altLang="ja-JP" smtClean="0"/>
+              <a:t>3 </a:t>
+            </a:r>
+            <a:r>
+              <a:rPr kumimoji="1" lang="ja-JP" altLang="en-US" smtClean="0"/>
+              <a:t>レベル</a:t>
+            </a:r>
+          </a:p>
+          <a:p>
+            <a:pPr lvl="3"/>
+            <a:r>
+              <a:rPr kumimoji="1" lang="ja-JP" altLang="en-US" smtClean="0"/>
+              <a:t>第 </a:t>
+            </a:r>
+            <a:r>
+              <a:rPr kumimoji="1" lang="en-US" altLang="ja-JP" smtClean="0"/>
+              <a:t>4 </a:t>
+            </a:r>
+            <a:r>
+              <a:rPr kumimoji="1" lang="ja-JP" altLang="en-US" smtClean="0"/>
+              <a:t>レベル</a:t>
+            </a:r>
+          </a:p>
+          <a:p>
+            <a:pPr lvl="4"/>
+            <a:r>
+              <a:rPr kumimoji="1" lang="ja-JP" altLang="en-US" smtClean="0"/>
+              <a:t>第 </a:t>
+            </a:r>
+            <a:r>
+              <a:rPr kumimoji="1" lang="en-US" altLang="ja-JP" smtClean="0"/>
+              <a:t>5 </a:t>
+            </a:r>
+            <a:r>
+              <a:rPr kumimoji="1" lang="ja-JP" altLang="en-US" smtClean="0"/>
+              <a:t>レベル</a:t>
+            </a:r>
+            <a:endParaRPr kumimoji="1" lang="ja-JP" altLang="en-US"/>
+          </a:p>
+        </p:txBody>
+      </p:sp>
+      <p:sp>
+        <p:nvSpPr>
+          <p:cNvPr id="4" name="日付プレースホルダー 3"/>
           <p:cNvSpPr>
             <a:spLocks noGrp="1"/>
           </p:cNvSpPr>
@@ -1577,7 +1342,7 @@
           <a:p>
             <a:fld id="{CD18CB5A-6947-405F-A94A-52FF85729738}" type="datetimeFigureOut">
               <a:rPr kumimoji="1" lang="ja-JP" altLang="en-US" smtClean="0"/>
-              <a:t>2014/12/17</a:t>
+              <a:t>2014/12/18</a:t>
             </a:fld>
             <a:endParaRPr kumimoji="1" lang="ja-JP" altLang="en-US"/>
           </a:p>
@@ -1585,7 +1350,7 @@
       </p:sp>
       <p:sp>
         <p:nvSpPr>
-          <p:cNvPr id="5" name="Footer Placeholder 4"/>
+          <p:cNvPr id="5" name="フッター プレースホルダー 4"/>
           <p:cNvSpPr>
             <a:spLocks noGrp="1"/>
           </p:cNvSpPr>
@@ -1604,7 +1369,7 @@
       </p:sp>
       <p:sp>
         <p:nvSpPr>
-          <p:cNvPr id="6" name="Slide Number Placeholder 5"/>
+          <p:cNvPr id="6" name="スライド番号プレースホルダー 5"/>
           <p:cNvSpPr>
             <a:spLocks noGrp="1"/>
           </p:cNvSpPr>
@@ -1625,130 +1390,16 @@
           </a:p>
         </p:txBody>
       </p:sp>
-      <p:sp>
-        <p:nvSpPr>
-          <p:cNvPr id="8" name="Title 7"/>
-          <p:cNvSpPr>
-            <a:spLocks noGrp="1"/>
-          </p:cNvSpPr>
-          <p:nvPr>
-            <p:ph type="title"/>
-          </p:nvPr>
-        </p:nvSpPr>
-        <p:spPr/>
-        <p:txBody>
-          <a:bodyPr/>
-          <a:lstStyle/>
-          <a:p>
-            <a:r>
-              <a:rPr lang="ja-JP" altLang="en-US" smtClean="0"/>
-              <a:t>マスター タイトルの書式設定</a:t>
-            </a:r>
-            <a:endParaRPr lang="en-US"/>
-          </a:p>
-        </p:txBody>
-      </p:sp>
-      <p:sp>
-        <p:nvSpPr>
-          <p:cNvPr id="10" name="Content Placeholder 9"/>
-          <p:cNvSpPr>
-            <a:spLocks noGrp="1"/>
-          </p:cNvSpPr>
-          <p:nvPr>
-            <p:ph sz="quarter" idx="13"/>
-          </p:nvPr>
-        </p:nvSpPr>
-        <p:spPr>
-          <a:xfrm>
-            <a:off x="2673350" y="3229864"/>
-            <a:ext cx="14970760" cy="15341854"/>
-          </a:xfrm>
-        </p:spPr>
-        <p:txBody>
-          <a:bodyPr/>
-          <a:lstStyle/>
-          <a:p>
-            <a:pPr lvl="0"/>
-            <a:r>
-              <a:rPr lang="ja-JP" altLang="en-US" smtClean="0"/>
-              <a:t>マスター テキストの書式設定</a:t>
-            </a:r>
-          </a:p>
-          <a:p>
-            <a:pPr lvl="1"/>
-            <a:r>
-              <a:rPr lang="ja-JP" altLang="en-US" smtClean="0"/>
-              <a:t>第 </a:t>
-            </a:r>
-            <a:r>
-              <a:rPr lang="en-US" altLang="ja-JP" smtClean="0"/>
-              <a:t>2 </a:t>
-            </a:r>
-            <a:r>
-              <a:rPr lang="ja-JP" altLang="en-US" smtClean="0"/>
-              <a:t>レベル</a:t>
-            </a:r>
-          </a:p>
-          <a:p>
-            <a:pPr lvl="2"/>
-            <a:r>
-              <a:rPr lang="ja-JP" altLang="en-US" smtClean="0"/>
-              <a:t>第 </a:t>
-            </a:r>
-            <a:r>
-              <a:rPr lang="en-US" altLang="ja-JP" smtClean="0"/>
-              <a:t>3 </a:t>
-            </a:r>
-            <a:r>
-              <a:rPr lang="ja-JP" altLang="en-US" smtClean="0"/>
-              <a:t>レベル</a:t>
-            </a:r>
-          </a:p>
-          <a:p>
-            <a:pPr lvl="3"/>
-            <a:r>
-              <a:rPr lang="ja-JP" altLang="en-US" smtClean="0"/>
-              <a:t>第 </a:t>
-            </a:r>
-            <a:r>
-              <a:rPr lang="en-US" altLang="ja-JP" smtClean="0"/>
-              <a:t>4 </a:t>
-            </a:r>
-            <a:r>
-              <a:rPr lang="ja-JP" altLang="en-US" smtClean="0"/>
-              <a:t>レベル</a:t>
-            </a:r>
-          </a:p>
-          <a:p>
-            <a:pPr lvl="4"/>
-            <a:r>
-              <a:rPr lang="ja-JP" altLang="en-US" smtClean="0"/>
-              <a:t>第 </a:t>
-            </a:r>
-            <a:r>
-              <a:rPr lang="en-US" altLang="ja-JP" smtClean="0"/>
-              <a:t>5 </a:t>
-            </a:r>
-            <a:r>
-              <a:rPr lang="ja-JP" altLang="en-US" smtClean="0"/>
-              <a:t>レベル</a:t>
-            </a:r>
-            <a:endParaRPr lang="en-US" dirty="0"/>
-          </a:p>
-        </p:txBody>
-      </p:sp>
     </p:spTree>
+    <p:extLst>
+      <p:ext uri="{BB962C8B-B14F-4D97-AF65-F5344CB8AC3E}">
+        <p14:creationId xmlns:p14="http://schemas.microsoft.com/office/powerpoint/2010/main" val="4237883379"/>
+      </p:ext>
+    </p:extLst>
   </p:cSld>
   <p:clrMapOvr>
     <a:masterClrMapping/>
   </p:clrMapOvr>
-  <p:timing>
-    <p:tnLst>
-      <p:par>
-        <p:cTn id="1" dur="indefinite" restart="never" nodeType="tmRoot"/>
-      </p:par>
-    </p:tnLst>
-  </p:timing>
 </p:sldLayout>
 </file>
 
@@ -1771,336 +1422,68 @@
       </p:grpSpPr>
       <p:sp>
         <p:nvSpPr>
-          <p:cNvPr id="7" name="Rectangle 6"/>
-          <p:cNvSpPr/>
-          <p:nvPr/>
+          <p:cNvPr id="2" name="タイトル 1"/>
+          <p:cNvSpPr>
+            <a:spLocks noGrp="1"/>
+          </p:cNvSpPr>
+          <p:nvPr>
+            <p:ph type="title"/>
+          </p:nvPr>
         </p:nvSpPr>
         <p:spPr>
           <a:xfrm>
-            <a:off x="0" y="17073526"/>
-            <a:ext cx="21386800" cy="13206449"/>
+            <a:off x="1459204" y="7548971"/>
+            <a:ext cx="18446115" cy="12595626"/>
           </a:xfrm>
-          <a:prstGeom prst="rect">
-            <a:avLst/>
-          </a:prstGeom>
-          <a:gradFill>
-            <a:gsLst>
-              <a:gs pos="0">
-                <a:schemeClr val="bg1">
-                  <a:alpha val="92000"/>
-                </a:schemeClr>
-              </a:gs>
-              <a:gs pos="37000">
-                <a:schemeClr val="bg1">
-                  <a:alpha val="77000"/>
-                </a:schemeClr>
-              </a:gs>
-              <a:gs pos="100000">
-                <a:schemeClr val="bg2">
-                  <a:alpha val="80000"/>
-                </a:schemeClr>
-              </a:gs>
-            </a:gsLst>
-            <a:path path="circle">
-              <a:fillToRect l="50000" t="50000" r="50000" b="50000"/>
-            </a:path>
-          </a:gradFill>
-          <a:ln>
-            <a:noFill/>
-          </a:ln>
         </p:spPr>
-        <p:style>
-          <a:lnRef idx="2">
-            <a:schemeClr val="accent1">
-              <a:shade val="50000"/>
-            </a:schemeClr>
-          </a:lnRef>
-          <a:fillRef idx="1">
-            <a:schemeClr val="accent1"/>
-          </a:fillRef>
-          <a:effectRef idx="0">
-            <a:schemeClr val="accent1"/>
-          </a:effectRef>
-          <a:fontRef idx="minor">
-            <a:schemeClr val="lt1"/>
-          </a:fontRef>
-        </p:style>
-        <p:txBody>
-          <a:bodyPr lIns="295232" tIns="147616" rIns="295232" bIns="147616" rtlCol="0" anchor="ctr"/>
-          <a:lstStyle/>
-          <a:p>
-            <a:pPr algn="ctr"/>
-            <a:endParaRPr lang="en-US"/>
-          </a:p>
-        </p:txBody>
-      </p:sp>
-      <p:sp>
-        <p:nvSpPr>
-          <p:cNvPr id="8" name="Rectangle 7"/>
-          <p:cNvSpPr/>
-          <p:nvPr/>
+        <p:txBody>
+          <a:bodyPr anchor="b"/>
+          <a:lstStyle>
+            <a:lvl1pPr>
+              <a:defRPr sz="10525"/>
+            </a:lvl1pPr>
+          </a:lstStyle>
+          <a:p>
+            <a:r>
+              <a:rPr kumimoji="1" lang="ja-JP" altLang="en-US" smtClean="0"/>
+              <a:t>マスター タイトルの書式設定</a:t>
+            </a:r>
+            <a:endParaRPr kumimoji="1" lang="ja-JP" altLang="en-US"/>
+          </a:p>
+        </p:txBody>
+      </p:sp>
+      <p:sp>
+        <p:nvSpPr>
+          <p:cNvPr id="3" name="テキスト プレースホルダー 2"/>
+          <p:cNvSpPr>
+            <a:spLocks noGrp="1"/>
+          </p:cNvSpPr>
+          <p:nvPr>
+            <p:ph type="body" idx="1"/>
+          </p:nvPr>
         </p:nvSpPr>
         <p:spPr>
           <a:xfrm>
-            <a:off x="0" y="0"/>
-            <a:ext cx="21386800" cy="17073526"/>
-          </a:xfrm>
-          <a:prstGeom prst="rect">
-            <a:avLst/>
-          </a:prstGeom>
-          <a:gradFill flip="none" rotWithShape="1">
-            <a:gsLst>
-              <a:gs pos="0">
-                <a:schemeClr val="bg1">
-                  <a:alpha val="90000"/>
-                </a:schemeClr>
-              </a:gs>
-              <a:gs pos="48000">
-                <a:schemeClr val="bg1">
-                  <a:alpha val="63000"/>
-                </a:schemeClr>
-              </a:gs>
-              <a:gs pos="100000">
-                <a:schemeClr val="bg2">
-                  <a:alpha val="80000"/>
-                </a:schemeClr>
-              </a:gs>
-            </a:gsLst>
-            <a:path path="circle">
-              <a:fillToRect l="50000" t="50000" r="50000" b="50000"/>
-            </a:path>
-            <a:tileRect/>
-          </a:gradFill>
-          <a:ln>
-            <a:noFill/>
-          </a:ln>
-        </p:spPr>
-        <p:style>
-          <a:lnRef idx="2">
-            <a:schemeClr val="accent1">
-              <a:shade val="50000"/>
-            </a:schemeClr>
-          </a:lnRef>
-          <a:fillRef idx="1">
-            <a:schemeClr val="accent1"/>
-          </a:fillRef>
-          <a:effectRef idx="0">
-            <a:schemeClr val="accent1"/>
-          </a:effectRef>
-          <a:fontRef idx="minor">
-            <a:schemeClr val="lt1"/>
-          </a:fontRef>
-        </p:style>
-        <p:txBody>
-          <a:bodyPr lIns="295232" tIns="147616" rIns="295232" bIns="147616" rtlCol="0" anchor="ctr"/>
-          <a:lstStyle/>
-          <a:p>
-            <a:pPr algn="ctr"/>
-            <a:endParaRPr lang="en-US" dirty="0"/>
-          </a:p>
-        </p:txBody>
-      </p:sp>
-      <p:sp>
-        <p:nvSpPr>
-          <p:cNvPr id="9" name="Rectangle 8"/>
-          <p:cNvSpPr/>
-          <p:nvPr/>
-        </p:nvSpPr>
-        <p:spPr>
-          <a:xfrm>
-            <a:off x="0" y="11710690"/>
-            <a:ext cx="21386800" cy="10093325"/>
-          </a:xfrm>
-          <a:prstGeom prst="rect">
-            <a:avLst/>
-          </a:prstGeom>
-          <a:gradFill flip="none" rotWithShape="1">
-            <a:gsLst>
-              <a:gs pos="0">
-                <a:schemeClr val="bg1">
-                  <a:alpha val="0"/>
-                </a:schemeClr>
-              </a:gs>
-              <a:gs pos="29000">
-                <a:schemeClr val="bg1">
-                  <a:alpha val="30000"/>
-                </a:schemeClr>
-              </a:gs>
-              <a:gs pos="45000">
-                <a:schemeClr val="bg2">
-                  <a:alpha val="40000"/>
-                </a:schemeClr>
-              </a:gs>
-              <a:gs pos="55000">
-                <a:schemeClr val="bg1">
-                  <a:alpha val="26000"/>
-                </a:schemeClr>
-              </a:gs>
-              <a:gs pos="65000">
-                <a:schemeClr val="bg2">
-                  <a:alpha val="60000"/>
-                </a:schemeClr>
-              </a:gs>
-              <a:gs pos="100000">
-                <a:schemeClr val="bg1">
-                  <a:alpha val="0"/>
-                </a:schemeClr>
-              </a:gs>
-            </a:gsLst>
-            <a:lin ang="5400000" scaled="0"/>
-            <a:tileRect/>
-          </a:gradFill>
-          <a:ln>
-            <a:noFill/>
-          </a:ln>
-        </p:spPr>
-        <p:style>
-          <a:lnRef idx="2">
-            <a:schemeClr val="accent1">
-              <a:shade val="50000"/>
-            </a:schemeClr>
-          </a:lnRef>
-          <a:fillRef idx="1">
-            <a:schemeClr val="accent1"/>
-          </a:fillRef>
-          <a:effectRef idx="0">
-            <a:schemeClr val="accent1"/>
-          </a:effectRef>
-          <a:fontRef idx="minor">
-            <a:schemeClr val="lt1"/>
-          </a:fontRef>
-        </p:style>
-        <p:txBody>
-          <a:bodyPr lIns="295232" tIns="147616" rIns="295232" bIns="147616" rtlCol="0" anchor="ctr"/>
-          <a:lstStyle/>
-          <a:p>
-            <a:pPr algn="ctr"/>
-            <a:endParaRPr lang="en-US"/>
-          </a:p>
-        </p:txBody>
-      </p:sp>
-      <p:sp>
-        <p:nvSpPr>
-          <p:cNvPr id="10" name="Oval 9"/>
-          <p:cNvSpPr/>
-          <p:nvPr/>
-        </p:nvSpPr>
-        <p:spPr>
-          <a:xfrm>
-            <a:off x="0" y="7065328"/>
-            <a:ext cx="21386800" cy="22541759"/>
-          </a:xfrm>
-          <a:prstGeom prst="ellipse">
-            <a:avLst/>
-          </a:prstGeom>
-          <a:gradFill flip="none" rotWithShape="1">
-            <a:gsLst>
-              <a:gs pos="0">
-                <a:schemeClr val="bg1"/>
-              </a:gs>
-              <a:gs pos="54000">
-                <a:schemeClr val="bg1">
-                  <a:alpha val="0"/>
-                </a:schemeClr>
-              </a:gs>
-            </a:gsLst>
-            <a:path path="circle">
-              <a:fillToRect l="50000" t="50000" r="50000" b="50000"/>
-            </a:path>
-            <a:tileRect/>
-          </a:gradFill>
-          <a:ln>
-            <a:noFill/>
-          </a:ln>
-        </p:spPr>
-        <p:style>
-          <a:lnRef idx="2">
-            <a:schemeClr val="accent1">
-              <a:shade val="50000"/>
-            </a:schemeClr>
-          </a:lnRef>
-          <a:fillRef idx="1">
-            <a:schemeClr val="accent1"/>
-          </a:fillRef>
-          <a:effectRef idx="0">
-            <a:schemeClr val="accent1"/>
-          </a:effectRef>
-          <a:fontRef idx="minor">
-            <a:schemeClr val="lt1"/>
-          </a:fontRef>
-        </p:style>
-        <p:txBody>
-          <a:bodyPr lIns="295232" tIns="147616" rIns="295232" bIns="147616" rtlCol="0" anchor="ctr"/>
-          <a:lstStyle/>
-          <a:p>
-            <a:pPr algn="ctr"/>
-            <a:endParaRPr lang="en-US"/>
-          </a:p>
-        </p:txBody>
-      </p:sp>
-      <p:sp>
-        <p:nvSpPr>
-          <p:cNvPr id="2" name="Title 1"/>
-          <p:cNvSpPr>
-            <a:spLocks noGrp="1"/>
-          </p:cNvSpPr>
-          <p:nvPr>
-            <p:ph type="title"/>
-          </p:nvPr>
-        </p:nvSpPr>
-        <p:spPr>
-          <a:xfrm>
-            <a:off x="4755417" y="9592844"/>
-            <a:ext cx="13955369" cy="10699746"/>
-          </a:xfrm>
-          <a:effectLst/>
-        </p:spPr>
-        <p:txBody>
-          <a:bodyPr anchor="b"/>
-          <a:lstStyle>
-            <a:lvl1pPr algn="r">
-              <a:defRPr sz="14900" b="1" cap="none" baseline="0"/>
-            </a:lvl1pPr>
-          </a:lstStyle>
-          <a:p>
-            <a:r>
-              <a:rPr lang="ja-JP" altLang="en-US" smtClean="0"/>
-              <a:t>マスター タイトルの書式設定</a:t>
-            </a:r>
-            <a:endParaRPr lang="en-US" dirty="0"/>
-          </a:p>
-        </p:txBody>
-      </p:sp>
-      <p:sp>
-        <p:nvSpPr>
-          <p:cNvPr id="3" name="Text Placeholder 2"/>
-          <p:cNvSpPr>
-            <a:spLocks noGrp="1"/>
-          </p:cNvSpPr>
-          <p:nvPr>
-            <p:ph type="body" idx="1"/>
-          </p:nvPr>
-        </p:nvSpPr>
-        <p:spPr>
-          <a:xfrm>
-            <a:off x="4730258" y="20343441"/>
-            <a:ext cx="13964322" cy="3688788"/>
+            <a:off x="1459204" y="20263756"/>
+            <a:ext cx="18446115" cy="6623742"/>
           </a:xfrm>
         </p:spPr>
         <p:txBody>
-          <a:bodyPr anchor="t"/>
+          <a:bodyPr/>
           <a:lstStyle>
-            <a:lvl1pPr marL="0" indent="0" algn="r">
+            <a:lvl1pPr marL="0" indent="0">
               <a:buNone/>
-              <a:defRPr sz="6500">
+              <a:defRPr sz="4210">
                 <a:solidFill>
-                  <a:schemeClr val="tx2"/>
+                  <a:schemeClr val="tx1">
+                    <a:tint val="75000"/>
+                  </a:schemeClr>
                 </a:solidFill>
               </a:defRPr>
             </a:lvl1pPr>
-            <a:lvl2pPr marL="1476162" indent="0">
+            <a:lvl2pPr marL="802020" indent="0">
               <a:buNone/>
-              <a:defRPr sz="5800">
+              <a:defRPr sz="3508">
                 <a:solidFill>
                   <a:schemeClr val="tx1">
                     <a:tint val="75000"/>
@@ -2108,9 +1491,9 @@
                 </a:solidFill>
               </a:defRPr>
             </a:lvl2pPr>
-            <a:lvl3pPr marL="2952323" indent="0">
+            <a:lvl3pPr marL="1604040" indent="0">
               <a:buNone/>
-              <a:defRPr sz="5200">
+              <a:defRPr sz="3158">
                 <a:solidFill>
                   <a:schemeClr val="tx1">
                     <a:tint val="75000"/>
@@ -2118,9 +1501,9 @@
                 </a:solidFill>
               </a:defRPr>
             </a:lvl3pPr>
-            <a:lvl4pPr marL="4428485" indent="0">
+            <a:lvl4pPr marL="2406061" indent="0">
               <a:buNone/>
-              <a:defRPr sz="4500">
+              <a:defRPr sz="2807">
                 <a:solidFill>
                   <a:schemeClr val="tx1">
                     <a:tint val="75000"/>
@@ -2128,9 +1511,9 @@
                 </a:solidFill>
               </a:defRPr>
             </a:lvl4pPr>
-            <a:lvl5pPr marL="5904647" indent="0">
+            <a:lvl5pPr marL="3208081" indent="0">
               <a:buNone/>
-              <a:defRPr sz="4500">
+              <a:defRPr sz="2807">
                 <a:solidFill>
                   <a:schemeClr val="tx1">
                     <a:tint val="75000"/>
@@ -2138,9 +1521,9 @@
                 </a:solidFill>
               </a:defRPr>
             </a:lvl5pPr>
-            <a:lvl6pPr marL="7380808" indent="0">
+            <a:lvl6pPr marL="4010101" indent="0">
               <a:buNone/>
-              <a:defRPr sz="4500">
+              <a:defRPr sz="2807">
                 <a:solidFill>
                   <a:schemeClr val="tx1">
                     <a:tint val="75000"/>
@@ -2148,9 +1531,9 @@
                 </a:solidFill>
               </a:defRPr>
             </a:lvl6pPr>
-            <a:lvl7pPr marL="8856970" indent="0">
+            <a:lvl7pPr marL="4812121" indent="0">
               <a:buNone/>
-              <a:defRPr sz="4500">
+              <a:defRPr sz="2807">
                 <a:solidFill>
                   <a:schemeClr val="tx1">
                     <a:tint val="75000"/>
@@ -2158,9 +1541,9 @@
                 </a:solidFill>
               </a:defRPr>
             </a:lvl7pPr>
-            <a:lvl8pPr marL="10333131" indent="0">
+            <a:lvl8pPr marL="5614142" indent="0">
               <a:buNone/>
-              <a:defRPr sz="4500">
+              <a:defRPr sz="2807">
                 <a:solidFill>
                   <a:schemeClr val="tx1">
                     <a:tint val="75000"/>
@@ -2168,9 +1551,9 @@
                 </a:solidFill>
               </a:defRPr>
             </a:lvl8pPr>
-            <a:lvl9pPr marL="11809293" indent="0">
+            <a:lvl9pPr marL="6416162" indent="0">
               <a:buNone/>
-              <a:defRPr sz="4500">
+              <a:defRPr sz="2807">
                 <a:solidFill>
                   <a:schemeClr val="tx1">
                     <a:tint val="75000"/>
@@ -2182,7 +1565,7 @@
           <a:p>
             <a:pPr lvl="0"/>
             <a:r>
-              <a:rPr lang="ja-JP" altLang="en-US" smtClean="0"/>
+              <a:rPr kumimoji="1" lang="ja-JP" altLang="en-US" smtClean="0"/>
               <a:t>マスター テキストの書式設定</a:t>
             </a:r>
           </a:p>
@@ -2190,7 +1573,7 @@
       </p:sp>
       <p:sp>
         <p:nvSpPr>
-          <p:cNvPr id="4" name="Date Placeholder 3"/>
+          <p:cNvPr id="4" name="日付プレースホルダー 3"/>
           <p:cNvSpPr>
             <a:spLocks noGrp="1"/>
           </p:cNvSpPr>
@@ -2205,7 +1588,7 @@
           <a:p>
             <a:fld id="{CD18CB5A-6947-405F-A94A-52FF85729738}" type="datetimeFigureOut">
               <a:rPr kumimoji="1" lang="ja-JP" altLang="en-US" smtClean="0"/>
-              <a:t>2014/12/17</a:t>
+              <a:t>2014/12/18</a:t>
             </a:fld>
             <a:endParaRPr kumimoji="1" lang="ja-JP" altLang="en-US"/>
           </a:p>
@@ -2213,7 +1596,7 @@
       </p:sp>
       <p:sp>
         <p:nvSpPr>
-          <p:cNvPr id="5" name="Footer Placeholder 4"/>
+          <p:cNvPr id="5" name="フッター プレースホルダー 4"/>
           <p:cNvSpPr>
             <a:spLocks noGrp="1"/>
           </p:cNvSpPr>
@@ -2232,7 +1615,7 @@
       </p:sp>
       <p:sp>
         <p:nvSpPr>
-          <p:cNvPr id="6" name="Slide Number Placeholder 5"/>
+          <p:cNvPr id="6" name="スライド番号プレースホルダー 5"/>
           <p:cNvSpPr>
             <a:spLocks noGrp="1"/>
           </p:cNvSpPr>
@@ -2254,17 +1637,15 @@
         </p:txBody>
       </p:sp>
     </p:spTree>
+    <p:extLst>
+      <p:ext uri="{BB962C8B-B14F-4D97-AF65-F5344CB8AC3E}">
+        <p14:creationId xmlns:p14="http://schemas.microsoft.com/office/powerpoint/2010/main" val="408891097"/>
+      </p:ext>
+    </p:extLst>
   </p:cSld>
   <p:clrMapOvr>
     <a:masterClrMapping/>
   </p:clrMapOvr>
-  <p:timing>
-    <p:tnLst>
-      <p:par>
-        <p:cTn id="1" dur="indefinite" restart="never" nodeType="tmRoot"/>
-      </p:par>
-    </p:tnLst>
-  </p:timing>
 </p:sldLayout>
 </file>
 
@@ -2287,7 +1668,208 @@
       </p:grpSpPr>
       <p:sp>
         <p:nvSpPr>
-          <p:cNvPr id="5" name="Date Placeholder 4"/>
+          <p:cNvPr id="2" name="タイトル 1"/>
+          <p:cNvSpPr>
+            <a:spLocks noGrp="1"/>
+          </p:cNvSpPr>
+          <p:nvPr>
+            <p:ph type="title"/>
+          </p:nvPr>
+        </p:nvSpPr>
+        <p:spPr/>
+        <p:txBody>
+          <a:bodyPr/>
+          <a:lstStyle/>
+          <a:p>
+            <a:r>
+              <a:rPr kumimoji="1" lang="ja-JP" altLang="en-US" smtClean="0"/>
+              <a:t>マスター タイトルの書式設定</a:t>
+            </a:r>
+            <a:endParaRPr kumimoji="1" lang="ja-JP" altLang="en-US"/>
+          </a:p>
+        </p:txBody>
+      </p:sp>
+      <p:sp>
+        <p:nvSpPr>
+          <p:cNvPr id="3" name="コンテンツ プレースホルダー 2"/>
+          <p:cNvSpPr>
+            <a:spLocks noGrp="1"/>
+          </p:cNvSpPr>
+          <p:nvPr>
+            <p:ph sz="half" idx="1"/>
+          </p:nvPr>
+        </p:nvSpPr>
+        <p:spPr>
+          <a:xfrm>
+            <a:off x="1470343" y="8060641"/>
+            <a:ext cx="9089390" cy="19212366"/>
+          </a:xfrm>
+        </p:spPr>
+        <p:txBody>
+          <a:bodyPr/>
+          <a:lstStyle/>
+          <a:p>
+            <a:pPr lvl="0"/>
+            <a:r>
+              <a:rPr kumimoji="1" lang="ja-JP" altLang="en-US" smtClean="0"/>
+              <a:t>マスター テキストの書式設定</a:t>
+            </a:r>
+          </a:p>
+          <a:p>
+            <a:pPr lvl="1"/>
+            <a:r>
+              <a:rPr kumimoji="1" lang="ja-JP" altLang="en-US" smtClean="0"/>
+              <a:t>第 </a:t>
+            </a:r>
+            <a:r>
+              <a:rPr kumimoji="1" lang="en-US" altLang="ja-JP" smtClean="0"/>
+              <a:t>2 </a:t>
+            </a:r>
+            <a:r>
+              <a:rPr kumimoji="1" lang="ja-JP" altLang="en-US" smtClean="0"/>
+              <a:t>レベル</a:t>
+            </a:r>
+          </a:p>
+          <a:p>
+            <a:pPr lvl="2"/>
+            <a:r>
+              <a:rPr kumimoji="1" lang="ja-JP" altLang="en-US" smtClean="0"/>
+              <a:t>第 </a:t>
+            </a:r>
+            <a:r>
+              <a:rPr kumimoji="1" lang="en-US" altLang="ja-JP" smtClean="0"/>
+              <a:t>3 </a:t>
+            </a:r>
+            <a:r>
+              <a:rPr kumimoji="1" lang="ja-JP" altLang="en-US" smtClean="0"/>
+              <a:t>レベル</a:t>
+            </a:r>
+          </a:p>
+          <a:p>
+            <a:pPr lvl="3"/>
+            <a:r>
+              <a:rPr kumimoji="1" lang="ja-JP" altLang="en-US" smtClean="0"/>
+              <a:t>第 </a:t>
+            </a:r>
+            <a:r>
+              <a:rPr kumimoji="1" lang="en-US" altLang="ja-JP" smtClean="0"/>
+              <a:t>4 </a:t>
+            </a:r>
+            <a:r>
+              <a:rPr kumimoji="1" lang="ja-JP" altLang="en-US" smtClean="0"/>
+              <a:t>レベル</a:t>
+            </a:r>
+          </a:p>
+          <a:p>
+            <a:pPr lvl="4"/>
+            <a:r>
+              <a:rPr kumimoji="1" lang="ja-JP" altLang="en-US" smtClean="0"/>
+              <a:t>第 </a:t>
+            </a:r>
+            <a:r>
+              <a:rPr kumimoji="1" lang="en-US" altLang="ja-JP" smtClean="0"/>
+              <a:t>5 </a:t>
+            </a:r>
+            <a:r>
+              <a:rPr kumimoji="1" lang="ja-JP" altLang="en-US" smtClean="0"/>
+              <a:t>レベル</a:t>
+            </a:r>
+            <a:endParaRPr kumimoji="1" lang="ja-JP" altLang="en-US"/>
+          </a:p>
+        </p:txBody>
+      </p:sp>
+      <p:sp>
+        <p:nvSpPr>
+          <p:cNvPr id="4" name="コンテンツ プレースホルダー 3"/>
+          <p:cNvSpPr>
+            <a:spLocks noGrp="1"/>
+          </p:cNvSpPr>
+          <p:nvPr>
+            <p:ph sz="half" idx="2"/>
+          </p:nvPr>
+        </p:nvSpPr>
+        <p:spPr>
+          <a:xfrm>
+            <a:off x="10827068" y="8060641"/>
+            <a:ext cx="9089390" cy="19212366"/>
+          </a:xfrm>
+        </p:spPr>
+        <p:txBody>
+          <a:bodyPr/>
+          <a:lstStyle/>
+          <a:p>
+            <a:pPr lvl="0"/>
+            <a:r>
+              <a:rPr kumimoji="1" lang="ja-JP" altLang="en-US" smtClean="0"/>
+              <a:t>マスター テキストの書式設定</a:t>
+            </a:r>
+          </a:p>
+          <a:p>
+            <a:pPr lvl="1"/>
+            <a:r>
+              <a:rPr kumimoji="1" lang="ja-JP" altLang="en-US" smtClean="0"/>
+              <a:t>第 </a:t>
+            </a:r>
+            <a:r>
+              <a:rPr kumimoji="1" lang="en-US" altLang="ja-JP" smtClean="0"/>
+              <a:t>2 </a:t>
+            </a:r>
+            <a:r>
+              <a:rPr kumimoji="1" lang="ja-JP" altLang="en-US" smtClean="0"/>
+              <a:t>レベル</a:t>
+            </a:r>
+          </a:p>
+          <a:p>
+            <a:pPr lvl="2"/>
+            <a:r>
+              <a:rPr kumimoji="1" lang="ja-JP" altLang="en-US" smtClean="0"/>
+              <a:t>第 </a:t>
+            </a:r>
+            <a:r>
+              <a:rPr kumimoji="1" lang="en-US" altLang="ja-JP" smtClean="0"/>
+              <a:t>3 </a:t>
+            </a:r>
+            <a:r>
+              <a:rPr kumimoji="1" lang="ja-JP" altLang="en-US" smtClean="0"/>
+              <a:t>レベル</a:t>
+            </a:r>
+          </a:p>
+          <a:p>
+            <a:pPr lvl="3"/>
+            <a:r>
+              <a:rPr kumimoji="1" lang="ja-JP" altLang="en-US" smtClean="0"/>
+              <a:t>第 </a:t>
+            </a:r>
+            <a:r>
+              <a:rPr kumimoji="1" lang="en-US" altLang="ja-JP" smtClean="0"/>
+              <a:t>4 </a:t>
+            </a:r>
+            <a:r>
+              <a:rPr kumimoji="1" lang="ja-JP" altLang="en-US" smtClean="0"/>
+              <a:t>レベル</a:t>
+            </a:r>
+          </a:p>
+          <a:p>
+            <a:pPr lvl="4"/>
+            <a:r>
+              <a:rPr kumimoji="1" lang="ja-JP" altLang="en-US" smtClean="0"/>
+              <a:t>第 </a:t>
+            </a:r>
+            <a:r>
+              <a:rPr kumimoji="1" lang="en-US" altLang="ja-JP" smtClean="0"/>
+              <a:t>5 </a:t>
+            </a:r>
+            <a:r>
+              <a:rPr kumimoji="1" lang="ja-JP" altLang="en-US" smtClean="0"/>
+              <a:t>レベル</a:t>
+            </a:r>
+            <a:endParaRPr kumimoji="1" lang="ja-JP" altLang="en-US"/>
+          </a:p>
+        </p:txBody>
+      </p:sp>
+      <p:sp>
+        <p:nvSpPr>
+          <p:cNvPr id="5" name="日付プレースホルダー 4"/>
           <p:cNvSpPr>
             <a:spLocks noGrp="1"/>
           </p:cNvSpPr>
@@ -2302,7 +1884,7 @@
           <a:p>
             <a:fld id="{CD18CB5A-6947-405F-A94A-52FF85729738}" type="datetimeFigureOut">
               <a:rPr kumimoji="1" lang="ja-JP" altLang="en-US" smtClean="0"/>
-              <a:t>2014/12/17</a:t>
+              <a:t>2014/12/18</a:t>
             </a:fld>
             <a:endParaRPr kumimoji="1" lang="ja-JP" altLang="en-US"/>
           </a:p>
@@ -2310,7 +1892,7 @@
       </p:sp>
       <p:sp>
         <p:nvSpPr>
-          <p:cNvPr id="6" name="Footer Placeholder 5"/>
+          <p:cNvPr id="6" name="フッター プレースホルダー 5"/>
           <p:cNvSpPr>
             <a:spLocks noGrp="1"/>
           </p:cNvSpPr>
@@ -2329,7 +1911,7 @@
       </p:sp>
       <p:sp>
         <p:nvSpPr>
-          <p:cNvPr id="7" name="Slide Number Placeholder 6"/>
+          <p:cNvPr id="7" name="スライド番号プレースホルダー 6"/>
           <p:cNvSpPr>
             <a:spLocks noGrp="1"/>
           </p:cNvSpPr>
@@ -2350,219 +1932,16 @@
           </a:p>
         </p:txBody>
       </p:sp>
-      <p:sp>
-        <p:nvSpPr>
-          <p:cNvPr id="8" name="Title 7"/>
-          <p:cNvSpPr>
-            <a:spLocks noGrp="1"/>
-          </p:cNvSpPr>
-          <p:nvPr>
-            <p:ph type="title"/>
-          </p:nvPr>
-        </p:nvSpPr>
-        <p:spPr/>
-        <p:txBody>
-          <a:bodyPr/>
-          <a:lstStyle/>
-          <a:p>
-            <a:r>
-              <a:rPr lang="ja-JP" altLang="en-US" smtClean="0"/>
-              <a:t>マスター タイトルの書式設定</a:t>
-            </a:r>
-            <a:endParaRPr lang="en-US"/>
-          </a:p>
-        </p:txBody>
-      </p:sp>
-      <p:sp>
-        <p:nvSpPr>
-          <p:cNvPr id="9" name="Content Placeholder 8"/>
-          <p:cNvSpPr>
-            <a:spLocks noGrp="1"/>
-          </p:cNvSpPr>
-          <p:nvPr>
-            <p:ph sz="quarter" idx="13"/>
-          </p:nvPr>
-        </p:nvSpPr>
-        <p:spPr>
-          <a:xfrm>
-            <a:off x="2673348" y="3229860"/>
-            <a:ext cx="7827569" cy="15341854"/>
-          </a:xfrm>
-        </p:spPr>
-        <p:txBody>
-          <a:bodyPr/>
-          <a:lstStyle/>
-          <a:p>
-            <a:pPr lvl="0"/>
-            <a:r>
-              <a:rPr lang="ja-JP" altLang="en-US" smtClean="0"/>
-              <a:t>マスター テキストの書式設定</a:t>
-            </a:r>
-          </a:p>
-          <a:p>
-            <a:pPr lvl="1"/>
-            <a:r>
-              <a:rPr lang="ja-JP" altLang="en-US" smtClean="0"/>
-              <a:t>第 </a:t>
-            </a:r>
-            <a:r>
-              <a:rPr lang="en-US" altLang="ja-JP" smtClean="0"/>
-              <a:t>2 </a:t>
-            </a:r>
-            <a:r>
-              <a:rPr lang="ja-JP" altLang="en-US" smtClean="0"/>
-              <a:t>レベル</a:t>
-            </a:r>
-          </a:p>
-          <a:p>
-            <a:pPr lvl="2"/>
-            <a:r>
-              <a:rPr lang="ja-JP" altLang="en-US" smtClean="0"/>
-              <a:t>第 </a:t>
-            </a:r>
-            <a:r>
-              <a:rPr lang="en-US" altLang="ja-JP" smtClean="0"/>
-              <a:t>3 </a:t>
-            </a:r>
-            <a:r>
-              <a:rPr lang="ja-JP" altLang="en-US" smtClean="0"/>
-              <a:t>レベル</a:t>
-            </a:r>
-          </a:p>
-          <a:p>
-            <a:pPr lvl="3"/>
-            <a:r>
-              <a:rPr lang="ja-JP" altLang="en-US" smtClean="0"/>
-              <a:t>第 </a:t>
-            </a:r>
-            <a:r>
-              <a:rPr lang="en-US" altLang="ja-JP" smtClean="0"/>
-              <a:t>4 </a:t>
-            </a:r>
-            <a:r>
-              <a:rPr lang="ja-JP" altLang="en-US" smtClean="0"/>
-              <a:t>レベル</a:t>
-            </a:r>
-          </a:p>
-          <a:p>
-            <a:pPr lvl="4"/>
-            <a:r>
-              <a:rPr lang="ja-JP" altLang="en-US" smtClean="0"/>
-              <a:t>第 </a:t>
-            </a:r>
-            <a:r>
-              <a:rPr lang="en-US" altLang="ja-JP" smtClean="0"/>
-              <a:t>5 </a:t>
-            </a:r>
-            <a:r>
-              <a:rPr lang="ja-JP" altLang="en-US" smtClean="0"/>
-              <a:t>レベル</a:t>
-            </a:r>
-            <a:endParaRPr lang="en-US"/>
-          </a:p>
-        </p:txBody>
-      </p:sp>
-      <p:sp>
-        <p:nvSpPr>
-          <p:cNvPr id="11" name="Content Placeholder 10"/>
-          <p:cNvSpPr>
-            <a:spLocks noGrp="1"/>
-          </p:cNvSpPr>
-          <p:nvPr>
-            <p:ph sz="quarter" idx="14"/>
-          </p:nvPr>
-        </p:nvSpPr>
-        <p:spPr>
-          <a:xfrm>
-            <a:off x="10864494" y="3229864"/>
-            <a:ext cx="7827569" cy="15341854"/>
-          </a:xfrm>
-        </p:spPr>
-        <p:txBody>
-          <a:bodyPr/>
-          <a:lstStyle/>
-          <a:p>
-            <a:pPr lvl="0"/>
-            <a:r>
-              <a:rPr lang="ja-JP" altLang="en-US" smtClean="0"/>
-              <a:t>マスター テキストの書式設定</a:t>
-            </a:r>
-          </a:p>
-          <a:p>
-            <a:pPr lvl="1"/>
-            <a:r>
-              <a:rPr lang="ja-JP" altLang="en-US" smtClean="0"/>
-              <a:t>第 </a:t>
-            </a:r>
-            <a:r>
-              <a:rPr lang="en-US" altLang="ja-JP" smtClean="0"/>
-              <a:t>2 </a:t>
-            </a:r>
-            <a:r>
-              <a:rPr lang="ja-JP" altLang="en-US" smtClean="0"/>
-              <a:t>レベル</a:t>
-            </a:r>
-          </a:p>
-          <a:p>
-            <a:pPr lvl="2"/>
-            <a:r>
-              <a:rPr lang="ja-JP" altLang="en-US" smtClean="0"/>
-              <a:t>第 </a:t>
-            </a:r>
-            <a:r>
-              <a:rPr lang="en-US" altLang="ja-JP" smtClean="0"/>
-              <a:t>3 </a:t>
-            </a:r>
-            <a:r>
-              <a:rPr lang="ja-JP" altLang="en-US" smtClean="0"/>
-              <a:t>レベル</a:t>
-            </a:r>
-          </a:p>
-          <a:p>
-            <a:pPr lvl="3"/>
-            <a:r>
-              <a:rPr lang="ja-JP" altLang="en-US" smtClean="0"/>
-              <a:t>第 </a:t>
-            </a:r>
-            <a:r>
-              <a:rPr lang="en-US" altLang="ja-JP" smtClean="0"/>
-              <a:t>4 </a:t>
-            </a:r>
-            <a:r>
-              <a:rPr lang="ja-JP" altLang="en-US" smtClean="0"/>
-              <a:t>レベル</a:t>
-            </a:r>
-          </a:p>
-          <a:p>
-            <a:pPr lvl="4"/>
-            <a:r>
-              <a:rPr lang="ja-JP" altLang="en-US" smtClean="0"/>
-              <a:t>第 </a:t>
-            </a:r>
-            <a:r>
-              <a:rPr lang="en-US" altLang="ja-JP" smtClean="0"/>
-              <a:t>5 </a:t>
-            </a:r>
-            <a:r>
-              <a:rPr lang="ja-JP" altLang="en-US" smtClean="0"/>
-              <a:t>レベル</a:t>
-            </a:r>
-            <a:endParaRPr lang="en-US"/>
-          </a:p>
-        </p:txBody>
-      </p:sp>
     </p:spTree>
+    <p:extLst>
+      <p:ext uri="{BB962C8B-B14F-4D97-AF65-F5344CB8AC3E}">
+        <p14:creationId xmlns:p14="http://schemas.microsoft.com/office/powerpoint/2010/main" val="3880284578"/>
+      </p:ext>
+    </p:extLst>
   </p:cSld>
   <p:clrMapOvr>
     <a:masterClrMapping/>
   </p:clrMapOvr>
-  <p:timing>
-    <p:tnLst>
-      <p:par>
-        <p:cTn id="1" dur="indefinite" restart="never" nodeType="tmRoot"/>
-      </p:par>
-    </p:tnLst>
-  </p:timing>
 </p:sldLayout>
 </file>
 
@@ -2585,90 +1964,92 @@
       </p:grpSpPr>
       <p:sp>
         <p:nvSpPr>
-          <p:cNvPr id="3" name="Text Placeholder 2"/>
-          <p:cNvSpPr>
-            <a:spLocks noGrp="1"/>
-          </p:cNvSpPr>
-          <p:nvPr>
-            <p:ph type="body" idx="1"/>
+          <p:cNvPr id="2" name="タイトル 1"/>
+          <p:cNvSpPr>
+            <a:spLocks noGrp="1"/>
+          </p:cNvSpPr>
+          <p:nvPr>
+            <p:ph type="title"/>
           </p:nvPr>
         </p:nvSpPr>
         <p:spPr>
           <a:xfrm>
-            <a:off x="2673350" y="3229864"/>
-            <a:ext cx="7827569" cy="2824727"/>
+            <a:off x="1473128" y="1612130"/>
+            <a:ext cx="18446115" cy="5852729"/>
           </a:xfrm>
         </p:spPr>
         <p:txBody>
-          <a:bodyPr anchor="b">
-            <a:noAutofit/>
-          </a:bodyPr>
+          <a:bodyPr/>
+          <a:lstStyle/>
+          <a:p>
+            <a:r>
+              <a:rPr kumimoji="1" lang="ja-JP" altLang="en-US" smtClean="0"/>
+              <a:t>マスター タイトルの書式設定</a:t>
+            </a:r>
+            <a:endParaRPr kumimoji="1" lang="ja-JP" altLang="en-US"/>
+          </a:p>
+        </p:txBody>
+      </p:sp>
+      <p:sp>
+        <p:nvSpPr>
+          <p:cNvPr id="3" name="テキスト プレースホルダー 2"/>
+          <p:cNvSpPr>
+            <a:spLocks noGrp="1"/>
+          </p:cNvSpPr>
+          <p:nvPr>
+            <p:ph type="body" idx="1"/>
+          </p:nvPr>
+        </p:nvSpPr>
+        <p:spPr>
+          <a:xfrm>
+            <a:off x="1473129" y="7422802"/>
+            <a:ext cx="9047618" cy="3637800"/>
+          </a:xfrm>
+        </p:spPr>
+        <p:txBody>
+          <a:bodyPr anchor="b"/>
           <a:lstStyle>
-            <a:lvl1pPr marL="0" indent="0" algn="ctr">
+            <a:lvl1pPr marL="0" indent="0">
               <a:buNone/>
-              <a:defRPr lang="en-US" sz="7700" b="1" i="0" kern="1200" dirty="0" smtClean="0">
-                <a:gradFill>
-                  <a:gsLst>
-                    <a:gs pos="0">
-                      <a:schemeClr val="tx1"/>
-                    </a:gs>
-                    <a:gs pos="40000">
-                      <a:schemeClr val="tx1">
-                        <a:lumMod val="75000"/>
-                        <a:lumOff val="25000"/>
-                      </a:schemeClr>
-                    </a:gs>
-                    <a:gs pos="100000">
-                      <a:schemeClr val="tx2">
-                        <a:alpha val="65000"/>
-                      </a:schemeClr>
-                    </a:gs>
-                  </a:gsLst>
-                  <a:lin ang="5400000" scaled="0"/>
-                </a:gradFill>
-                <a:effectLst/>
-                <a:latin typeface="+mj-lt"/>
-                <a:ea typeface="+mj-ea"/>
-                <a:cs typeface="+mj-cs"/>
-              </a:defRPr>
+              <a:defRPr sz="4210" b="1"/>
             </a:lvl1pPr>
-            <a:lvl2pPr marL="1476162" indent="0">
+            <a:lvl2pPr marL="802020" indent="0">
               <a:buNone/>
-              <a:defRPr sz="6500" b="1"/>
+              <a:defRPr sz="3508" b="1"/>
             </a:lvl2pPr>
-            <a:lvl3pPr marL="2952323" indent="0">
+            <a:lvl3pPr marL="1604040" indent="0">
               <a:buNone/>
-              <a:defRPr sz="5800" b="1"/>
+              <a:defRPr sz="3158" b="1"/>
             </a:lvl3pPr>
-            <a:lvl4pPr marL="4428485" indent="0">
+            <a:lvl4pPr marL="2406061" indent="0">
               <a:buNone/>
-              <a:defRPr sz="5200" b="1"/>
+              <a:defRPr sz="2807" b="1"/>
             </a:lvl4pPr>
-            <a:lvl5pPr marL="5904647" indent="0">
+            <a:lvl5pPr marL="3208081" indent="0">
               <a:buNone/>
-              <a:defRPr sz="5200" b="1"/>
+              <a:defRPr sz="2807" b="1"/>
             </a:lvl5pPr>
-            <a:lvl6pPr marL="7380808" indent="0">
+            <a:lvl6pPr marL="4010101" indent="0">
               <a:buNone/>
-              <a:defRPr sz="5200" b="1"/>
+              <a:defRPr sz="2807" b="1"/>
             </a:lvl6pPr>
-            <a:lvl7pPr marL="8856970" indent="0">
+            <a:lvl7pPr marL="4812121" indent="0">
               <a:buNone/>
-              <a:defRPr sz="5200" b="1"/>
+              <a:defRPr sz="2807" b="1"/>
             </a:lvl7pPr>
-            <a:lvl8pPr marL="10333131" indent="0">
+            <a:lvl8pPr marL="5614142" indent="0">
               <a:buNone/>
-              <a:defRPr sz="5200" b="1"/>
+              <a:defRPr sz="2807" b="1"/>
             </a:lvl8pPr>
-            <a:lvl9pPr marL="11809293" indent="0">
+            <a:lvl9pPr marL="6416162" indent="0">
               <a:buNone/>
-              <a:defRPr sz="5200" b="1"/>
+              <a:defRPr sz="2807" b="1"/>
             </a:lvl9pPr>
           </a:lstStyle>
           <a:p>
             <a:pPr lvl="0"/>
             <a:r>
-              <a:rPr lang="ja-JP" altLang="en-US" smtClean="0"/>
+              <a:rPr kumimoji="1" lang="ja-JP" altLang="en-US" smtClean="0"/>
               <a:t>マスター テキストの書式設定</a:t>
             </a:r>
           </a:p>
@@ -2676,7 +2057,7 @@
       </p:sp>
       <p:sp>
         <p:nvSpPr>
-          <p:cNvPr id="4" name="Content Placeholder 3"/>
+          <p:cNvPr id="4" name="コンテンツ プレースホルダー 3"/>
           <p:cNvSpPr>
             <a:spLocks noGrp="1"/>
           </p:cNvSpPr>
@@ -2686,341 +2067,240 @@
         </p:nvSpPr>
         <p:spPr>
           <a:xfrm>
-            <a:off x="2704801" y="6182833"/>
-            <a:ext cx="7827569" cy="12111990"/>
+            <a:off x="1473129" y="11060602"/>
+            <a:ext cx="9047618" cy="16268480"/>
           </a:xfrm>
         </p:spPr>
         <p:txBody>
-          <a:bodyPr>
-            <a:normAutofit/>
-          </a:bodyPr>
+          <a:bodyPr/>
+          <a:lstStyle/>
+          <a:p>
+            <a:pPr lvl="0"/>
+            <a:r>
+              <a:rPr kumimoji="1" lang="ja-JP" altLang="en-US" smtClean="0"/>
+              <a:t>マスター テキストの書式設定</a:t>
+            </a:r>
+          </a:p>
+          <a:p>
+            <a:pPr lvl="1"/>
+            <a:r>
+              <a:rPr kumimoji="1" lang="ja-JP" altLang="en-US" smtClean="0"/>
+              <a:t>第 </a:t>
+            </a:r>
+            <a:r>
+              <a:rPr kumimoji="1" lang="en-US" altLang="ja-JP" smtClean="0"/>
+              <a:t>2 </a:t>
+            </a:r>
+            <a:r>
+              <a:rPr kumimoji="1" lang="ja-JP" altLang="en-US" smtClean="0"/>
+              <a:t>レベル</a:t>
+            </a:r>
+          </a:p>
+          <a:p>
+            <a:pPr lvl="2"/>
+            <a:r>
+              <a:rPr kumimoji="1" lang="ja-JP" altLang="en-US" smtClean="0"/>
+              <a:t>第 </a:t>
+            </a:r>
+            <a:r>
+              <a:rPr kumimoji="1" lang="en-US" altLang="ja-JP" smtClean="0"/>
+              <a:t>3 </a:t>
+            </a:r>
+            <a:r>
+              <a:rPr kumimoji="1" lang="ja-JP" altLang="en-US" smtClean="0"/>
+              <a:t>レベル</a:t>
+            </a:r>
+          </a:p>
+          <a:p>
+            <a:pPr lvl="3"/>
+            <a:r>
+              <a:rPr kumimoji="1" lang="ja-JP" altLang="en-US" smtClean="0"/>
+              <a:t>第 </a:t>
+            </a:r>
+            <a:r>
+              <a:rPr kumimoji="1" lang="en-US" altLang="ja-JP" smtClean="0"/>
+              <a:t>4 </a:t>
+            </a:r>
+            <a:r>
+              <a:rPr kumimoji="1" lang="ja-JP" altLang="en-US" smtClean="0"/>
+              <a:t>レベル</a:t>
+            </a:r>
+          </a:p>
+          <a:p>
+            <a:pPr lvl="4"/>
+            <a:r>
+              <a:rPr kumimoji="1" lang="ja-JP" altLang="en-US" smtClean="0"/>
+              <a:t>第 </a:t>
+            </a:r>
+            <a:r>
+              <a:rPr kumimoji="1" lang="en-US" altLang="ja-JP" smtClean="0"/>
+              <a:t>5 </a:t>
+            </a:r>
+            <a:r>
+              <a:rPr kumimoji="1" lang="ja-JP" altLang="en-US" smtClean="0"/>
+              <a:t>レベル</a:t>
+            </a:r>
+            <a:endParaRPr kumimoji="1" lang="ja-JP" altLang="en-US"/>
+          </a:p>
+        </p:txBody>
+      </p:sp>
+      <p:sp>
+        <p:nvSpPr>
+          <p:cNvPr id="5" name="テキスト プレースホルダー 4"/>
+          <p:cNvSpPr>
+            <a:spLocks noGrp="1"/>
+          </p:cNvSpPr>
+          <p:nvPr>
+            <p:ph type="body" sz="quarter" idx="3"/>
+          </p:nvPr>
+        </p:nvSpPr>
+        <p:spPr>
+          <a:xfrm>
+            <a:off x="10827067" y="7422802"/>
+            <a:ext cx="9092176" cy="3637800"/>
+          </a:xfrm>
+        </p:spPr>
+        <p:txBody>
+          <a:bodyPr anchor="b"/>
           <a:lstStyle>
-            <a:lvl1pPr>
-              <a:defRPr sz="5800"/>
+            <a:lvl1pPr marL="0" indent="0">
+              <a:buNone/>
+              <a:defRPr sz="4210" b="1"/>
             </a:lvl1pPr>
-            <a:lvl2pPr>
-              <a:defRPr sz="5800"/>
+            <a:lvl2pPr marL="802020" indent="0">
+              <a:buNone/>
+              <a:defRPr sz="3508" b="1"/>
             </a:lvl2pPr>
-            <a:lvl3pPr>
-              <a:defRPr sz="5200"/>
+            <a:lvl3pPr marL="1604040" indent="0">
+              <a:buNone/>
+              <a:defRPr sz="3158" b="1"/>
             </a:lvl3pPr>
-            <a:lvl4pPr>
-              <a:defRPr sz="5200"/>
+            <a:lvl4pPr marL="2406061" indent="0">
+              <a:buNone/>
+              <a:defRPr sz="2807" b="1"/>
             </a:lvl4pPr>
-            <a:lvl5pPr>
-              <a:defRPr sz="5200"/>
+            <a:lvl5pPr marL="3208081" indent="0">
+              <a:buNone/>
+              <a:defRPr sz="2807" b="1"/>
             </a:lvl5pPr>
-            <a:lvl6pPr>
-              <a:defRPr sz="5200"/>
+            <a:lvl6pPr marL="4010101" indent="0">
+              <a:buNone/>
+              <a:defRPr sz="2807" b="1"/>
             </a:lvl6pPr>
-            <a:lvl7pPr>
-              <a:defRPr sz="5200"/>
+            <a:lvl7pPr marL="4812121" indent="0">
+              <a:buNone/>
+              <a:defRPr sz="2807" b="1"/>
             </a:lvl7pPr>
-            <a:lvl8pPr>
-              <a:defRPr sz="5200"/>
+            <a:lvl8pPr marL="5614142" indent="0">
+              <a:buNone/>
+              <a:defRPr sz="2807" b="1"/>
             </a:lvl8pPr>
-            <a:lvl9pPr>
-              <a:defRPr sz="5200"/>
+            <a:lvl9pPr marL="6416162" indent="0">
+              <a:buNone/>
+              <a:defRPr sz="2807" b="1"/>
             </a:lvl9pPr>
           </a:lstStyle>
           <a:p>
             <a:pPr lvl="0"/>
             <a:r>
-              <a:rPr lang="ja-JP" altLang="en-US" smtClean="0"/>
+              <a:rPr kumimoji="1" lang="ja-JP" altLang="en-US" smtClean="0"/>
               <a:t>マスター テキストの書式設定</a:t>
             </a:r>
           </a:p>
-          <a:p>
-            <a:pPr lvl="1"/>
-            <a:r>
-              <a:rPr lang="ja-JP" altLang="en-US" smtClean="0"/>
-              <a:t>第 </a:t>
-            </a:r>
-            <a:r>
-              <a:rPr lang="en-US" altLang="ja-JP" smtClean="0"/>
-              <a:t>2 </a:t>
-            </a:r>
-            <a:r>
-              <a:rPr lang="ja-JP" altLang="en-US" smtClean="0"/>
-              <a:t>レベル</a:t>
-            </a:r>
-          </a:p>
-          <a:p>
-            <a:pPr lvl="2"/>
-            <a:r>
-              <a:rPr lang="ja-JP" altLang="en-US" smtClean="0"/>
-              <a:t>第 </a:t>
-            </a:r>
-            <a:r>
-              <a:rPr lang="en-US" altLang="ja-JP" smtClean="0"/>
-              <a:t>3 </a:t>
-            </a:r>
-            <a:r>
-              <a:rPr lang="ja-JP" altLang="en-US" smtClean="0"/>
-              <a:t>レベル</a:t>
-            </a:r>
-          </a:p>
-          <a:p>
-            <a:pPr lvl="3"/>
-            <a:r>
-              <a:rPr lang="ja-JP" altLang="en-US" smtClean="0"/>
-              <a:t>第 </a:t>
-            </a:r>
-            <a:r>
-              <a:rPr lang="en-US" altLang="ja-JP" smtClean="0"/>
-              <a:t>4 </a:t>
-            </a:r>
-            <a:r>
-              <a:rPr lang="ja-JP" altLang="en-US" smtClean="0"/>
-              <a:t>レベル</a:t>
-            </a:r>
-          </a:p>
-          <a:p>
-            <a:pPr lvl="4"/>
-            <a:r>
-              <a:rPr lang="ja-JP" altLang="en-US" smtClean="0"/>
-              <a:t>第 </a:t>
-            </a:r>
-            <a:r>
-              <a:rPr lang="en-US" altLang="ja-JP" smtClean="0"/>
-              <a:t>5 </a:t>
-            </a:r>
-            <a:r>
-              <a:rPr lang="ja-JP" altLang="en-US" smtClean="0"/>
-              <a:t>レベル</a:t>
-            </a:r>
-            <a:endParaRPr lang="en-US" dirty="0"/>
-          </a:p>
-        </p:txBody>
-      </p:sp>
-      <p:sp>
-        <p:nvSpPr>
-          <p:cNvPr id="5" name="Text Placeholder 4"/>
-          <p:cNvSpPr>
-            <a:spLocks noGrp="1"/>
-          </p:cNvSpPr>
-          <p:nvPr>
-            <p:ph type="body" sz="quarter" idx="3"/>
+        </p:txBody>
+      </p:sp>
+      <p:sp>
+        <p:nvSpPr>
+          <p:cNvPr id="6" name="コンテンツ プレースホルダー 5"/>
+          <p:cNvSpPr>
+            <a:spLocks noGrp="1"/>
+          </p:cNvSpPr>
+          <p:nvPr>
+            <p:ph sz="quarter" idx="4"/>
           </p:nvPr>
         </p:nvSpPr>
         <p:spPr>
           <a:xfrm>
-            <a:off x="10869523" y="3229864"/>
-            <a:ext cx="7827569" cy="2824727"/>
+            <a:off x="10827067" y="11060602"/>
+            <a:ext cx="9092176" cy="16268480"/>
           </a:xfrm>
         </p:spPr>
         <p:txBody>
-          <a:bodyPr anchor="b">
-            <a:noAutofit/>
-          </a:bodyPr>
-          <a:lstStyle>
-            <a:lvl1pPr marL="0" indent="0" algn="ctr">
-              <a:buNone/>
-              <a:defRPr lang="en-US" sz="7700" b="1" i="0" kern="1200" dirty="0" smtClean="0">
-                <a:gradFill>
-                  <a:gsLst>
-                    <a:gs pos="0">
-                      <a:schemeClr val="tx1"/>
-                    </a:gs>
-                    <a:gs pos="40000">
-                      <a:schemeClr val="tx1">
-                        <a:lumMod val="75000"/>
-                        <a:lumOff val="25000"/>
-                      </a:schemeClr>
-                    </a:gs>
-                    <a:gs pos="100000">
-                      <a:schemeClr val="tx2">
-                        <a:alpha val="65000"/>
-                      </a:schemeClr>
-                    </a:gs>
-                  </a:gsLst>
-                  <a:lin ang="5400000" scaled="0"/>
-                </a:gradFill>
-                <a:effectLst/>
-                <a:latin typeface="+mj-lt"/>
-                <a:ea typeface="+mj-ea"/>
-                <a:cs typeface="+mj-cs"/>
-              </a:defRPr>
-            </a:lvl1pPr>
-            <a:lvl2pPr marL="1476162" indent="0">
-              <a:buNone/>
-              <a:defRPr sz="6500" b="1"/>
-            </a:lvl2pPr>
-            <a:lvl3pPr marL="2952323" indent="0">
-              <a:buNone/>
-              <a:defRPr sz="5800" b="1"/>
-            </a:lvl3pPr>
-            <a:lvl4pPr marL="4428485" indent="0">
-              <a:buNone/>
-              <a:defRPr sz="5200" b="1"/>
-            </a:lvl4pPr>
-            <a:lvl5pPr marL="5904647" indent="0">
-              <a:buNone/>
-              <a:defRPr sz="5200" b="1"/>
-            </a:lvl5pPr>
-            <a:lvl6pPr marL="7380808" indent="0">
-              <a:buNone/>
-              <a:defRPr sz="5200" b="1"/>
-            </a:lvl6pPr>
-            <a:lvl7pPr marL="8856970" indent="0">
-              <a:buNone/>
-              <a:defRPr sz="5200" b="1"/>
-            </a:lvl7pPr>
-            <a:lvl8pPr marL="10333131" indent="0">
-              <a:buNone/>
-              <a:defRPr sz="5200" b="1"/>
-            </a:lvl8pPr>
-            <a:lvl9pPr marL="11809293" indent="0">
-              <a:buNone/>
-              <a:defRPr sz="5200" b="1"/>
-            </a:lvl9pPr>
-          </a:lstStyle>
-          <a:p>
-            <a:pPr marL="0" lvl="0" indent="0" algn="ctr" defTabSz="2952323" rtl="0" eaLnBrk="1" latinLnBrk="0" hangingPunct="1">
-              <a:spcBef>
-                <a:spcPct val="20000"/>
-              </a:spcBef>
-              <a:spcAft>
-                <a:spcPts val="969"/>
-              </a:spcAft>
-              <a:buClr>
-                <a:schemeClr val="accent6">
-                  <a:lumMod val="75000"/>
-                </a:schemeClr>
-              </a:buClr>
-              <a:buSzPct val="130000"/>
-              <a:buFont typeface="Georgia" pitchFamily="18" charset="0"/>
-              <a:buNone/>
-            </a:pPr>
-            <a:r>
-              <a:rPr lang="ja-JP" altLang="en-US" smtClean="0"/>
+          <a:bodyPr/>
+          <a:lstStyle/>
+          <a:p>
+            <a:pPr lvl="0"/>
+            <a:r>
+              <a:rPr kumimoji="1" lang="ja-JP" altLang="en-US" smtClean="0"/>
               <a:t>マスター テキストの書式設定</a:t>
             </a:r>
           </a:p>
-        </p:txBody>
-      </p:sp>
-      <p:sp>
-        <p:nvSpPr>
-          <p:cNvPr id="6" name="Content Placeholder 5"/>
-          <p:cNvSpPr>
-            <a:spLocks noGrp="1"/>
-          </p:cNvSpPr>
-          <p:nvPr>
-            <p:ph sz="quarter" idx="4"/>
-          </p:nvPr>
-        </p:nvSpPr>
-        <p:spPr>
-          <a:xfrm>
-            <a:off x="10864197" y="6177115"/>
-            <a:ext cx="7827569" cy="12111990"/>
-          </a:xfrm>
-        </p:spPr>
-        <p:txBody>
-          <a:bodyPr>
-            <a:normAutofit/>
-          </a:bodyPr>
-          <a:lstStyle>
-            <a:lvl1pPr>
-              <a:defRPr sz="5800"/>
-            </a:lvl1pPr>
-            <a:lvl2pPr>
-              <a:defRPr sz="5800"/>
-            </a:lvl2pPr>
-            <a:lvl3pPr>
-              <a:defRPr sz="5200"/>
-            </a:lvl3pPr>
-            <a:lvl4pPr>
-              <a:defRPr sz="5200"/>
-            </a:lvl4pPr>
-            <a:lvl5pPr>
-              <a:defRPr sz="5200"/>
-            </a:lvl5pPr>
-            <a:lvl6pPr>
-              <a:defRPr sz="5200"/>
-            </a:lvl6pPr>
-            <a:lvl7pPr>
-              <a:defRPr sz="5200"/>
-            </a:lvl7pPr>
-            <a:lvl8pPr>
-              <a:defRPr sz="5200"/>
-            </a:lvl8pPr>
-            <a:lvl9pPr>
-              <a:defRPr sz="5200"/>
-            </a:lvl9pPr>
-          </a:lstStyle>
-          <a:p>
-            <a:pPr lvl="0"/>
-            <a:r>
-              <a:rPr lang="ja-JP" altLang="en-US" smtClean="0"/>
-              <a:t>マスター テキストの書式設定</a:t>
-            </a:r>
-          </a:p>
           <a:p>
             <a:pPr lvl="1"/>
             <a:r>
-              <a:rPr lang="ja-JP" altLang="en-US" smtClean="0"/>
+              <a:rPr kumimoji="1" lang="ja-JP" altLang="en-US" smtClean="0"/>
               <a:t>第 </a:t>
             </a:r>
             <a:r>
-              <a:rPr lang="en-US" altLang="ja-JP" smtClean="0"/>
+              <a:rPr kumimoji="1" lang="en-US" altLang="ja-JP" smtClean="0"/>
               <a:t>2 </a:t>
             </a:r>
             <a:r>
-              <a:rPr lang="ja-JP" altLang="en-US" smtClean="0"/>
+              <a:rPr kumimoji="1" lang="ja-JP" altLang="en-US" smtClean="0"/>
               <a:t>レベル</a:t>
             </a:r>
           </a:p>
           <a:p>
             <a:pPr lvl="2"/>
             <a:r>
-              <a:rPr lang="ja-JP" altLang="en-US" smtClean="0"/>
+              <a:rPr kumimoji="1" lang="ja-JP" altLang="en-US" smtClean="0"/>
               <a:t>第 </a:t>
             </a:r>
             <a:r>
-              <a:rPr lang="en-US" altLang="ja-JP" smtClean="0"/>
+              <a:rPr kumimoji="1" lang="en-US" altLang="ja-JP" smtClean="0"/>
               <a:t>3 </a:t>
             </a:r>
             <a:r>
-              <a:rPr lang="ja-JP" altLang="en-US" smtClean="0"/>
+              <a:rPr kumimoji="1" lang="ja-JP" altLang="en-US" smtClean="0"/>
               <a:t>レベル</a:t>
             </a:r>
           </a:p>
           <a:p>
             <a:pPr lvl="3"/>
             <a:r>
-              <a:rPr lang="ja-JP" altLang="en-US" smtClean="0"/>
+              <a:rPr kumimoji="1" lang="ja-JP" altLang="en-US" smtClean="0"/>
               <a:t>第 </a:t>
             </a:r>
             <a:r>
-              <a:rPr lang="en-US" altLang="ja-JP" smtClean="0"/>
+              <a:rPr kumimoji="1" lang="en-US" altLang="ja-JP" smtClean="0"/>
               <a:t>4 </a:t>
             </a:r>
             <a:r>
-              <a:rPr lang="ja-JP" altLang="en-US" smtClean="0"/>
+              <a:rPr kumimoji="1" lang="ja-JP" altLang="en-US" smtClean="0"/>
               <a:t>レベル</a:t>
             </a:r>
           </a:p>
           <a:p>
             <a:pPr lvl="4"/>
             <a:r>
-              <a:rPr lang="ja-JP" altLang="en-US" smtClean="0"/>
+              <a:rPr kumimoji="1" lang="ja-JP" altLang="en-US" smtClean="0"/>
               <a:t>第 </a:t>
             </a:r>
             <a:r>
-              <a:rPr lang="en-US" altLang="ja-JP" smtClean="0"/>
+              <a:rPr kumimoji="1" lang="en-US" altLang="ja-JP" smtClean="0"/>
               <a:t>5 </a:t>
             </a:r>
             <a:r>
-              <a:rPr lang="ja-JP" altLang="en-US" smtClean="0"/>
+              <a:rPr kumimoji="1" lang="ja-JP" altLang="en-US" smtClean="0"/>
               <a:t>レベル</a:t>
             </a:r>
-            <a:endParaRPr lang="en-US" dirty="0"/>
-          </a:p>
-        </p:txBody>
-      </p:sp>
-      <p:sp>
-        <p:nvSpPr>
-          <p:cNvPr id="7" name="Date Placeholder 6"/>
+            <a:endParaRPr kumimoji="1" lang="ja-JP" altLang="en-US"/>
+          </a:p>
+        </p:txBody>
+      </p:sp>
+      <p:sp>
+        <p:nvSpPr>
+          <p:cNvPr id="7" name="日付プレースホルダー 6"/>
           <p:cNvSpPr>
             <a:spLocks noGrp="1"/>
           </p:cNvSpPr>
@@ -3035,7 +2315,7 @@
           <a:p>
             <a:fld id="{CD18CB5A-6947-405F-A94A-52FF85729738}" type="datetimeFigureOut">
               <a:rPr kumimoji="1" lang="ja-JP" altLang="en-US" smtClean="0"/>
-              <a:t>2014/12/17</a:t>
+              <a:t>2014/12/18</a:t>
             </a:fld>
             <a:endParaRPr kumimoji="1" lang="ja-JP" altLang="en-US"/>
           </a:p>
@@ -3043,7 +2323,7 @@
       </p:sp>
       <p:sp>
         <p:nvSpPr>
-          <p:cNvPr id="8" name="Footer Placeholder 7"/>
+          <p:cNvPr id="8" name="フッター プレースホルダー 7"/>
           <p:cNvSpPr>
             <a:spLocks noGrp="1"/>
           </p:cNvSpPr>
@@ -3062,7 +2342,7 @@
       </p:sp>
       <p:sp>
         <p:nvSpPr>
-          <p:cNvPr id="9" name="Slide Number Placeholder 8"/>
+          <p:cNvPr id="9" name="スライド番号プレースホルダー 8"/>
           <p:cNvSpPr>
             <a:spLocks noGrp="1"/>
           </p:cNvSpPr>
@@ -3083,41 +2363,16 @@
           </a:p>
         </p:txBody>
       </p:sp>
-      <p:sp>
-        <p:nvSpPr>
-          <p:cNvPr id="10" name="Title 9"/>
-          <p:cNvSpPr>
-            <a:spLocks noGrp="1"/>
-          </p:cNvSpPr>
-          <p:nvPr>
-            <p:ph type="title"/>
-          </p:nvPr>
-        </p:nvSpPr>
-        <p:spPr/>
-        <p:txBody>
-          <a:bodyPr/>
-          <a:lstStyle/>
-          <a:p>
-            <a:r>
-              <a:rPr lang="ja-JP" altLang="en-US" smtClean="0"/>
-              <a:t>マスター タイトルの書式設定</a:t>
-            </a:r>
-            <a:endParaRPr lang="en-US" dirty="0"/>
-          </a:p>
-        </p:txBody>
-      </p:sp>
     </p:spTree>
+    <p:extLst>
+      <p:ext uri="{BB962C8B-B14F-4D97-AF65-F5344CB8AC3E}">
+        <p14:creationId xmlns:p14="http://schemas.microsoft.com/office/powerpoint/2010/main" val="208024584"/>
+      </p:ext>
+    </p:extLst>
   </p:cSld>
   <p:clrMapOvr>
     <a:masterClrMapping/>
   </p:clrMapOvr>
-  <p:timing>
-    <p:tnLst>
-      <p:par>
-        <p:cTn id="1" dur="indefinite" restart="never" nodeType="tmRoot"/>
-      </p:par>
-    </p:tnLst>
-  </p:timing>
 </p:sldLayout>
 </file>
 
@@ -3140,7 +2395,7 @@
       </p:grpSpPr>
       <p:sp>
         <p:nvSpPr>
-          <p:cNvPr id="2" name="Title 1"/>
+          <p:cNvPr id="2" name="タイトル 1"/>
           <p:cNvSpPr>
             <a:spLocks noGrp="1"/>
           </p:cNvSpPr>
@@ -3154,16 +2409,16 @@
           <a:lstStyle/>
           <a:p>
             <a:r>
-              <a:rPr lang="ja-JP" altLang="en-US" smtClean="0"/>
+              <a:rPr kumimoji="1" lang="ja-JP" altLang="en-US" smtClean="0"/>
               <a:t>マスター タイトルの書式設定</a:t>
             </a:r>
-            <a:endParaRPr lang="en-US" dirty="0"/>
-          </a:p>
-        </p:txBody>
-      </p:sp>
-      <p:sp>
-        <p:nvSpPr>
-          <p:cNvPr id="3" name="Date Placeholder 2"/>
+            <a:endParaRPr kumimoji="1" lang="ja-JP" altLang="en-US"/>
+          </a:p>
+        </p:txBody>
+      </p:sp>
+      <p:sp>
+        <p:nvSpPr>
+          <p:cNvPr id="3" name="日付プレースホルダー 2"/>
           <p:cNvSpPr>
             <a:spLocks noGrp="1"/>
           </p:cNvSpPr>
@@ -3178,7 +2433,7 @@
           <a:p>
             <a:fld id="{CD18CB5A-6947-405F-A94A-52FF85729738}" type="datetimeFigureOut">
               <a:rPr kumimoji="1" lang="ja-JP" altLang="en-US" smtClean="0"/>
-              <a:t>2014/12/17</a:t>
+              <a:t>2014/12/18</a:t>
             </a:fld>
             <a:endParaRPr kumimoji="1" lang="ja-JP" altLang="en-US"/>
           </a:p>
@@ -3186,7 +2441,7 @@
       </p:sp>
       <p:sp>
         <p:nvSpPr>
-          <p:cNvPr id="4" name="Footer Placeholder 3"/>
+          <p:cNvPr id="4" name="フッター プレースホルダー 3"/>
           <p:cNvSpPr>
             <a:spLocks noGrp="1"/>
           </p:cNvSpPr>
@@ -3205,7 +2460,7 @@
       </p:sp>
       <p:sp>
         <p:nvSpPr>
-          <p:cNvPr id="5" name="Slide Number Placeholder 4"/>
+          <p:cNvPr id="5" name="スライド番号プレースホルダー 4"/>
           <p:cNvSpPr>
             <a:spLocks noGrp="1"/>
           </p:cNvSpPr>
@@ -3227,17 +2482,15 @@
         </p:txBody>
       </p:sp>
     </p:spTree>
+    <p:extLst>
+      <p:ext uri="{BB962C8B-B14F-4D97-AF65-F5344CB8AC3E}">
+        <p14:creationId xmlns:p14="http://schemas.microsoft.com/office/powerpoint/2010/main" val="1874706983"/>
+      </p:ext>
+    </p:extLst>
   </p:cSld>
   <p:clrMapOvr>
     <a:masterClrMapping/>
   </p:clrMapOvr>
-  <p:timing>
-    <p:tnLst>
-      <p:par>
-        <p:cTn id="1" dur="indefinite" restart="never" nodeType="tmRoot"/>
-      </p:par>
-    </p:tnLst>
-  </p:timing>
 </p:sldLayout>
 </file>
 
@@ -3260,7 +2513,7 @@
       </p:grpSpPr>
       <p:sp>
         <p:nvSpPr>
-          <p:cNvPr id="2" name="Date Placeholder 1"/>
+          <p:cNvPr id="2" name="日付プレースホルダー 1"/>
           <p:cNvSpPr>
             <a:spLocks noGrp="1"/>
           </p:cNvSpPr>
@@ -3275,7 +2528,7 @@
           <a:p>
             <a:fld id="{CD18CB5A-6947-405F-A94A-52FF85729738}" type="datetimeFigureOut">
               <a:rPr kumimoji="1" lang="ja-JP" altLang="en-US" smtClean="0"/>
-              <a:t>2014/12/17</a:t>
+              <a:t>2014/12/18</a:t>
             </a:fld>
             <a:endParaRPr kumimoji="1" lang="ja-JP" altLang="en-US"/>
           </a:p>
@@ -3283,7 +2536,7 @@
       </p:sp>
       <p:sp>
         <p:nvSpPr>
-          <p:cNvPr id="3" name="Footer Placeholder 2"/>
+          <p:cNvPr id="3" name="フッター プレースホルダー 2"/>
           <p:cNvSpPr>
             <a:spLocks noGrp="1"/>
           </p:cNvSpPr>
@@ -3302,7 +2555,7 @@
       </p:sp>
       <p:sp>
         <p:nvSpPr>
-          <p:cNvPr id="4" name="Slide Number Placeholder 3"/>
+          <p:cNvPr id="4" name="スライド番号プレースホルダー 3"/>
           <p:cNvSpPr>
             <a:spLocks noGrp="1"/>
           </p:cNvSpPr>
@@ -3324,17 +2577,15 @@
         </p:txBody>
       </p:sp>
     </p:spTree>
+    <p:extLst>
+      <p:ext uri="{BB962C8B-B14F-4D97-AF65-F5344CB8AC3E}">
+        <p14:creationId xmlns:p14="http://schemas.microsoft.com/office/powerpoint/2010/main" val="2625814358"/>
+      </p:ext>
+    </p:extLst>
   </p:cSld>
   <p:clrMapOvr>
     <a:masterClrMapping/>
   </p:clrMapOvr>
-  <p:timing>
-    <p:tnLst>
-      <p:par>
-        <p:cTn id="1" dur="indefinite" restart="never" nodeType="tmRoot"/>
-      </p:par>
-    </p:tnLst>
-  </p:timing>
 </p:sldLayout>
 </file>
 
@@ -3357,7 +2608,7 @@
       </p:grpSpPr>
       <p:sp>
         <p:nvSpPr>
-          <p:cNvPr id="2" name="Title 1"/>
+          <p:cNvPr id="2" name="タイトル 1"/>
           <p:cNvSpPr>
             <a:spLocks noGrp="1"/>
           </p:cNvSpPr>
@@ -3367,34 +2618,29 @@
         </p:nvSpPr>
         <p:spPr>
           <a:xfrm>
-            <a:off x="1962551" y="9756883"/>
-            <a:ext cx="8504399" cy="5556596"/>
+            <a:off x="1473129" y="2018665"/>
+            <a:ext cx="6897799" cy="7065328"/>
           </a:xfrm>
-          <a:effectLst/>
         </p:spPr>
         <p:txBody>
-          <a:bodyPr anchor="b">
-            <a:noAutofit/>
-          </a:bodyPr>
+          <a:bodyPr anchor="b"/>
           <a:lstStyle>
-            <a:lvl1pPr marL="738081" indent="-738081" algn="l">
-              <a:defRPr sz="9000" b="1">
-                <a:effectLst/>
-              </a:defRPr>
+            <a:lvl1pPr>
+              <a:defRPr sz="5613"/>
             </a:lvl1pPr>
           </a:lstStyle>
           <a:p>
             <a:r>
-              <a:rPr lang="ja-JP" altLang="en-US" smtClean="0"/>
+              <a:rPr kumimoji="1" lang="ja-JP" altLang="en-US" smtClean="0"/>
               <a:t>マスター タイトルの書式設定</a:t>
             </a:r>
-            <a:endParaRPr lang="en-US" dirty="0"/>
-          </a:p>
-        </p:txBody>
-      </p:sp>
-      <p:sp>
-        <p:nvSpPr>
-          <p:cNvPr id="3" name="Content Placeholder 2"/>
+            <a:endParaRPr kumimoji="1" lang="ja-JP" altLang="en-US"/>
+          </a:p>
+        </p:txBody>
+      </p:sp>
+      <p:sp>
+        <p:nvSpPr>
+          <p:cNvPr id="3" name="コンテンツ プレースホルダー 2"/>
           <p:cNvSpPr>
             <a:spLocks noGrp="1"/>
           </p:cNvSpPr>
@@ -3404,114 +2650,114 @@
         </p:nvSpPr>
         <p:spPr>
           <a:xfrm>
-            <a:off x="10743723" y="3229864"/>
-            <a:ext cx="9395515" cy="21611593"/>
+            <a:off x="9092175" y="4359758"/>
+            <a:ext cx="10827068" cy="21518408"/>
           </a:xfrm>
         </p:spPr>
         <p:txBody>
-          <a:bodyPr anchor="ctr"/>
+          <a:bodyPr/>
           <a:lstStyle>
             <a:lvl1pPr>
-              <a:defRPr sz="7100"/>
+              <a:defRPr sz="5613"/>
             </a:lvl1pPr>
             <a:lvl2pPr>
-              <a:defRPr sz="6500"/>
+              <a:defRPr sz="4912"/>
             </a:lvl2pPr>
             <a:lvl3pPr>
-              <a:defRPr sz="5800"/>
+              <a:defRPr sz="4210"/>
             </a:lvl3pPr>
             <a:lvl4pPr>
-              <a:defRPr sz="5200"/>
+              <a:defRPr sz="3508"/>
             </a:lvl4pPr>
             <a:lvl5pPr>
-              <a:defRPr sz="4500"/>
+              <a:defRPr sz="3508"/>
             </a:lvl5pPr>
             <a:lvl6pPr>
-              <a:defRPr sz="6500"/>
+              <a:defRPr sz="3508"/>
             </a:lvl6pPr>
             <a:lvl7pPr>
-              <a:defRPr sz="6500"/>
+              <a:defRPr sz="3508"/>
             </a:lvl7pPr>
             <a:lvl8pPr>
-              <a:defRPr sz="6500"/>
+              <a:defRPr sz="3508"/>
             </a:lvl8pPr>
             <a:lvl9pPr>
-              <a:defRPr sz="6500"/>
+              <a:defRPr sz="3508"/>
             </a:lvl9pPr>
           </a:lstStyle>
           <a:p>
             <a:pPr lvl="0"/>
             <a:r>
-              <a:rPr lang="ja-JP" altLang="en-US" smtClean="0"/>
+              <a:rPr kumimoji="1" lang="ja-JP" altLang="en-US" smtClean="0"/>
               <a:t>マスター テキストの書式設定</a:t>
             </a:r>
           </a:p>
           <a:p>
             <a:pPr lvl="1"/>
             <a:r>
-              <a:rPr lang="ja-JP" altLang="en-US" smtClean="0"/>
+              <a:rPr kumimoji="1" lang="ja-JP" altLang="en-US" smtClean="0"/>
               <a:t>第 </a:t>
             </a:r>
             <a:r>
-              <a:rPr lang="en-US" altLang="ja-JP" smtClean="0"/>
+              <a:rPr kumimoji="1" lang="en-US" altLang="ja-JP" smtClean="0"/>
               <a:t>2 </a:t>
             </a:r>
             <a:r>
-              <a:rPr lang="ja-JP" altLang="en-US" smtClean="0"/>
+              <a:rPr kumimoji="1" lang="ja-JP" altLang="en-US" smtClean="0"/>
               <a:t>レベル</a:t>
             </a:r>
           </a:p>
           <a:p>
             <a:pPr lvl="2"/>
             <a:r>
-              <a:rPr lang="ja-JP" altLang="en-US" smtClean="0"/>
+              <a:rPr kumimoji="1" lang="ja-JP" altLang="en-US" smtClean="0"/>
               <a:t>第 </a:t>
             </a:r>
             <a:r>
-              <a:rPr lang="en-US" altLang="ja-JP" smtClean="0"/>
+              <a:rPr kumimoji="1" lang="en-US" altLang="ja-JP" smtClean="0"/>
               <a:t>3 </a:t>
             </a:r>
             <a:r>
-              <a:rPr lang="ja-JP" altLang="en-US" smtClean="0"/>
+              <a:rPr kumimoji="1" lang="ja-JP" altLang="en-US" smtClean="0"/>
               <a:t>レベル</a:t>
             </a:r>
           </a:p>
           <a:p>
             <a:pPr lvl="3"/>
             <a:r>
-              <a:rPr lang="ja-JP" altLang="en-US" smtClean="0"/>
+              <a:rPr kumimoji="1" lang="ja-JP" altLang="en-US" smtClean="0"/>
               <a:t>第 </a:t>
             </a:r>
             <a:r>
-              <a:rPr lang="en-US" altLang="ja-JP" smtClean="0"/>
+              <a:rPr kumimoji="1" lang="en-US" altLang="ja-JP" smtClean="0"/>
               <a:t>4 </a:t>
             </a:r>
             <a:r>
-              <a:rPr lang="ja-JP" altLang="en-US" smtClean="0"/>
+              <a:rPr kumimoji="1" lang="ja-JP" altLang="en-US" smtClean="0"/>
               <a:t>レベル</a:t>
             </a:r>
           </a:p>
           <a:p>
             <a:pPr lvl="4"/>
             <a:r>
-              <a:rPr lang="ja-JP" altLang="en-US" smtClean="0"/>
+              <a:rPr kumimoji="1" lang="ja-JP" altLang="en-US" smtClean="0"/>
               <a:t>第 </a:t>
             </a:r>
             <a:r>
-              <a:rPr lang="en-US" altLang="ja-JP" smtClean="0"/>
+              <a:rPr kumimoji="1" lang="en-US" altLang="ja-JP" smtClean="0"/>
               <a:t>5 </a:t>
             </a:r>
             <a:r>
-              <a:rPr lang="ja-JP" altLang="en-US" smtClean="0"/>
+              <a:rPr kumimoji="1" lang="ja-JP" altLang="en-US" smtClean="0"/>
               <a:t>レベル</a:t>
             </a:r>
-            <a:endParaRPr lang="en-US" dirty="0"/>
-          </a:p>
-        </p:txBody>
-      </p:sp>
-      <p:sp>
-        <p:nvSpPr>
-          <p:cNvPr id="4" name="Text Placeholder 3"/>
+            <a:endParaRPr kumimoji="1" lang="ja-JP" altLang="en-US"/>
+          </a:p>
+        </p:txBody>
+      </p:sp>
+      <p:sp>
+        <p:nvSpPr>
+          <p:cNvPr id="4" name="テキスト プレースホルダー 3"/>
           <p:cNvSpPr>
             <a:spLocks noGrp="1"/>
           </p:cNvSpPr>
@@ -3521,8 +2767,8 @@
         </p:nvSpPr>
         <p:spPr>
           <a:xfrm>
-            <a:off x="2516095" y="15443768"/>
-            <a:ext cx="7925699" cy="9446566"/>
+            <a:off x="1473129" y="9083992"/>
+            <a:ext cx="6897799" cy="16829220"/>
           </a:xfrm>
         </p:spPr>
         <p:txBody>
@@ -3530,45 +2776,45 @@
           <a:lstStyle>
             <a:lvl1pPr marL="0" indent="0">
               <a:buNone/>
-              <a:defRPr sz="4500"/>
+              <a:defRPr sz="2807"/>
             </a:lvl1pPr>
-            <a:lvl2pPr marL="1476162" indent="0">
+            <a:lvl2pPr marL="802020" indent="0">
               <a:buNone/>
-              <a:defRPr sz="3900"/>
+              <a:defRPr sz="2456"/>
             </a:lvl2pPr>
-            <a:lvl3pPr marL="2952323" indent="0">
+            <a:lvl3pPr marL="1604040" indent="0">
               <a:buNone/>
-              <a:defRPr sz="3200"/>
+              <a:defRPr sz="2105"/>
             </a:lvl3pPr>
-            <a:lvl4pPr marL="4428485" indent="0">
+            <a:lvl4pPr marL="2406061" indent="0">
               <a:buNone/>
-              <a:defRPr sz="2900"/>
+              <a:defRPr sz="1754"/>
             </a:lvl4pPr>
-            <a:lvl5pPr marL="5904647" indent="0">
+            <a:lvl5pPr marL="3208081" indent="0">
               <a:buNone/>
-              <a:defRPr sz="2900"/>
+              <a:defRPr sz="1754"/>
             </a:lvl5pPr>
-            <a:lvl6pPr marL="7380808" indent="0">
+            <a:lvl6pPr marL="4010101" indent="0">
               <a:buNone/>
-              <a:defRPr sz="2900"/>
+              <a:defRPr sz="1754"/>
             </a:lvl6pPr>
-            <a:lvl7pPr marL="8856970" indent="0">
+            <a:lvl7pPr marL="4812121" indent="0">
               <a:buNone/>
-              <a:defRPr sz="2900"/>
+              <a:defRPr sz="1754"/>
             </a:lvl7pPr>
-            <a:lvl8pPr marL="10333131" indent="0">
+            <a:lvl8pPr marL="5614142" indent="0">
               <a:buNone/>
-              <a:defRPr sz="2900"/>
+              <a:defRPr sz="1754"/>
             </a:lvl8pPr>
-            <a:lvl9pPr marL="11809293" indent="0">
+            <a:lvl9pPr marL="6416162" indent="0">
               <a:buNone/>
-              <a:defRPr sz="2900"/>
+              <a:defRPr sz="1754"/>
             </a:lvl9pPr>
           </a:lstStyle>
           <a:p>
             <a:pPr lvl="0"/>
             <a:r>
-              <a:rPr lang="ja-JP" altLang="en-US" smtClean="0"/>
+              <a:rPr kumimoji="1" lang="ja-JP" altLang="en-US" smtClean="0"/>
               <a:t>マスター テキストの書式設定</a:t>
             </a:r>
           </a:p>
@@ -3576,7 +2822,7 @@
       </p:sp>
       <p:sp>
         <p:nvSpPr>
-          <p:cNvPr id="5" name="Date Placeholder 4"/>
+          <p:cNvPr id="5" name="日付プレースホルダー 4"/>
           <p:cNvSpPr>
             <a:spLocks noGrp="1"/>
           </p:cNvSpPr>
@@ -3591,7 +2837,7 @@
           <a:p>
             <a:fld id="{CD18CB5A-6947-405F-A94A-52FF85729738}" type="datetimeFigureOut">
               <a:rPr kumimoji="1" lang="ja-JP" altLang="en-US" smtClean="0"/>
-              <a:t>2014/12/17</a:t>
+              <a:t>2014/12/18</a:t>
             </a:fld>
             <a:endParaRPr kumimoji="1" lang="ja-JP" altLang="en-US"/>
           </a:p>
@@ -3599,7 +2845,7 @@
       </p:sp>
       <p:sp>
         <p:nvSpPr>
-          <p:cNvPr id="6" name="Footer Placeholder 5"/>
+          <p:cNvPr id="6" name="フッター プレースホルダー 5"/>
           <p:cNvSpPr>
             <a:spLocks noGrp="1"/>
           </p:cNvSpPr>
@@ -3618,7 +2864,7 @@
       </p:sp>
       <p:sp>
         <p:nvSpPr>
-          <p:cNvPr id="7" name="Slide Number Placeholder 6"/>
+          <p:cNvPr id="7" name="スライド番号プレースホルダー 6"/>
           <p:cNvSpPr>
             <a:spLocks noGrp="1"/>
           </p:cNvSpPr>
@@ -3640,22 +2886,20 @@
         </p:txBody>
       </p:sp>
     </p:spTree>
+    <p:extLst>
+      <p:ext uri="{BB962C8B-B14F-4D97-AF65-F5344CB8AC3E}">
+        <p14:creationId xmlns:p14="http://schemas.microsoft.com/office/powerpoint/2010/main" val="4226633810"/>
+      </p:ext>
+    </p:extLst>
   </p:cSld>
   <p:clrMapOvr>
     <a:masterClrMapping/>
   </p:clrMapOvr>
-  <p:timing>
-    <p:tnLst>
-      <p:par>
-        <p:cTn id="1" dur="indefinite" restart="never" nodeType="tmRoot"/>
-      </p:par>
-    </p:tnLst>
-  </p:timing>
 </p:sldLayout>
 </file>
 
 <file path=ppt/slideLayouts/slideLayout9.xml><?xml version="1.0" encoding="utf-8"?>
-<p:sldLayout xmlns:a="http://schemas.openxmlformats.org/drawingml/2006/main" xmlns:r="http://schemas.openxmlformats.org/officeDocument/2006/relationships" xmlns:p="http://schemas.openxmlformats.org/presentationml/2006/main" showMasterSp="0" type="picTx" preserve="1">
+<p:sldLayout xmlns:a="http://schemas.openxmlformats.org/drawingml/2006/main" xmlns:r="http://schemas.openxmlformats.org/officeDocument/2006/relationships" xmlns:p="http://schemas.openxmlformats.org/presentationml/2006/main" type="picTx" preserve="1">
   <p:cSld name="タイトル付きの図">
     <p:spTree>
       <p:nvGrpSpPr>
@@ -3673,424 +2917,157 @@
       </p:grpSpPr>
       <p:sp>
         <p:nvSpPr>
-          <p:cNvPr id="8" name="Rectangle 7"/>
-          <p:cNvSpPr/>
-          <p:nvPr/>
+          <p:cNvPr id="2" name="タイトル 1"/>
+          <p:cNvSpPr>
+            <a:spLocks noGrp="1"/>
+          </p:cNvSpPr>
+          <p:nvPr>
+            <p:ph type="title"/>
+          </p:nvPr>
         </p:nvSpPr>
         <p:spPr>
           <a:xfrm>
-            <a:off x="0" y="17073526"/>
-            <a:ext cx="21386800" cy="13206449"/>
+            <a:off x="1473129" y="2018665"/>
+            <a:ext cx="6897799" cy="7065328"/>
           </a:xfrm>
-          <a:prstGeom prst="rect">
-            <a:avLst/>
-          </a:prstGeom>
-          <a:gradFill>
-            <a:gsLst>
-              <a:gs pos="0">
-                <a:schemeClr val="bg1">
-                  <a:alpha val="92000"/>
-                </a:schemeClr>
-              </a:gs>
-              <a:gs pos="37000">
-                <a:schemeClr val="bg1">
-                  <a:alpha val="77000"/>
-                </a:schemeClr>
-              </a:gs>
-              <a:gs pos="100000">
-                <a:schemeClr val="bg2">
-                  <a:alpha val="80000"/>
-                </a:schemeClr>
-              </a:gs>
-            </a:gsLst>
-            <a:path path="circle">
-              <a:fillToRect l="50000" t="50000" r="50000" b="50000"/>
-            </a:path>
-          </a:gradFill>
-          <a:ln>
-            <a:noFill/>
-          </a:ln>
         </p:spPr>
-        <p:style>
-          <a:lnRef idx="2">
-            <a:schemeClr val="accent1">
-              <a:shade val="50000"/>
-            </a:schemeClr>
-          </a:lnRef>
-          <a:fillRef idx="1">
-            <a:schemeClr val="accent1"/>
-          </a:fillRef>
-          <a:effectRef idx="0">
-            <a:schemeClr val="accent1"/>
-          </a:effectRef>
-          <a:fontRef idx="minor">
-            <a:schemeClr val="lt1"/>
-          </a:fontRef>
-        </p:style>
-        <p:txBody>
-          <a:bodyPr lIns="295232" tIns="147616" rIns="295232" bIns="147616" rtlCol="0" anchor="ctr"/>
-          <a:lstStyle/>
-          <a:p>
-            <a:pPr algn="ctr"/>
-            <a:endParaRPr lang="en-US"/>
-          </a:p>
-        </p:txBody>
-      </p:sp>
-      <p:sp>
-        <p:nvSpPr>
-          <p:cNvPr id="9" name="Rectangle 8"/>
-          <p:cNvSpPr/>
-          <p:nvPr/>
+        <p:txBody>
+          <a:bodyPr anchor="b"/>
+          <a:lstStyle>
+            <a:lvl1pPr>
+              <a:defRPr sz="5613"/>
+            </a:lvl1pPr>
+          </a:lstStyle>
+          <a:p>
+            <a:r>
+              <a:rPr kumimoji="1" lang="ja-JP" altLang="en-US" smtClean="0"/>
+              <a:t>マスター タイトルの書式設定</a:t>
+            </a:r>
+            <a:endParaRPr kumimoji="1" lang="ja-JP" altLang="en-US"/>
+          </a:p>
+        </p:txBody>
+      </p:sp>
+      <p:sp>
+        <p:nvSpPr>
+          <p:cNvPr id="3" name="図プレースホルダー 2"/>
+          <p:cNvSpPr>
+            <a:spLocks noGrp="1"/>
+          </p:cNvSpPr>
+          <p:nvPr>
+            <p:ph type="pic" idx="1"/>
+          </p:nvPr>
         </p:nvSpPr>
         <p:spPr>
           <a:xfrm>
-            <a:off x="0" y="0"/>
-            <a:ext cx="21386800" cy="17073526"/>
+            <a:off x="9092175" y="4359758"/>
+            <a:ext cx="10827068" cy="21518408"/>
           </a:xfrm>
-          <a:prstGeom prst="rect">
-            <a:avLst/>
-          </a:prstGeom>
-          <a:gradFill flip="none" rotWithShape="1">
-            <a:gsLst>
-              <a:gs pos="0">
-                <a:schemeClr val="bg1">
-                  <a:alpha val="90000"/>
-                </a:schemeClr>
-              </a:gs>
-              <a:gs pos="48000">
-                <a:schemeClr val="bg1">
-                  <a:alpha val="63000"/>
-                </a:schemeClr>
-              </a:gs>
-              <a:gs pos="100000">
-                <a:schemeClr val="bg2">
-                  <a:alpha val="80000"/>
-                </a:schemeClr>
-              </a:gs>
-            </a:gsLst>
-            <a:path path="circle">
-              <a:fillToRect l="50000" t="50000" r="50000" b="50000"/>
-            </a:path>
-            <a:tileRect/>
-          </a:gradFill>
-          <a:ln>
-            <a:noFill/>
-          </a:ln>
         </p:spPr>
-        <p:style>
-          <a:lnRef idx="2">
-            <a:schemeClr val="accent1">
-              <a:shade val="50000"/>
-            </a:schemeClr>
-          </a:lnRef>
-          <a:fillRef idx="1">
-            <a:schemeClr val="accent1"/>
-          </a:fillRef>
-          <a:effectRef idx="0">
-            <a:schemeClr val="accent1"/>
-          </a:effectRef>
-          <a:fontRef idx="minor">
-            <a:schemeClr val="lt1"/>
-          </a:fontRef>
-        </p:style>
-        <p:txBody>
-          <a:bodyPr lIns="295232" tIns="147616" rIns="295232" bIns="147616" rtlCol="0" anchor="ctr"/>
-          <a:lstStyle/>
-          <a:p>
-            <a:pPr algn="ctr"/>
-            <a:endParaRPr lang="en-US" dirty="0"/>
-          </a:p>
-        </p:txBody>
-      </p:sp>
-      <p:sp>
-        <p:nvSpPr>
-          <p:cNvPr id="10" name="Rectangle 9"/>
-          <p:cNvSpPr/>
-          <p:nvPr/>
+        <p:txBody>
+          <a:bodyPr/>
+          <a:lstStyle>
+            <a:lvl1pPr marL="0" indent="0">
+              <a:buNone/>
+              <a:defRPr sz="5613"/>
+            </a:lvl1pPr>
+            <a:lvl2pPr marL="802020" indent="0">
+              <a:buNone/>
+              <a:defRPr sz="4912"/>
+            </a:lvl2pPr>
+            <a:lvl3pPr marL="1604040" indent="0">
+              <a:buNone/>
+              <a:defRPr sz="4210"/>
+            </a:lvl3pPr>
+            <a:lvl4pPr marL="2406061" indent="0">
+              <a:buNone/>
+              <a:defRPr sz="3508"/>
+            </a:lvl4pPr>
+            <a:lvl5pPr marL="3208081" indent="0">
+              <a:buNone/>
+              <a:defRPr sz="3508"/>
+            </a:lvl5pPr>
+            <a:lvl6pPr marL="4010101" indent="0">
+              <a:buNone/>
+              <a:defRPr sz="3508"/>
+            </a:lvl6pPr>
+            <a:lvl7pPr marL="4812121" indent="0">
+              <a:buNone/>
+              <a:defRPr sz="3508"/>
+            </a:lvl7pPr>
+            <a:lvl8pPr marL="5614142" indent="0">
+              <a:buNone/>
+              <a:defRPr sz="3508"/>
+            </a:lvl8pPr>
+            <a:lvl9pPr marL="6416162" indent="0">
+              <a:buNone/>
+              <a:defRPr sz="3508"/>
+            </a:lvl9pPr>
+          </a:lstStyle>
+          <a:p>
+            <a:endParaRPr kumimoji="1" lang="ja-JP" altLang="en-US"/>
+          </a:p>
+        </p:txBody>
+      </p:sp>
+      <p:sp>
+        <p:nvSpPr>
+          <p:cNvPr id="4" name="テキスト プレースホルダー 3"/>
+          <p:cNvSpPr>
+            <a:spLocks noGrp="1"/>
+          </p:cNvSpPr>
+          <p:nvPr>
+            <p:ph type="body" sz="half" idx="2"/>
+          </p:nvPr>
         </p:nvSpPr>
         <p:spPr>
           <a:xfrm>
-            <a:off x="0" y="11710690"/>
-            <a:ext cx="21386800" cy="10093325"/>
+            <a:off x="1473129" y="9083992"/>
+            <a:ext cx="6897799" cy="16829220"/>
           </a:xfrm>
-          <a:prstGeom prst="rect">
-            <a:avLst/>
-          </a:prstGeom>
-          <a:gradFill flip="none" rotWithShape="1">
-            <a:gsLst>
-              <a:gs pos="0">
-                <a:schemeClr val="bg1">
-                  <a:alpha val="0"/>
-                </a:schemeClr>
-              </a:gs>
-              <a:gs pos="29000">
-                <a:schemeClr val="bg1">
-                  <a:alpha val="30000"/>
-                </a:schemeClr>
-              </a:gs>
-              <a:gs pos="45000">
-                <a:schemeClr val="bg2">
-                  <a:alpha val="40000"/>
-                </a:schemeClr>
-              </a:gs>
-              <a:gs pos="55000">
-                <a:schemeClr val="bg1">
-                  <a:alpha val="26000"/>
-                </a:schemeClr>
-              </a:gs>
-              <a:gs pos="65000">
-                <a:schemeClr val="bg2">
-                  <a:alpha val="60000"/>
-                </a:schemeClr>
-              </a:gs>
-              <a:gs pos="100000">
-                <a:schemeClr val="bg1">
-                  <a:alpha val="0"/>
-                </a:schemeClr>
-              </a:gs>
-            </a:gsLst>
-            <a:lin ang="5400000" scaled="0"/>
-            <a:tileRect/>
-          </a:gradFill>
-          <a:ln>
-            <a:noFill/>
-          </a:ln>
         </p:spPr>
-        <p:style>
-          <a:lnRef idx="2">
-            <a:schemeClr val="accent1">
-              <a:shade val="50000"/>
-            </a:schemeClr>
-          </a:lnRef>
-          <a:fillRef idx="1">
-            <a:schemeClr val="accent1"/>
-          </a:fillRef>
-          <a:effectRef idx="0">
-            <a:schemeClr val="accent1"/>
-          </a:effectRef>
-          <a:fontRef idx="minor">
-            <a:schemeClr val="lt1"/>
-          </a:fontRef>
-        </p:style>
-        <p:txBody>
-          <a:bodyPr lIns="295232" tIns="147616" rIns="295232" bIns="147616" rtlCol="0" anchor="ctr"/>
-          <a:lstStyle/>
-          <a:p>
-            <a:pPr algn="ctr"/>
-            <a:endParaRPr lang="en-US"/>
-          </a:p>
-        </p:txBody>
-      </p:sp>
-      <p:sp>
-        <p:nvSpPr>
-          <p:cNvPr id="11" name="Oval 10"/>
-          <p:cNvSpPr/>
-          <p:nvPr/>
-        </p:nvSpPr>
-        <p:spPr>
-          <a:xfrm>
-            <a:off x="0" y="7065328"/>
-            <a:ext cx="21386800" cy="22541759"/>
-          </a:xfrm>
-          <a:prstGeom prst="ellipse">
-            <a:avLst/>
-          </a:prstGeom>
-          <a:gradFill flip="none" rotWithShape="1">
-            <a:gsLst>
-              <a:gs pos="0">
-                <a:schemeClr val="bg1"/>
-              </a:gs>
-              <a:gs pos="54000">
-                <a:schemeClr val="bg1">
-                  <a:alpha val="0"/>
-                </a:schemeClr>
-              </a:gs>
-            </a:gsLst>
-            <a:path path="circle">
-              <a:fillToRect l="50000" t="50000" r="50000" b="50000"/>
-            </a:path>
-            <a:tileRect/>
-          </a:gradFill>
-          <a:ln>
-            <a:noFill/>
-          </a:ln>
-        </p:spPr>
-        <p:style>
-          <a:lnRef idx="2">
-            <a:schemeClr val="accent1">
-              <a:shade val="50000"/>
-            </a:schemeClr>
-          </a:lnRef>
-          <a:fillRef idx="1">
-            <a:schemeClr val="accent1"/>
-          </a:fillRef>
-          <a:effectRef idx="0">
-            <a:schemeClr val="accent1"/>
-          </a:effectRef>
-          <a:fontRef idx="minor">
-            <a:schemeClr val="lt1"/>
-          </a:fontRef>
-        </p:style>
-        <p:txBody>
-          <a:bodyPr lIns="295232" tIns="147616" rIns="295232" bIns="147616" rtlCol="0" anchor="ctr"/>
-          <a:lstStyle/>
-          <a:p>
-            <a:pPr algn="ctr"/>
-            <a:endParaRPr lang="en-US"/>
-          </a:p>
-        </p:txBody>
-      </p:sp>
-      <p:sp>
-        <p:nvSpPr>
-          <p:cNvPr id="3" name="Picture Placeholder 2"/>
-          <p:cNvSpPr>
-            <a:spLocks noGrp="1"/>
-          </p:cNvSpPr>
-          <p:nvPr>
-            <p:ph type="pic" idx="1"/>
-          </p:nvPr>
-        </p:nvSpPr>
-        <p:spPr>
-          <a:xfrm>
-            <a:off x="10466937" y="5046663"/>
-            <a:ext cx="9624060" cy="13810132"/>
-          </a:xfrm>
-          <a:prstGeom prst="roundRect">
-            <a:avLst>
-              <a:gd name="adj" fmla="val 4230"/>
-            </a:avLst>
-          </a:prstGeom>
-          <a:solidFill>
-            <a:schemeClr val="bg2">
-              <a:lumMod val="90000"/>
-            </a:schemeClr>
-          </a:solidFill>
-          <a:effectLst>
-            <a:reflection blurRad="4350" stA="23000" endA="300" endPos="28000" dir="5400000" sy="-100000" algn="bl" rotWithShape="0"/>
-          </a:effectLst>
-          <a:scene3d>
-            <a:camera prst="perspectiveContrastingLeftFacing" fov="1800000">
-              <a:rot lat="300000" lon="2100000" rev="0"/>
-            </a:camera>
-            <a:lightRig rig="balanced" dir="t"/>
-          </a:scene3d>
-          <a:sp3d>
-            <a:bevelT w="50800" h="50800"/>
-          </a:sp3d>
-        </p:spPr>
-        <p:txBody>
-          <a:bodyPr>
-            <a:normAutofit/>
-            <a:flatTx/>
-          </a:bodyPr>
+        <p:txBody>
+          <a:bodyPr/>
           <a:lstStyle>
-            <a:lvl1pPr marL="0" indent="0" algn="ctr">
+            <a:lvl1pPr marL="0" indent="0">
               <a:buNone/>
-              <a:defRPr sz="6500"/>
+              <a:defRPr sz="2807"/>
             </a:lvl1pPr>
-            <a:lvl2pPr marL="1476162" indent="0">
+            <a:lvl2pPr marL="802020" indent="0">
               <a:buNone/>
-              <a:defRPr sz="9000"/>
+              <a:defRPr sz="2456"/>
             </a:lvl2pPr>
-            <a:lvl3pPr marL="2952323" indent="0">
+            <a:lvl3pPr marL="1604040" indent="0">
               <a:buNone/>
-              <a:defRPr sz="7700"/>
+              <a:defRPr sz="2105"/>
             </a:lvl3pPr>
-            <a:lvl4pPr marL="4428485" indent="0">
+            <a:lvl4pPr marL="2406061" indent="0">
               <a:buNone/>
-              <a:defRPr sz="6500"/>
+              <a:defRPr sz="1754"/>
             </a:lvl4pPr>
-            <a:lvl5pPr marL="5904647" indent="0">
+            <a:lvl5pPr marL="3208081" indent="0">
               <a:buNone/>
-              <a:defRPr sz="6500"/>
+              <a:defRPr sz="1754"/>
             </a:lvl5pPr>
-            <a:lvl6pPr marL="7380808" indent="0">
+            <a:lvl6pPr marL="4010101" indent="0">
               <a:buNone/>
-              <a:defRPr sz="6500"/>
+              <a:defRPr sz="1754"/>
             </a:lvl6pPr>
-            <a:lvl7pPr marL="8856970" indent="0">
+            <a:lvl7pPr marL="4812121" indent="0">
               <a:buNone/>
-              <a:defRPr sz="6500"/>
+              <a:defRPr sz="1754"/>
             </a:lvl7pPr>
-            <a:lvl8pPr marL="10333131" indent="0">
+            <a:lvl8pPr marL="5614142" indent="0">
               <a:buNone/>
-              <a:defRPr sz="6500"/>
+              <a:defRPr sz="1754"/>
             </a:lvl8pPr>
-            <a:lvl9pPr marL="11809293" indent="0">
+            <a:lvl9pPr marL="6416162" indent="0">
               <a:buNone/>
-              <a:defRPr sz="6500"/>
+              <a:defRPr sz="1754"/>
             </a:lvl9pPr>
           </a:lstStyle>
           <a:p>
-            <a:r>
-              <a:rPr lang="ja-JP" altLang="en-US" smtClean="0"/>
-              <a:t>アイコンをクリックして図を追加</a:t>
-            </a:r>
-            <a:endParaRPr lang="en-US" dirty="0"/>
-          </a:p>
-        </p:txBody>
-      </p:sp>
-      <p:sp>
-        <p:nvSpPr>
-          <p:cNvPr id="4" name="Text Placeholder 3"/>
-          <p:cNvSpPr>
-            <a:spLocks noGrp="1"/>
-          </p:cNvSpPr>
-          <p:nvPr>
-            <p:ph type="body" sz="half" idx="2"/>
-          </p:nvPr>
-        </p:nvSpPr>
-        <p:spPr>
-          <a:xfrm>
-            <a:off x="2053280" y="4461576"/>
-            <a:ext cx="8640122" cy="9550334"/>
-          </a:xfrm>
-        </p:spPr>
-        <p:txBody>
-          <a:bodyPr anchor="b"/>
-          <a:lstStyle>
-            <a:lvl1pPr marL="590465" indent="-590465">
-              <a:buFont typeface="Georgia" pitchFamily="18" charset="0"/>
-              <a:buChar char="*"/>
-              <a:defRPr sz="5200"/>
-            </a:lvl1pPr>
-            <a:lvl2pPr marL="1476162" indent="0">
-              <a:buNone/>
-              <a:defRPr sz="3900"/>
-            </a:lvl2pPr>
-            <a:lvl3pPr marL="2952323" indent="0">
-              <a:buNone/>
-              <a:defRPr sz="3200"/>
-            </a:lvl3pPr>
-            <a:lvl4pPr marL="4428485" indent="0">
-              <a:buNone/>
-              <a:defRPr sz="2900"/>
-            </a:lvl4pPr>
-            <a:lvl5pPr marL="5904647" indent="0">
-              <a:buNone/>
-              <a:defRPr sz="2900"/>
-            </a:lvl5pPr>
-            <a:lvl6pPr marL="7380808" indent="0">
-              <a:buNone/>
-              <a:defRPr sz="2900"/>
-            </a:lvl6pPr>
-            <a:lvl7pPr marL="8856970" indent="0">
-              <a:buNone/>
-              <a:defRPr sz="2900"/>
-            </a:lvl7pPr>
-            <a:lvl8pPr marL="10333131" indent="0">
-              <a:buNone/>
-              <a:defRPr sz="2900"/>
-            </a:lvl8pPr>
-            <a:lvl9pPr marL="11809293" indent="0">
-              <a:buNone/>
-              <a:defRPr sz="2900"/>
-            </a:lvl9pPr>
-          </a:lstStyle>
-          <a:p>
             <a:pPr lvl="0"/>
             <a:r>
-              <a:rPr lang="ja-JP" altLang="en-US" smtClean="0"/>
+              <a:rPr kumimoji="1" lang="ja-JP" altLang="en-US" smtClean="0"/>
               <a:t>マスター テキストの書式設定</a:t>
             </a:r>
           </a:p>
@@ -4098,7 +3075,7 @@
       </p:sp>
       <p:sp>
         <p:nvSpPr>
-          <p:cNvPr id="5" name="Date Placeholder 4"/>
+          <p:cNvPr id="5" name="日付プレースホルダー 4"/>
           <p:cNvSpPr>
             <a:spLocks noGrp="1"/>
           </p:cNvSpPr>
@@ -4113,7 +3090,7 @@
           <a:p>
             <a:fld id="{CD18CB5A-6947-405F-A94A-52FF85729738}" type="datetimeFigureOut">
               <a:rPr kumimoji="1" lang="ja-JP" altLang="en-US" smtClean="0"/>
-              <a:t>2014/12/17</a:t>
+              <a:t>2014/12/18</a:t>
             </a:fld>
             <a:endParaRPr kumimoji="1" lang="ja-JP" altLang="en-US"/>
           </a:p>
@@ -4121,7 +3098,7 @@
       </p:sp>
       <p:sp>
         <p:nvSpPr>
-          <p:cNvPr id="6" name="Footer Placeholder 5"/>
+          <p:cNvPr id="6" name="フッター プレースホルダー 5"/>
           <p:cNvSpPr>
             <a:spLocks noGrp="1"/>
           </p:cNvSpPr>
@@ -4140,7 +3117,7 @@
       </p:sp>
       <p:sp>
         <p:nvSpPr>
-          <p:cNvPr id="7" name="Slide Number Placeholder 6"/>
+          <p:cNvPr id="7" name="スライド番号プレースホルダー 6"/>
           <p:cNvSpPr>
             <a:spLocks noGrp="1"/>
           </p:cNvSpPr>
@@ -4161,52 +3138,16 @@
           </a:p>
         </p:txBody>
       </p:sp>
-      <p:sp>
-        <p:nvSpPr>
-          <p:cNvPr id="2" name="Title 1"/>
-          <p:cNvSpPr>
-            <a:spLocks noGrp="1"/>
-          </p:cNvSpPr>
-          <p:nvPr>
-            <p:ph type="title"/>
-          </p:nvPr>
-        </p:nvSpPr>
-        <p:spPr>
-          <a:xfrm>
-            <a:off x="1700999" y="19711659"/>
-            <a:ext cx="14930386" cy="5046663"/>
-          </a:xfrm>
-        </p:spPr>
-        <p:txBody>
-          <a:bodyPr anchor="b">
-            <a:noAutofit/>
-          </a:bodyPr>
-          <a:lstStyle>
-            <a:lvl1pPr algn="l">
-              <a:defRPr sz="14900" b="1"/>
-            </a:lvl1pPr>
-          </a:lstStyle>
-          <a:p>
-            <a:r>
-              <a:rPr lang="ja-JP" altLang="en-US" smtClean="0"/>
-              <a:t>マスター タイトルの書式設定</a:t>
-            </a:r>
-            <a:endParaRPr lang="en-US" dirty="0"/>
-          </a:p>
-        </p:txBody>
-      </p:sp>
     </p:spTree>
+    <p:extLst>
+      <p:ext uri="{BB962C8B-B14F-4D97-AF65-F5344CB8AC3E}">
+        <p14:creationId xmlns:p14="http://schemas.microsoft.com/office/powerpoint/2010/main" val="417904020"/>
+      </p:ext>
+    </p:extLst>
   </p:cSld>
   <p:clrMapOvr>
     <a:masterClrMapping/>
   </p:clrMapOvr>
-  <p:timing>
-    <p:tnLst>
-      <p:par>
-        <p:cTn id="1" dur="indefinite" restart="never" nodeType="tmRoot"/>
-      </p:par>
-    </p:tnLst>
-  </p:timing>
 </p:sldLayout>
 </file>
 
@@ -4214,8 +3155,8 @@
 <p:sldMaster xmlns:a="http://schemas.openxmlformats.org/drawingml/2006/main" xmlns:r="http://schemas.openxmlformats.org/officeDocument/2006/relationships" xmlns:p="http://schemas.openxmlformats.org/presentationml/2006/main">
   <p:cSld>
     <p:bg>
-      <p:bgRef idx="1002">
-        <a:schemeClr val="bg2"/>
+      <p:bgRef idx="1001">
+        <a:schemeClr val="bg1"/>
       </p:bgRef>
     </p:bg>
     <p:spTree>
@@ -4234,429 +3175,158 @@
       </p:grpSpPr>
       <p:sp>
         <p:nvSpPr>
-          <p:cNvPr id="7" name="Rectangle 6"/>
-          <p:cNvSpPr/>
-          <p:nvPr/>
+          <p:cNvPr id="2" name="タイトル プレースホルダー 1"/>
+          <p:cNvSpPr>
+            <a:spLocks noGrp="1"/>
+          </p:cNvSpPr>
+          <p:nvPr>
+            <p:ph type="title"/>
+          </p:nvPr>
         </p:nvSpPr>
         <p:spPr>
           <a:xfrm>
-            <a:off x="0" y="22541759"/>
-            <a:ext cx="21386800" cy="7738216"/>
-          </a:xfrm>
-          <a:prstGeom prst="rect">
-            <a:avLst/>
-          </a:prstGeom>
-          <a:gradFill>
-            <a:gsLst>
-              <a:gs pos="0">
-                <a:schemeClr val="bg1">
-                  <a:alpha val="91000"/>
-                </a:schemeClr>
-              </a:gs>
-              <a:gs pos="37000">
-                <a:schemeClr val="bg1">
-                  <a:alpha val="76000"/>
-                </a:schemeClr>
-              </a:gs>
-              <a:gs pos="100000">
-                <a:schemeClr val="bg2">
-                  <a:alpha val="79000"/>
-                </a:schemeClr>
-              </a:gs>
-            </a:gsLst>
-            <a:path path="circle">
-              <a:fillToRect l="50000" t="50000" r="50000" b="50000"/>
-            </a:path>
-          </a:gradFill>
-          <a:ln>
-            <a:noFill/>
-          </a:ln>
-        </p:spPr>
-        <p:style>
-          <a:lnRef idx="2">
-            <a:schemeClr val="accent1">
-              <a:shade val="50000"/>
-            </a:schemeClr>
-          </a:lnRef>
-          <a:fillRef idx="1">
-            <a:schemeClr val="accent1"/>
-          </a:fillRef>
-          <a:effectRef idx="0">
-            <a:schemeClr val="accent1"/>
-          </a:effectRef>
-          <a:fontRef idx="minor">
-            <a:schemeClr val="lt1"/>
-          </a:fontRef>
-        </p:style>
-        <p:txBody>
-          <a:bodyPr lIns="295232" tIns="147616" rIns="295232" bIns="147616" rtlCol="0" anchor="ctr"/>
-          <a:lstStyle/>
-          <a:p>
-            <a:pPr algn="ctr"/>
-            <a:endParaRPr lang="en-US"/>
-          </a:p>
-        </p:txBody>
-      </p:sp>
-      <p:sp>
-        <p:nvSpPr>
-          <p:cNvPr id="8" name="Rectangle 7"/>
-          <p:cNvSpPr/>
-          <p:nvPr/>
-        </p:nvSpPr>
-        <p:spPr>
-          <a:xfrm>
-            <a:off x="0" y="0"/>
-            <a:ext cx="21386800" cy="22541759"/>
-          </a:xfrm>
-          <a:prstGeom prst="rect">
-            <a:avLst/>
-          </a:prstGeom>
-          <a:gradFill flip="none" rotWithShape="1">
-            <a:gsLst>
-              <a:gs pos="0">
-                <a:schemeClr val="bg1">
-                  <a:alpha val="89000"/>
-                </a:schemeClr>
-              </a:gs>
-              <a:gs pos="48000">
-                <a:schemeClr val="bg1">
-                  <a:alpha val="62000"/>
-                </a:schemeClr>
-              </a:gs>
-              <a:gs pos="100000">
-                <a:schemeClr val="bg2">
-                  <a:alpha val="79000"/>
-                </a:schemeClr>
-              </a:gs>
-            </a:gsLst>
-            <a:path path="circle">
-              <a:fillToRect l="50000" t="50000" r="50000" b="50000"/>
-            </a:path>
-            <a:tileRect/>
-          </a:gradFill>
-          <a:ln>
-            <a:noFill/>
-          </a:ln>
-        </p:spPr>
-        <p:style>
-          <a:lnRef idx="2">
-            <a:schemeClr val="accent1">
-              <a:shade val="50000"/>
-            </a:schemeClr>
-          </a:lnRef>
-          <a:fillRef idx="1">
-            <a:schemeClr val="accent1"/>
-          </a:fillRef>
-          <a:effectRef idx="0">
-            <a:schemeClr val="accent1"/>
-          </a:effectRef>
-          <a:fontRef idx="minor">
-            <a:schemeClr val="lt1"/>
-          </a:fontRef>
-        </p:style>
-        <p:txBody>
-          <a:bodyPr lIns="295232" tIns="147616" rIns="295232" bIns="147616" rtlCol="0" anchor="ctr"/>
-          <a:lstStyle/>
-          <a:p>
-            <a:pPr algn="ctr"/>
-            <a:endParaRPr lang="en-US" dirty="0"/>
-          </a:p>
-        </p:txBody>
-      </p:sp>
-      <p:sp>
-        <p:nvSpPr>
-          <p:cNvPr id="9" name="Rectangle 8"/>
-          <p:cNvSpPr/>
-          <p:nvPr/>
-        </p:nvSpPr>
-        <p:spPr>
-          <a:xfrm>
-            <a:off x="0" y="16638109"/>
-            <a:ext cx="21386800" cy="10093325"/>
-          </a:xfrm>
-          <a:prstGeom prst="rect">
-            <a:avLst/>
-          </a:prstGeom>
-          <a:gradFill flip="none" rotWithShape="1">
-            <a:gsLst>
-              <a:gs pos="0">
-                <a:schemeClr val="bg1">
-                  <a:alpha val="0"/>
-                </a:schemeClr>
-              </a:gs>
-              <a:gs pos="29000">
-                <a:schemeClr val="bg1">
-                  <a:alpha val="30000"/>
-                </a:schemeClr>
-              </a:gs>
-              <a:gs pos="45000">
-                <a:schemeClr val="bg2">
-                  <a:alpha val="40000"/>
-                </a:schemeClr>
-              </a:gs>
-              <a:gs pos="55000">
-                <a:schemeClr val="bg1">
-                  <a:alpha val="26000"/>
-                </a:schemeClr>
-              </a:gs>
-              <a:gs pos="65000">
-                <a:schemeClr val="bg2">
-                  <a:alpha val="60000"/>
-                </a:schemeClr>
-              </a:gs>
-              <a:gs pos="100000">
-                <a:schemeClr val="bg1">
-                  <a:alpha val="0"/>
-                </a:schemeClr>
-              </a:gs>
-            </a:gsLst>
-            <a:lin ang="5400000" scaled="0"/>
-            <a:tileRect/>
-          </a:gradFill>
-          <a:ln>
-            <a:noFill/>
-          </a:ln>
-        </p:spPr>
-        <p:style>
-          <a:lnRef idx="2">
-            <a:schemeClr val="accent1">
-              <a:shade val="50000"/>
-            </a:schemeClr>
-          </a:lnRef>
-          <a:fillRef idx="1">
-            <a:schemeClr val="accent1"/>
-          </a:fillRef>
-          <a:effectRef idx="0">
-            <a:schemeClr val="accent1"/>
-          </a:effectRef>
-          <a:fontRef idx="minor">
-            <a:schemeClr val="lt1"/>
-          </a:fontRef>
-        </p:style>
-        <p:txBody>
-          <a:bodyPr lIns="295232" tIns="147616" rIns="295232" bIns="147616" rtlCol="0" anchor="ctr"/>
-          <a:lstStyle/>
-          <a:p>
-            <a:pPr algn="ctr"/>
-            <a:endParaRPr lang="en-US"/>
-          </a:p>
-        </p:txBody>
-      </p:sp>
-      <p:sp>
-        <p:nvSpPr>
-          <p:cNvPr id="10" name="Oval 9"/>
-          <p:cNvSpPr/>
-          <p:nvPr/>
-        </p:nvSpPr>
-        <p:spPr>
-          <a:xfrm>
-            <a:off x="0" y="7065328"/>
-            <a:ext cx="21386800" cy="22541759"/>
-          </a:xfrm>
-          <a:prstGeom prst="ellipse">
-            <a:avLst/>
-          </a:prstGeom>
-          <a:gradFill flip="none" rotWithShape="1">
-            <a:gsLst>
-              <a:gs pos="0">
-                <a:schemeClr val="bg1"/>
-              </a:gs>
-              <a:gs pos="56000">
-                <a:schemeClr val="bg1">
-                  <a:alpha val="0"/>
-                </a:schemeClr>
-              </a:gs>
-            </a:gsLst>
-            <a:path path="circle">
-              <a:fillToRect l="50000" t="50000" r="50000" b="50000"/>
-            </a:path>
-            <a:tileRect/>
-          </a:gradFill>
-          <a:ln>
-            <a:noFill/>
-          </a:ln>
-        </p:spPr>
-        <p:style>
-          <a:lnRef idx="2">
-            <a:schemeClr val="accent1">
-              <a:shade val="50000"/>
-            </a:schemeClr>
-          </a:lnRef>
-          <a:fillRef idx="1">
-            <a:schemeClr val="accent1"/>
-          </a:fillRef>
-          <a:effectRef idx="0">
-            <a:schemeClr val="accent1"/>
-          </a:effectRef>
-          <a:fontRef idx="minor">
-            <a:schemeClr val="lt1"/>
-          </a:fontRef>
-        </p:style>
-        <p:txBody>
-          <a:bodyPr lIns="295232" tIns="147616" rIns="295232" bIns="147616" rtlCol="0" anchor="ctr"/>
-          <a:lstStyle/>
-          <a:p>
-            <a:pPr algn="ctr"/>
-            <a:endParaRPr lang="en-US"/>
-          </a:p>
-        </p:txBody>
-      </p:sp>
-      <p:sp>
-        <p:nvSpPr>
-          <p:cNvPr id="2" name="Title Placeholder 1"/>
-          <p:cNvSpPr>
-            <a:spLocks noGrp="1"/>
-          </p:cNvSpPr>
-          <p:nvPr>
-            <p:ph type="title"/>
-          </p:nvPr>
-        </p:nvSpPr>
-        <p:spPr>
-          <a:xfrm>
-            <a:off x="4194305" y="19304336"/>
-            <a:ext cx="15232040" cy="5046663"/>
-          </a:xfrm>
-          <a:prstGeom prst="rect">
-            <a:avLst/>
-          </a:prstGeom>
-          <a:effectLst/>
-        </p:spPr>
-        <p:txBody>
-          <a:bodyPr vert="horz" lIns="295232" tIns="147616" rIns="295232" bIns="147616" rtlCol="0" anchor="t" anchorCtr="0">
-            <a:noAutofit/>
-          </a:bodyPr>
-          <a:lstStyle/>
-          <a:p>
-            <a:r>
-              <a:rPr lang="ja-JP" altLang="en-US" smtClean="0"/>
-              <a:t>マスター タイトルの書式設定</a:t>
-            </a:r>
-            <a:endParaRPr lang="en-US" dirty="0"/>
-          </a:p>
-        </p:txBody>
-      </p:sp>
-      <p:sp>
-        <p:nvSpPr>
-          <p:cNvPr id="3" name="Text Placeholder 2"/>
-          <p:cNvSpPr>
-            <a:spLocks noGrp="1"/>
-          </p:cNvSpPr>
-          <p:nvPr>
-            <p:ph type="body" idx="1"/>
-          </p:nvPr>
-        </p:nvSpPr>
-        <p:spPr>
-          <a:xfrm>
-            <a:off x="2673350" y="3233131"/>
-            <a:ext cx="14970760" cy="15341854"/>
+            <a:off x="1470343" y="1612130"/>
+            <a:ext cx="18446115" cy="5852729"/>
           </a:xfrm>
           <a:prstGeom prst="rect">
             <a:avLst/>
           </a:prstGeom>
         </p:spPr>
         <p:txBody>
-          <a:bodyPr vert="horz" lIns="295232" tIns="147616" rIns="295232" bIns="147616" rtlCol="0">
+          <a:bodyPr vert="horz" lIns="91440" tIns="45720" rIns="91440" bIns="45720" rtlCol="0" anchor="ctr">
             <a:normAutofit/>
           </a:bodyPr>
           <a:lstStyle/>
           <a:p>
-            <a:pPr lvl="0"/>
-            <a:r>
-              <a:rPr lang="ja-JP" altLang="en-US" smtClean="0"/>
-              <a:t>マスター テキストの書式設定</a:t>
-            </a:r>
-          </a:p>
-          <a:p>
-            <a:pPr lvl="1"/>
-            <a:r>
-              <a:rPr lang="ja-JP" altLang="en-US" smtClean="0"/>
-              <a:t>第 </a:t>
-            </a:r>
-            <a:r>
-              <a:rPr lang="en-US" altLang="ja-JP" smtClean="0"/>
-              <a:t>2 </a:t>
-            </a:r>
-            <a:r>
-              <a:rPr lang="ja-JP" altLang="en-US" smtClean="0"/>
-              <a:t>レベル</a:t>
-            </a:r>
-          </a:p>
-          <a:p>
-            <a:pPr lvl="2"/>
-            <a:r>
-              <a:rPr lang="ja-JP" altLang="en-US" smtClean="0"/>
-              <a:t>第 </a:t>
-            </a:r>
-            <a:r>
-              <a:rPr lang="en-US" altLang="ja-JP" smtClean="0"/>
-              <a:t>3 </a:t>
-            </a:r>
-            <a:r>
-              <a:rPr lang="ja-JP" altLang="en-US" smtClean="0"/>
-              <a:t>レベル</a:t>
-            </a:r>
-          </a:p>
-          <a:p>
-            <a:pPr lvl="3"/>
-            <a:r>
-              <a:rPr lang="ja-JP" altLang="en-US" smtClean="0"/>
-              <a:t>第 </a:t>
-            </a:r>
-            <a:r>
-              <a:rPr lang="en-US" altLang="ja-JP" smtClean="0"/>
-              <a:t>4 </a:t>
-            </a:r>
-            <a:r>
-              <a:rPr lang="ja-JP" altLang="en-US" smtClean="0"/>
-              <a:t>レベル</a:t>
-            </a:r>
-          </a:p>
-          <a:p>
-            <a:pPr lvl="4"/>
-            <a:r>
-              <a:rPr lang="ja-JP" altLang="en-US" smtClean="0"/>
-              <a:t>第 </a:t>
-            </a:r>
-            <a:r>
-              <a:rPr lang="en-US" altLang="ja-JP" smtClean="0"/>
-              <a:t>5 </a:t>
-            </a:r>
-            <a:r>
-              <a:rPr lang="ja-JP" altLang="en-US" smtClean="0"/>
-              <a:t>レベル</a:t>
-            </a:r>
-            <a:endParaRPr lang="en-US" dirty="0"/>
-          </a:p>
-        </p:txBody>
-      </p:sp>
-      <p:sp>
-        <p:nvSpPr>
-          <p:cNvPr id="4" name="Date Placeholder 3"/>
-          <p:cNvSpPr>
-            <a:spLocks noGrp="1"/>
-          </p:cNvSpPr>
-          <p:nvPr>
-            <p:ph type="dt" sz="half" idx="2"/>
+            <a:r>
+              <a:rPr kumimoji="1" lang="ja-JP" altLang="en-US" smtClean="0"/>
+              <a:t>マスター タイトルの書式設定</a:t>
+            </a:r>
+            <a:endParaRPr kumimoji="1" lang="ja-JP" altLang="en-US"/>
+          </a:p>
+        </p:txBody>
+      </p:sp>
+      <p:sp>
+        <p:nvSpPr>
+          <p:cNvPr id="3" name="テキスト プレースホルダー 2"/>
+          <p:cNvSpPr>
+            <a:spLocks noGrp="1"/>
+          </p:cNvSpPr>
+          <p:nvPr>
+            <p:ph type="body" idx="1"/>
           </p:nvPr>
         </p:nvSpPr>
         <p:spPr>
           <a:xfrm>
-            <a:off x="14436090" y="27251980"/>
-            <a:ext cx="5881370" cy="1612128"/>
+            <a:off x="1470343" y="8060641"/>
+            <a:ext cx="18446115" cy="19212366"/>
           </a:xfrm>
           <a:prstGeom prst="rect">
             <a:avLst/>
           </a:prstGeom>
         </p:spPr>
         <p:txBody>
-          <a:bodyPr vert="horz" lIns="295232" tIns="147616" rIns="295232" bIns="147616" rtlCol="0" anchor="ctr"/>
+          <a:bodyPr vert="horz" lIns="91440" tIns="45720" rIns="91440" bIns="45720" rtlCol="0">
+            <a:normAutofit/>
+          </a:bodyPr>
+          <a:lstStyle/>
+          <a:p>
+            <a:pPr lvl="0"/>
+            <a:r>
+              <a:rPr kumimoji="1" lang="ja-JP" altLang="en-US" smtClean="0"/>
+              <a:t>マスター テキストの書式設定</a:t>
+            </a:r>
+          </a:p>
+          <a:p>
+            <a:pPr lvl="1"/>
+            <a:r>
+              <a:rPr kumimoji="1" lang="ja-JP" altLang="en-US" smtClean="0"/>
+              <a:t>第 </a:t>
+            </a:r>
+            <a:r>
+              <a:rPr kumimoji="1" lang="en-US" altLang="ja-JP" smtClean="0"/>
+              <a:t>2 </a:t>
+            </a:r>
+            <a:r>
+              <a:rPr kumimoji="1" lang="ja-JP" altLang="en-US" smtClean="0"/>
+              <a:t>レベル</a:t>
+            </a:r>
+          </a:p>
+          <a:p>
+            <a:pPr lvl="2"/>
+            <a:r>
+              <a:rPr kumimoji="1" lang="ja-JP" altLang="en-US" smtClean="0"/>
+              <a:t>第 </a:t>
+            </a:r>
+            <a:r>
+              <a:rPr kumimoji="1" lang="en-US" altLang="ja-JP" smtClean="0"/>
+              <a:t>3 </a:t>
+            </a:r>
+            <a:r>
+              <a:rPr kumimoji="1" lang="ja-JP" altLang="en-US" smtClean="0"/>
+              <a:t>レベル</a:t>
+            </a:r>
+          </a:p>
+          <a:p>
+            <a:pPr lvl="3"/>
+            <a:r>
+              <a:rPr kumimoji="1" lang="ja-JP" altLang="en-US" smtClean="0"/>
+              <a:t>第 </a:t>
+            </a:r>
+            <a:r>
+              <a:rPr kumimoji="1" lang="en-US" altLang="ja-JP" smtClean="0"/>
+              <a:t>4 </a:t>
+            </a:r>
+            <a:r>
+              <a:rPr kumimoji="1" lang="ja-JP" altLang="en-US" smtClean="0"/>
+              <a:t>レベル</a:t>
+            </a:r>
+          </a:p>
+          <a:p>
+            <a:pPr lvl="4"/>
+            <a:r>
+              <a:rPr kumimoji="1" lang="ja-JP" altLang="en-US" smtClean="0"/>
+              <a:t>第 </a:t>
+            </a:r>
+            <a:r>
+              <a:rPr kumimoji="1" lang="en-US" altLang="ja-JP" smtClean="0"/>
+              <a:t>5 </a:t>
+            </a:r>
+            <a:r>
+              <a:rPr kumimoji="1" lang="ja-JP" altLang="en-US" smtClean="0"/>
+              <a:t>レベル</a:t>
+            </a:r>
+            <a:endParaRPr kumimoji="1" lang="ja-JP" altLang="en-US"/>
+          </a:p>
+        </p:txBody>
+      </p:sp>
+      <p:sp>
+        <p:nvSpPr>
+          <p:cNvPr id="4" name="日付プレースホルダー 3"/>
+          <p:cNvSpPr>
+            <a:spLocks noGrp="1"/>
+          </p:cNvSpPr>
+          <p:nvPr>
+            <p:ph type="dt" sz="half" idx="2"/>
+          </p:nvPr>
+        </p:nvSpPr>
+        <p:spPr>
+          <a:xfrm>
+            <a:off x="1470343" y="28065053"/>
+            <a:ext cx="4812030" cy="1612128"/>
+          </a:xfrm>
+          <a:prstGeom prst="rect">
+            <a:avLst/>
+          </a:prstGeom>
+        </p:spPr>
+        <p:txBody>
+          <a:bodyPr vert="horz" lIns="91440" tIns="45720" rIns="91440" bIns="45720" rtlCol="0" anchor="ctr"/>
           <a:lstStyle>
-            <a:lvl1pPr algn="r">
-              <a:defRPr sz="3600" b="1">
+            <a:lvl1pPr algn="l">
+              <a:defRPr sz="2105">
                 <a:solidFill>
                   <a:schemeClr val="tx1">
-                    <a:lumMod val="50000"/>
-                    <a:lumOff val="50000"/>
+                    <a:tint val="75000"/>
                   </a:schemeClr>
                 </a:solidFill>
               </a:defRPr>
@@ -4665,7 +3335,7 @@
           <a:p>
             <a:fld id="{CD18CB5A-6947-405F-A94A-52FF85729738}" type="datetimeFigureOut">
               <a:rPr kumimoji="1" lang="ja-JP" altLang="en-US" smtClean="0"/>
-              <a:t>2014/12/17</a:t>
+              <a:t>2014/12/18</a:t>
             </a:fld>
             <a:endParaRPr kumimoji="1" lang="ja-JP" altLang="en-US"/>
           </a:p>
@@ -4673,7 +3343,7 @@
       </p:sp>
       <p:sp>
         <p:nvSpPr>
-          <p:cNvPr id="5" name="Footer Placeholder 4"/>
+          <p:cNvPr id="5" name="フッター プレースホルダー 4"/>
           <p:cNvSpPr>
             <a:spLocks noGrp="1"/>
           </p:cNvSpPr>
@@ -4683,22 +3353,21 @@
         </p:nvSpPr>
         <p:spPr>
           <a:xfrm>
-            <a:off x="1069339" y="27251980"/>
-            <a:ext cx="7841829" cy="1612128"/>
+            <a:off x="7084378" y="28065053"/>
+            <a:ext cx="7218045" cy="1612128"/>
           </a:xfrm>
           <a:prstGeom prst="rect">
             <a:avLst/>
           </a:prstGeom>
         </p:spPr>
         <p:txBody>
-          <a:bodyPr vert="horz" lIns="295232" tIns="147616" rIns="295232" bIns="147616" rtlCol="0" anchor="ctr"/>
+          <a:bodyPr vert="horz" lIns="91440" tIns="45720" rIns="91440" bIns="45720" rtlCol="0" anchor="ctr"/>
           <a:lstStyle>
-            <a:lvl1pPr algn="l">
-              <a:defRPr sz="3600" b="1">
+            <a:lvl1pPr algn="ctr">
+              <a:defRPr sz="2105">
                 <a:solidFill>
                   <a:schemeClr val="tx1">
-                    <a:lumMod val="50000"/>
-                    <a:lumOff val="50000"/>
+                    <a:tint val="75000"/>
                   </a:schemeClr>
                 </a:solidFill>
               </a:defRPr>
@@ -4711,7 +3380,7 @@
       </p:sp>
       <p:sp>
         <p:nvSpPr>
-          <p:cNvPr id="6" name="Slide Number Placeholder 5"/>
+          <p:cNvPr id="6" name="スライド番号プレースホルダー 5"/>
           <p:cNvSpPr>
             <a:spLocks noGrp="1"/>
           </p:cNvSpPr>
@@ -4721,22 +3390,21 @@
         </p:nvSpPr>
         <p:spPr>
           <a:xfrm>
-            <a:off x="8911167" y="27251980"/>
-            <a:ext cx="4277360" cy="1612128"/>
+            <a:off x="15104428" y="28065053"/>
+            <a:ext cx="4812030" cy="1612128"/>
           </a:xfrm>
           <a:prstGeom prst="rect">
             <a:avLst/>
           </a:prstGeom>
         </p:spPr>
         <p:txBody>
-          <a:bodyPr vert="horz" lIns="295232" tIns="147616" rIns="295232" bIns="147616" rtlCol="0" anchor="ctr"/>
+          <a:bodyPr vert="horz" lIns="91440" tIns="45720" rIns="91440" bIns="45720" rtlCol="0" anchor="ctr"/>
           <a:lstStyle>
-            <a:lvl1pPr algn="ctr">
-              <a:defRPr sz="3900" b="1">
+            <a:lvl1pPr algn="r">
+              <a:defRPr sz="2105">
                 <a:solidFill>
                   <a:schemeClr val="tx1">
-                    <a:lumMod val="50000"/>
-                    <a:lumOff val="50000"/>
+                    <a:tint val="75000"/>
                   </a:schemeClr>
                 </a:solidFill>
               </a:defRPr>
@@ -4752,365 +3420,203 @@
         </p:txBody>
       </p:sp>
     </p:spTree>
+    <p:extLst>
+      <p:ext uri="{BB962C8B-B14F-4D97-AF65-F5344CB8AC3E}">
+        <p14:creationId xmlns:p14="http://schemas.microsoft.com/office/powerpoint/2010/main" val="1004798215"/>
+      </p:ext>
+    </p:extLst>
   </p:cSld>
   <p:clrMap bg1="lt1" tx1="dk1" bg2="lt2" tx2="dk2" accent1="accent1" accent2="accent2" accent3="accent3" accent4="accent4" accent5="accent5" accent6="accent6" hlink="hlink" folHlink="folHlink"/>
   <p:sldLayoutIdLst>
-    <p:sldLayoutId id="2147483721" r:id="rId1"/>
-    <p:sldLayoutId id="2147483722" r:id="rId2"/>
-    <p:sldLayoutId id="2147483723" r:id="rId3"/>
-    <p:sldLayoutId id="2147483724" r:id="rId4"/>
-    <p:sldLayoutId id="2147483725" r:id="rId5"/>
-    <p:sldLayoutId id="2147483726" r:id="rId6"/>
-    <p:sldLayoutId id="2147483727" r:id="rId7"/>
-    <p:sldLayoutId id="2147483728" r:id="rId8"/>
-    <p:sldLayoutId id="2147483729" r:id="rId9"/>
-    <p:sldLayoutId id="2147483730" r:id="rId10"/>
-    <p:sldLayoutId id="2147483731" r:id="rId11"/>
+    <p:sldLayoutId id="2147483733" r:id="rId1"/>
+    <p:sldLayoutId id="2147483734" r:id="rId2"/>
+    <p:sldLayoutId id="2147483735" r:id="rId3"/>
+    <p:sldLayoutId id="2147483736" r:id="rId4"/>
+    <p:sldLayoutId id="2147483737" r:id="rId5"/>
+    <p:sldLayoutId id="2147483738" r:id="rId6"/>
+    <p:sldLayoutId id="2147483739" r:id="rId7"/>
+    <p:sldLayoutId id="2147483740" r:id="rId8"/>
+    <p:sldLayoutId id="2147483741" r:id="rId9"/>
+    <p:sldLayoutId id="2147483742" r:id="rId10"/>
+    <p:sldLayoutId id="2147483743" r:id="rId11"/>
   </p:sldLayoutIdLst>
-  <p:timing>
-    <p:tnLst>
-      <p:par>
-        <p:cTn id="1" dur="indefinite" restart="never" nodeType="tmRoot"/>
-      </p:par>
-    </p:tnLst>
-  </p:timing>
   <p:txStyles>
     <p:titleStyle>
-      <a:lvl1pPr marL="1033313" indent="-1033313" algn="r" defTabSz="2952323" rtl="0" eaLnBrk="1" latinLnBrk="0" hangingPunct="1">
+      <a:lvl1pPr algn="l" defTabSz="1604040" rtl="0" eaLnBrk="1" latinLnBrk="0" hangingPunct="1">
+        <a:lnSpc>
+          <a:spcPct val="90000"/>
+        </a:lnSpc>
         <a:spcBef>
           <a:spcPct val="0"/>
         </a:spcBef>
-        <a:buClr>
-          <a:schemeClr val="accent6">
-            <a:lumMod val="75000"/>
-          </a:schemeClr>
-        </a:buClr>
-        <a:buSzPct val="128000"/>
-        <a:buFont typeface="Georgia" pitchFamily="18" charset="0"/>
-        <a:buChar char="*"/>
-        <a:defRPr kumimoji="1" sz="14900" b="1" i="0" kern="1200">
-          <a:gradFill>
-            <a:gsLst>
-              <a:gs pos="0">
-                <a:schemeClr val="tx1"/>
-              </a:gs>
-              <a:gs pos="40000">
-                <a:schemeClr val="tx1">
-                  <a:lumMod val="75000"/>
-                  <a:lumOff val="25000"/>
-                </a:schemeClr>
-              </a:gs>
-              <a:gs pos="100000">
-                <a:schemeClr val="tx2">
-                  <a:alpha val="65000"/>
-                </a:schemeClr>
-              </a:gs>
-            </a:gsLst>
-            <a:lin ang="5400000" scaled="0"/>
-          </a:gradFill>
-          <a:effectLst>
-            <a:reflection blurRad="6350" stA="55000" endA="300" endPos="45500" dir="5400000" sy="-100000" algn="bl" rotWithShape="0"/>
-          </a:effectLst>
+        <a:buNone/>
+        <a:defRPr kumimoji="1" sz="7718" kern="1200">
+          <a:solidFill>
+            <a:schemeClr val="tx1"/>
+          </a:solidFill>
           <a:latin typeface="+mj-lt"/>
           <a:ea typeface="+mj-ea"/>
           <a:cs typeface="+mj-cs"/>
         </a:defRPr>
       </a:lvl1pPr>
-      <a:lvl2pPr eaLnBrk="1" hangingPunct="1">
-        <a:defRPr kumimoji="1">
-          <a:solidFill>
-            <a:schemeClr val="tx2"/>
-          </a:solidFill>
-        </a:defRPr>
-      </a:lvl2pPr>
-      <a:lvl3pPr eaLnBrk="1" hangingPunct="1">
-        <a:defRPr kumimoji="1">
-          <a:solidFill>
-            <a:schemeClr val="tx2"/>
-          </a:solidFill>
-        </a:defRPr>
-      </a:lvl3pPr>
-      <a:lvl4pPr eaLnBrk="1" hangingPunct="1">
-        <a:defRPr kumimoji="1">
-          <a:solidFill>
-            <a:schemeClr val="tx2"/>
-          </a:solidFill>
-        </a:defRPr>
-      </a:lvl4pPr>
-      <a:lvl5pPr eaLnBrk="1" hangingPunct="1">
-        <a:defRPr kumimoji="1">
-          <a:solidFill>
-            <a:schemeClr val="tx2"/>
-          </a:solidFill>
-        </a:defRPr>
-      </a:lvl5pPr>
-      <a:lvl6pPr eaLnBrk="1" hangingPunct="1">
-        <a:defRPr kumimoji="1">
-          <a:solidFill>
-            <a:schemeClr val="tx2"/>
-          </a:solidFill>
-        </a:defRPr>
-      </a:lvl6pPr>
-      <a:lvl7pPr eaLnBrk="1" hangingPunct="1">
-        <a:defRPr kumimoji="1">
-          <a:solidFill>
-            <a:schemeClr val="tx2"/>
-          </a:solidFill>
-        </a:defRPr>
-      </a:lvl7pPr>
-      <a:lvl8pPr eaLnBrk="1" hangingPunct="1">
-        <a:defRPr kumimoji="1">
-          <a:solidFill>
-            <a:schemeClr val="tx2"/>
-          </a:solidFill>
-        </a:defRPr>
-      </a:lvl8pPr>
-      <a:lvl9pPr eaLnBrk="1" hangingPunct="1">
-        <a:defRPr kumimoji="1">
-          <a:solidFill>
-            <a:schemeClr val="tx2"/>
-          </a:solidFill>
-        </a:defRPr>
-      </a:lvl9pPr>
     </p:titleStyle>
     <p:bodyStyle>
-      <a:lvl1pPr marL="738081" indent="-590465" algn="l" defTabSz="2952323" rtl="0" eaLnBrk="1" latinLnBrk="0" hangingPunct="1">
+      <a:lvl1pPr marL="401010" indent="-401010" algn="l" defTabSz="1604040" rtl="0" eaLnBrk="1" latinLnBrk="0" hangingPunct="1">
+        <a:lnSpc>
+          <a:spcPct val="90000"/>
+        </a:lnSpc>
         <a:spcBef>
-          <a:spcPct val="20000"/>
+          <a:spcPts val="1754"/>
         </a:spcBef>
-        <a:spcAft>
-          <a:spcPts val="969"/>
-        </a:spcAft>
-        <a:buClr>
-          <a:schemeClr val="accent6">
-            <a:lumMod val="75000"/>
-          </a:schemeClr>
-        </a:buClr>
-        <a:buSzPct val="130000"/>
-        <a:buFont typeface="Georgia" pitchFamily="18" charset="0"/>
-        <a:buChar char="*"/>
-        <a:defRPr kumimoji="1" sz="7100" kern="1200">
+        <a:buFont typeface="Arial" panose="020B0604020202020204" pitchFamily="34" charset="0"/>
+        <a:buChar char="•"/>
+        <a:defRPr kumimoji="1" sz="4912" kern="1200">
           <a:solidFill>
-            <a:schemeClr val="tx1">
-              <a:lumMod val="75000"/>
-              <a:lumOff val="25000"/>
-            </a:schemeClr>
+            <a:schemeClr val="tx1"/>
           </a:solidFill>
           <a:latin typeface="+mn-lt"/>
           <a:ea typeface="+mn-ea"/>
           <a:cs typeface="+mn-cs"/>
         </a:defRPr>
       </a:lvl1pPr>
-      <a:lvl2pPr marL="1771394" indent="-590465" algn="l" defTabSz="2952323" rtl="0" eaLnBrk="1" latinLnBrk="0" hangingPunct="1">
+      <a:lvl2pPr marL="1203030" indent="-401010" algn="l" defTabSz="1604040" rtl="0" eaLnBrk="1" latinLnBrk="0" hangingPunct="1">
+        <a:lnSpc>
+          <a:spcPct val="90000"/>
+        </a:lnSpc>
         <a:spcBef>
-          <a:spcPct val="20000"/>
+          <a:spcPts val="877"/>
         </a:spcBef>
-        <a:spcAft>
-          <a:spcPts val="969"/>
-        </a:spcAft>
-        <a:buClr>
-          <a:schemeClr val="accent6">
-            <a:lumMod val="75000"/>
-          </a:schemeClr>
-        </a:buClr>
-        <a:buSzPct val="130000"/>
-        <a:buFont typeface="Georgia" pitchFamily="18" charset="0"/>
-        <a:buChar char="*"/>
-        <a:defRPr kumimoji="1" sz="6500" kern="1200">
+        <a:buFont typeface="Arial" panose="020B0604020202020204" pitchFamily="34" charset="0"/>
+        <a:buChar char="•"/>
+        <a:defRPr kumimoji="1" sz="4210" kern="1200">
           <a:solidFill>
-            <a:schemeClr val="tx1">
-              <a:lumMod val="75000"/>
-              <a:lumOff val="25000"/>
-            </a:schemeClr>
+            <a:schemeClr val="tx1"/>
           </a:solidFill>
           <a:latin typeface="+mn-lt"/>
           <a:ea typeface="+mn-ea"/>
           <a:cs typeface="+mn-cs"/>
         </a:defRPr>
       </a:lvl2pPr>
-      <a:lvl3pPr marL="2657091" indent="-590465" algn="l" defTabSz="2952323" rtl="0" eaLnBrk="1" latinLnBrk="0" hangingPunct="1">
+      <a:lvl3pPr marL="2005051" indent="-401010" algn="l" defTabSz="1604040" rtl="0" eaLnBrk="1" latinLnBrk="0" hangingPunct="1">
+        <a:lnSpc>
+          <a:spcPct val="90000"/>
+        </a:lnSpc>
         <a:spcBef>
-          <a:spcPct val="20000"/>
+          <a:spcPts val="877"/>
         </a:spcBef>
-        <a:spcAft>
-          <a:spcPts val="969"/>
-        </a:spcAft>
-        <a:buClr>
-          <a:schemeClr val="accent6">
-            <a:lumMod val="75000"/>
-          </a:schemeClr>
-        </a:buClr>
-        <a:buSzPct val="130000"/>
-        <a:buFont typeface="Georgia" pitchFamily="18" charset="0"/>
-        <a:buChar char="*"/>
-        <a:defRPr kumimoji="1" sz="5800" kern="1200">
+        <a:buFont typeface="Arial" panose="020B0604020202020204" pitchFamily="34" charset="0"/>
+        <a:buChar char="•"/>
+        <a:defRPr kumimoji="1" sz="3508" kern="1200">
           <a:solidFill>
-            <a:schemeClr val="tx1">
-              <a:lumMod val="75000"/>
-              <a:lumOff val="25000"/>
-            </a:schemeClr>
+            <a:schemeClr val="tx1"/>
           </a:solidFill>
           <a:latin typeface="+mn-lt"/>
           <a:ea typeface="+mn-ea"/>
           <a:cs typeface="+mn-cs"/>
         </a:defRPr>
       </a:lvl3pPr>
-      <a:lvl4pPr marL="3542788" indent="-590465" algn="l" defTabSz="2952323" rtl="0" eaLnBrk="1" latinLnBrk="0" hangingPunct="1">
+      <a:lvl4pPr marL="2807071" indent="-401010" algn="l" defTabSz="1604040" rtl="0" eaLnBrk="1" latinLnBrk="0" hangingPunct="1">
+        <a:lnSpc>
+          <a:spcPct val="90000"/>
+        </a:lnSpc>
         <a:spcBef>
-          <a:spcPct val="20000"/>
+          <a:spcPts val="877"/>
         </a:spcBef>
-        <a:spcAft>
-          <a:spcPts val="969"/>
-        </a:spcAft>
-        <a:buClr>
-          <a:schemeClr val="accent6">
-            <a:lumMod val="75000"/>
-          </a:schemeClr>
-        </a:buClr>
-        <a:buSzPct val="130000"/>
-        <a:buFont typeface="Georgia" pitchFamily="18" charset="0"/>
-        <a:buChar char="*"/>
-        <a:defRPr kumimoji="1" sz="5200" kern="1200">
+        <a:buFont typeface="Arial" panose="020B0604020202020204" pitchFamily="34" charset="0"/>
+        <a:buChar char="•"/>
+        <a:defRPr kumimoji="1" sz="3158" kern="1200">
           <a:solidFill>
-            <a:schemeClr val="tx1">
-              <a:lumMod val="75000"/>
-              <a:lumOff val="25000"/>
-            </a:schemeClr>
+            <a:schemeClr val="tx1"/>
           </a:solidFill>
           <a:latin typeface="+mn-lt"/>
           <a:ea typeface="+mn-ea"/>
           <a:cs typeface="+mn-cs"/>
         </a:defRPr>
       </a:lvl4pPr>
-      <a:lvl5pPr marL="4487531" indent="-590465" algn="l" defTabSz="2952323" rtl="0" eaLnBrk="1" latinLnBrk="0" hangingPunct="1">
+      <a:lvl5pPr marL="3609091" indent="-401010" algn="l" defTabSz="1604040" rtl="0" eaLnBrk="1" latinLnBrk="0" hangingPunct="1">
+        <a:lnSpc>
+          <a:spcPct val="90000"/>
+        </a:lnSpc>
         <a:spcBef>
-          <a:spcPct val="20000"/>
+          <a:spcPts val="877"/>
         </a:spcBef>
-        <a:spcAft>
-          <a:spcPts val="969"/>
-        </a:spcAft>
-        <a:buClr>
-          <a:schemeClr val="accent6">
-            <a:lumMod val="75000"/>
-          </a:schemeClr>
-        </a:buClr>
-        <a:buSzPct val="130000"/>
-        <a:buFont typeface="Georgia" pitchFamily="18" charset="0"/>
-        <a:buChar char="*"/>
-        <a:defRPr kumimoji="1" sz="4500" kern="1200">
+        <a:buFont typeface="Arial" panose="020B0604020202020204" pitchFamily="34" charset="0"/>
+        <a:buChar char="•"/>
+        <a:defRPr kumimoji="1" sz="3158" kern="1200">
           <a:solidFill>
-            <a:schemeClr val="tx1">
-              <a:lumMod val="75000"/>
-              <a:lumOff val="25000"/>
-            </a:schemeClr>
+            <a:schemeClr val="tx1"/>
           </a:solidFill>
           <a:latin typeface="+mn-lt"/>
           <a:ea typeface="+mn-ea"/>
           <a:cs typeface="+mn-cs"/>
         </a:defRPr>
       </a:lvl5pPr>
-      <a:lvl6pPr marL="5373228" indent="-590465" algn="l" defTabSz="2952323" rtl="0" eaLnBrk="1" latinLnBrk="0" hangingPunct="1">
+      <a:lvl6pPr marL="4411111" indent="-401010" algn="l" defTabSz="1604040" rtl="0" eaLnBrk="1" latinLnBrk="0" hangingPunct="1">
+        <a:lnSpc>
+          <a:spcPct val="90000"/>
+        </a:lnSpc>
         <a:spcBef>
-          <a:spcPct val="20000"/>
+          <a:spcPts val="877"/>
         </a:spcBef>
-        <a:spcAft>
-          <a:spcPts val="969"/>
-        </a:spcAft>
-        <a:buClr>
-          <a:schemeClr val="accent6">
-            <a:lumMod val="75000"/>
-          </a:schemeClr>
-        </a:buClr>
-        <a:buSzPct val="130000"/>
-        <a:buFont typeface="Georgia" pitchFamily="18" charset="0"/>
-        <a:buChar char="*"/>
-        <a:defRPr kumimoji="1" sz="4500" kern="1200">
+        <a:buFont typeface="Arial" panose="020B0604020202020204" pitchFamily="34" charset="0"/>
+        <a:buChar char="•"/>
+        <a:defRPr kumimoji="1" sz="3158" kern="1200">
           <a:solidFill>
-            <a:schemeClr val="tx1">
-              <a:lumMod val="75000"/>
-              <a:lumOff val="25000"/>
-            </a:schemeClr>
+            <a:schemeClr val="tx1"/>
           </a:solidFill>
           <a:latin typeface="+mn-lt"/>
           <a:ea typeface="+mn-ea"/>
           <a:cs typeface="+mn-cs"/>
         </a:defRPr>
       </a:lvl6pPr>
-      <a:lvl7pPr marL="6347495" indent="-590465" algn="l" defTabSz="2952323" rtl="0" eaLnBrk="1" latinLnBrk="0" hangingPunct="1">
+      <a:lvl7pPr marL="5213132" indent="-401010" algn="l" defTabSz="1604040" rtl="0" eaLnBrk="1" latinLnBrk="0" hangingPunct="1">
+        <a:lnSpc>
+          <a:spcPct val="90000"/>
+        </a:lnSpc>
         <a:spcBef>
-          <a:spcPct val="20000"/>
+          <a:spcPts val="877"/>
         </a:spcBef>
-        <a:spcAft>
-          <a:spcPts val="969"/>
-        </a:spcAft>
-        <a:buClr>
-          <a:schemeClr val="accent6">
-            <a:lumMod val="75000"/>
-          </a:schemeClr>
-        </a:buClr>
-        <a:buSzPct val="130000"/>
-        <a:buFont typeface="Georgia" pitchFamily="18" charset="0"/>
-        <a:buChar char="*"/>
-        <a:defRPr kumimoji="1" sz="4500" kern="1200">
+        <a:buFont typeface="Arial" panose="020B0604020202020204" pitchFamily="34" charset="0"/>
+        <a:buChar char="•"/>
+        <a:defRPr kumimoji="1" sz="3158" kern="1200">
           <a:solidFill>
-            <a:schemeClr val="tx1">
-              <a:lumMod val="75000"/>
-              <a:lumOff val="25000"/>
-            </a:schemeClr>
+            <a:schemeClr val="tx1"/>
           </a:solidFill>
           <a:latin typeface="+mn-lt"/>
           <a:ea typeface="+mn-ea"/>
           <a:cs typeface="+mn-cs"/>
         </a:defRPr>
       </a:lvl7pPr>
-      <a:lvl8pPr marL="7380808" indent="-590465" algn="l" defTabSz="2952323" rtl="0" eaLnBrk="1" latinLnBrk="0" hangingPunct="1">
+      <a:lvl8pPr marL="6015152" indent="-401010" algn="l" defTabSz="1604040" rtl="0" eaLnBrk="1" latinLnBrk="0" hangingPunct="1">
+        <a:lnSpc>
+          <a:spcPct val="90000"/>
+        </a:lnSpc>
         <a:spcBef>
-          <a:spcPct val="20000"/>
+          <a:spcPts val="877"/>
         </a:spcBef>
-        <a:spcAft>
-          <a:spcPts val="969"/>
-        </a:spcAft>
-        <a:buClr>
-          <a:schemeClr val="accent6">
-            <a:lumMod val="75000"/>
-          </a:schemeClr>
-        </a:buClr>
-        <a:buSzPct val="130000"/>
-        <a:buFont typeface="Georgia" pitchFamily="18" charset="0"/>
-        <a:buChar char="*"/>
-        <a:defRPr kumimoji="1" sz="4500" kern="1200">
+        <a:buFont typeface="Arial" panose="020B0604020202020204" pitchFamily="34" charset="0"/>
+        <a:buChar char="•"/>
+        <a:defRPr kumimoji="1" sz="3158" kern="1200">
           <a:solidFill>
-            <a:schemeClr val="tx1">
-              <a:lumMod val="75000"/>
-              <a:lumOff val="25000"/>
-            </a:schemeClr>
+            <a:schemeClr val="tx1"/>
           </a:solidFill>
           <a:latin typeface="+mn-lt"/>
           <a:ea typeface="+mn-ea"/>
           <a:cs typeface="+mn-cs"/>
         </a:defRPr>
       </a:lvl8pPr>
-      <a:lvl9pPr marL="8355075" indent="-590465" algn="l" defTabSz="2952323" rtl="0" eaLnBrk="1" latinLnBrk="0" hangingPunct="1">
+      <a:lvl9pPr marL="6817172" indent="-401010" algn="l" defTabSz="1604040" rtl="0" eaLnBrk="1" latinLnBrk="0" hangingPunct="1">
+        <a:lnSpc>
+          <a:spcPct val="90000"/>
+        </a:lnSpc>
         <a:spcBef>
-          <a:spcPct val="20000"/>
+          <a:spcPts val="877"/>
         </a:spcBef>
-        <a:spcAft>
-          <a:spcPts val="969"/>
-        </a:spcAft>
-        <a:buClr>
-          <a:schemeClr val="accent6">
-            <a:lumMod val="75000"/>
-          </a:schemeClr>
-        </a:buClr>
-        <a:buSzPct val="130000"/>
-        <a:buFont typeface="Georgia" pitchFamily="18" charset="0"/>
-        <a:buChar char="*"/>
-        <a:defRPr kumimoji="1" sz="4500" kern="1200">
+        <a:buFont typeface="Arial" panose="020B0604020202020204" pitchFamily="34" charset="0"/>
+        <a:buChar char="•"/>
+        <a:defRPr kumimoji="1" sz="3158" kern="1200">
           <a:solidFill>
-            <a:schemeClr val="tx1">
-              <a:lumMod val="75000"/>
-              <a:lumOff val="25000"/>
-            </a:schemeClr>
+            <a:schemeClr val="tx1"/>
           </a:solidFill>
           <a:latin typeface="+mn-lt"/>
           <a:ea typeface="+mn-ea"/>
@@ -5120,10 +3626,10 @@
     </p:bodyStyle>
     <p:otherStyle>
       <a:defPPr>
-        <a:defRPr lang="en-US"/>
+        <a:defRPr lang="ja-JP"/>
       </a:defPPr>
-      <a:lvl1pPr marL="0" algn="l" defTabSz="2952323" rtl="0" eaLnBrk="1" latinLnBrk="0" hangingPunct="1">
-        <a:defRPr kumimoji="1" sz="5800" kern="1200">
+      <a:lvl1pPr marL="0" algn="l" defTabSz="1604040" rtl="0" eaLnBrk="1" latinLnBrk="0" hangingPunct="1">
+        <a:defRPr kumimoji="1" sz="3158" kern="1200">
           <a:solidFill>
             <a:schemeClr val="tx1"/>
           </a:solidFill>
@@ -5132,8 +3638,8 @@
           <a:cs typeface="+mn-cs"/>
         </a:defRPr>
       </a:lvl1pPr>
-      <a:lvl2pPr marL="1476162" algn="l" defTabSz="2952323" rtl="0" eaLnBrk="1" latinLnBrk="0" hangingPunct="1">
-        <a:defRPr kumimoji="1" sz="5800" kern="1200">
+      <a:lvl2pPr marL="802020" algn="l" defTabSz="1604040" rtl="0" eaLnBrk="1" latinLnBrk="0" hangingPunct="1">
+        <a:defRPr kumimoji="1" sz="3158" kern="1200">
           <a:solidFill>
             <a:schemeClr val="tx1"/>
           </a:solidFill>
@@ -5142,8 +3648,8 @@
           <a:cs typeface="+mn-cs"/>
         </a:defRPr>
       </a:lvl2pPr>
-      <a:lvl3pPr marL="2952323" algn="l" defTabSz="2952323" rtl="0" eaLnBrk="1" latinLnBrk="0" hangingPunct="1">
-        <a:defRPr kumimoji="1" sz="5800" kern="1200">
+      <a:lvl3pPr marL="1604040" algn="l" defTabSz="1604040" rtl="0" eaLnBrk="1" latinLnBrk="0" hangingPunct="1">
+        <a:defRPr kumimoji="1" sz="3158" kern="1200">
           <a:solidFill>
             <a:schemeClr val="tx1"/>
           </a:solidFill>
@@ -5152,8 +3658,8 @@
           <a:cs typeface="+mn-cs"/>
         </a:defRPr>
       </a:lvl3pPr>
-      <a:lvl4pPr marL="4428485" algn="l" defTabSz="2952323" rtl="0" eaLnBrk="1" latinLnBrk="0" hangingPunct="1">
-        <a:defRPr kumimoji="1" sz="5800" kern="1200">
+      <a:lvl4pPr marL="2406061" algn="l" defTabSz="1604040" rtl="0" eaLnBrk="1" latinLnBrk="0" hangingPunct="1">
+        <a:defRPr kumimoji="1" sz="3158" kern="1200">
           <a:solidFill>
             <a:schemeClr val="tx1"/>
           </a:solidFill>
@@ -5162,8 +3668,8 @@
           <a:cs typeface="+mn-cs"/>
         </a:defRPr>
       </a:lvl4pPr>
-      <a:lvl5pPr marL="5904647" algn="l" defTabSz="2952323" rtl="0" eaLnBrk="1" latinLnBrk="0" hangingPunct="1">
-        <a:defRPr kumimoji="1" sz="5800" kern="1200">
+      <a:lvl5pPr marL="3208081" algn="l" defTabSz="1604040" rtl="0" eaLnBrk="1" latinLnBrk="0" hangingPunct="1">
+        <a:defRPr kumimoji="1" sz="3158" kern="1200">
           <a:solidFill>
             <a:schemeClr val="tx1"/>
           </a:solidFill>
@@ -5172,8 +3678,8 @@
           <a:cs typeface="+mn-cs"/>
         </a:defRPr>
       </a:lvl5pPr>
-      <a:lvl6pPr marL="7380808" algn="l" defTabSz="2952323" rtl="0" eaLnBrk="1" latinLnBrk="0" hangingPunct="1">
-        <a:defRPr kumimoji="1" sz="5800" kern="1200">
+      <a:lvl6pPr marL="4010101" algn="l" defTabSz="1604040" rtl="0" eaLnBrk="1" latinLnBrk="0" hangingPunct="1">
+        <a:defRPr kumimoji="1" sz="3158" kern="1200">
           <a:solidFill>
             <a:schemeClr val="tx1"/>
           </a:solidFill>
@@ -5182,8 +3688,8 @@
           <a:cs typeface="+mn-cs"/>
         </a:defRPr>
       </a:lvl6pPr>
-      <a:lvl7pPr marL="8856970" algn="l" defTabSz="2952323" rtl="0" eaLnBrk="1" latinLnBrk="0" hangingPunct="1">
-        <a:defRPr kumimoji="1" sz="5800" kern="1200">
+      <a:lvl7pPr marL="4812121" algn="l" defTabSz="1604040" rtl="0" eaLnBrk="1" latinLnBrk="0" hangingPunct="1">
+        <a:defRPr kumimoji="1" sz="3158" kern="1200">
           <a:solidFill>
             <a:schemeClr val="tx1"/>
           </a:solidFill>
@@ -5192,8 +3698,8 @@
           <a:cs typeface="+mn-cs"/>
         </a:defRPr>
       </a:lvl7pPr>
-      <a:lvl8pPr marL="10333131" algn="l" defTabSz="2952323" rtl="0" eaLnBrk="1" latinLnBrk="0" hangingPunct="1">
-        <a:defRPr kumimoji="1" sz="5800" kern="1200">
+      <a:lvl8pPr marL="5614142" algn="l" defTabSz="1604040" rtl="0" eaLnBrk="1" latinLnBrk="0" hangingPunct="1">
+        <a:defRPr kumimoji="1" sz="3158" kern="1200">
           <a:solidFill>
             <a:schemeClr val="tx1"/>
           </a:solidFill>
@@ -5202,8 +3708,8 @@
           <a:cs typeface="+mn-cs"/>
         </a:defRPr>
       </a:lvl8pPr>
-      <a:lvl9pPr marL="11809293" algn="l" defTabSz="2952323" rtl="0" eaLnBrk="1" latinLnBrk="0" hangingPunct="1">
-        <a:defRPr kumimoji="1" sz="5800" kern="1200">
+      <a:lvl9pPr marL="6416162" algn="l" defTabSz="1604040" rtl="0" eaLnBrk="1" latinLnBrk="0" hangingPunct="1">
+        <a:defRPr kumimoji="1" sz="3158" kern="1200">
           <a:solidFill>
             <a:schemeClr val="tx1"/>
           </a:solidFill>
@@ -5350,10 +3856,7 @@
           <a:p>
             <a:pPr algn="ctr"/>
             <a:r>
-              <a:rPr lang="en-US" altLang="ja-JP" sz="6600" kern="0" dirty="0" smtClean="0">
-                <a:solidFill>
-                  <a:srgbClr val="975C1E"/>
-                </a:solidFill>
+              <a:rPr lang="ja-JP" altLang="en-US" sz="6600" kern="0" dirty="0" smtClean="0">
                 <a:effectLst>
                   <a:glow rad="101600">
                     <a:srgbClr val="FFE880">
@@ -5361,22 +3864,14 @@
                       <a:alpha val="60000"/>
                     </a:srgbClr>
                   </a:glow>
-                  <a:outerShdw blurRad="50800" dist="50800" dir="2700000" algn="tl" rotWithShape="0">
-                    <a:srgbClr val="000000">
-                      <a:alpha val="43137"/>
-                    </a:srgbClr>
-                  </a:outerShdw>
                 </a:effectLst>
                 <a:latin typeface="Bookman Old Style"/>
                 <a:ea typeface="HG明朝E"/>
               </a:rPr>
-              <a:t>Wikipedia</a:t>
-            </a:r>
-            <a:r>
-              <a:rPr lang="ja-JP" altLang="en-US" sz="6600" kern="0" dirty="0" smtClean="0">
-                <a:solidFill>
-                  <a:srgbClr val="975C1E"/>
-                </a:solidFill>
+              <a:t>ビッグデータ処理技術を用いた</a:t>
+            </a:r>
+            <a:r>
+              <a:rPr lang="en-US" altLang="ja-JP" sz="6600" kern="0" dirty="0" smtClean="0">
                 <a:effectLst>
                   <a:glow rad="101600">
                     <a:srgbClr val="FFE880">
@@ -5384,18 +3879,37 @@
                       <a:alpha val="60000"/>
                     </a:srgbClr>
                   </a:glow>
-                  <a:outerShdw blurRad="50800" dist="50800" dir="2700000" algn="tl" rotWithShape="0">
-                    <a:srgbClr val="000000">
-                      <a:alpha val="43137"/>
-                    </a:srgbClr>
-                  </a:outerShdw>
                 </a:effectLst>
                 <a:latin typeface="Bookman Old Style"/>
                 <a:ea typeface="HG明朝E"/>
               </a:rPr>
-              <a:t>の履歴データ解析</a:t>
-            </a:r>
-            <a:endParaRPr lang="ja-JP" altLang="en-US" sz="6600" dirty="0"/>
+              <a:t>Wikipedia</a:t>
+            </a:r>
+            <a:r>
+              <a:rPr lang="ja-JP" altLang="en-US" sz="6600" kern="0" dirty="0" smtClean="0">
+                <a:effectLst>
+                  <a:glow rad="101600">
+                    <a:srgbClr val="FFE880">
+                      <a:tint val="20000"/>
+                      <a:alpha val="60000"/>
+                    </a:srgbClr>
+                  </a:glow>
+                </a:effectLst>
+                <a:latin typeface="Bookman Old Style"/>
+                <a:ea typeface="HG明朝E"/>
+              </a:rPr>
+              <a:t>マイニング</a:t>
+            </a:r>
+            <a:endParaRPr lang="ja-JP" altLang="en-US" sz="6600" dirty="0">
+              <a:effectLst>
+                <a:glow rad="101600">
+                  <a:srgbClr val="FFE880">
+                    <a:tint val="20000"/>
+                    <a:alpha val="60000"/>
+                  </a:srgbClr>
+                </a:glow>
+              </a:effectLst>
+            </a:endParaRPr>
           </a:p>
         </p:txBody>
       </p:sp>
@@ -5473,7 +3987,9 @@
             <a:schemeClr val="bg1"/>
           </a:solidFill>
           <a:ln>
-            <a:noFill/>
+            <a:solidFill>
+              <a:schemeClr val="accent1"/>
+            </a:solidFill>
           </a:ln>
         </p:spPr>
         <p:style>
@@ -5496,7 +4012,6 @@
           <a:bodyPr lIns="295232" tIns="147616" rIns="295232" bIns="147616" rtlCol="0" anchor="ctr"/>
           <a:lstStyle/>
           <a:p>
-            <a:pPr algn="ctr"/>
             <a:r>
               <a:rPr kumimoji="1" lang="en-US" altLang="ja-JP" sz="3600" dirty="0" smtClean="0">
                 <a:solidFill>
@@ -5523,7 +4038,6 @@
             </a:endParaRPr>
           </a:p>
           <a:p>
-            <a:pPr algn="ctr"/>
             <a:r>
               <a:rPr kumimoji="1" lang="ja-JP" altLang="en-US" sz="3600" dirty="0" smtClean="0">
                 <a:solidFill>
@@ -5541,7 +4055,6 @@
             </a:endParaRPr>
           </a:p>
           <a:p>
-            <a:pPr algn="ctr"/>
             <a:r>
               <a:rPr kumimoji="1" lang="ja-JP" altLang="en-US" sz="3600" dirty="0" smtClean="0">
                 <a:solidFill>
@@ -5608,7 +4121,9 @@
             <a:schemeClr val="bg1"/>
           </a:solidFill>
           <a:ln>
-            <a:noFill/>
+            <a:solidFill>
+              <a:schemeClr val="accent1"/>
+            </a:solidFill>
           </a:ln>
         </p:spPr>
         <p:style>
@@ -5631,7 +4146,6 @@
           <a:bodyPr lIns="295232" tIns="147616" rIns="295232" bIns="147616" rtlCol="0" anchor="ctr"/>
           <a:lstStyle/>
           <a:p>
-            <a:pPr algn="ctr"/>
             <a:r>
               <a:rPr lang="ja-JP" altLang="en-US" sz="3600" dirty="0" smtClean="0">
                 <a:solidFill>
@@ -5649,7 +4163,6 @@
             </a:endParaRPr>
           </a:p>
           <a:p>
-            <a:pPr algn="ctr"/>
             <a:r>
               <a:rPr lang="ja-JP" altLang="en-US" sz="3600" dirty="0" smtClean="0">
                 <a:solidFill>
@@ -5667,7 +4180,6 @@
             </a:endParaRPr>
           </a:p>
           <a:p>
-            <a:pPr algn="ctr"/>
             <a:r>
               <a:rPr lang="ja-JP" altLang="en-US" sz="3600" dirty="0" smtClean="0">
                 <a:solidFill>
@@ -5705,7 +4217,7 @@
           </a:solidFill>
           <a:ln>
             <a:solidFill>
-              <a:schemeClr val="bg1"/>
+              <a:schemeClr val="accent1"/>
             </a:solidFill>
           </a:ln>
         </p:spPr>
@@ -6013,7 +4525,7 @@
           </a:solidFill>
           <a:ln>
             <a:solidFill>
-              <a:schemeClr val="bg1"/>
+              <a:schemeClr val="accent1"/>
             </a:solidFill>
           </a:ln>
         </p:spPr>
@@ -6291,7 +4803,7 @@
           </a:solidFill>
           <a:ln>
             <a:solidFill>
-              <a:schemeClr val="bg1"/>
+              <a:schemeClr val="accent1"/>
             </a:solidFill>
           </a:ln>
         </p:spPr>
@@ -6351,40 +4863,13 @@
               <a:t>引き続き</a:t>
             </a:r>
             <a:r>
-              <a:rPr lang="en-US" altLang="ja-JP" sz="3600" dirty="0" smtClean="0">
+              <a:rPr lang="en-US" altLang="ja-JP" sz="3600" dirty="0" err="1" smtClean="0">
                 <a:solidFill>
                   <a:schemeClr val="tx1"/>
                 </a:solidFill>
                 <a:latin typeface="+mn-ea"/>
               </a:rPr>
               <a:t>BigQuery</a:t>
-            </a:r>
-            <a:r>
-              <a:rPr lang="ja-JP" altLang="en-US" sz="3600" dirty="0">
-                <a:solidFill>
-                  <a:schemeClr val="tx1"/>
-                </a:solidFill>
-                <a:latin typeface="+mn-ea"/>
-              </a:rPr>
-              <a:t>，</a:t>
-            </a:r>
-            <a:r>
-              <a:rPr lang="ja-JP" altLang="en-US" sz="3600" dirty="0" smtClean="0">
-                <a:solidFill>
-                  <a:schemeClr val="tx1"/>
-                </a:solidFill>
-                <a:latin typeface="+mn-ea"/>
-              </a:rPr>
-              <a:t>または</a:t>
-            </a:r>
-            <a:r>
-              <a:rPr lang="en-US" altLang="ja-JP" sz="3600" dirty="0" smtClean="0">
-                <a:solidFill>
-                  <a:schemeClr val="tx1"/>
-                </a:solidFill>
-                <a:latin typeface="+mn-ea"/>
-              </a:rPr>
-              <a:t>API</a:t>
             </a:r>
             <a:r>
               <a:rPr lang="ja-JP" altLang="en-US" sz="3600" dirty="0" smtClean="0">
@@ -6488,7 +4973,9 @@
             <a:schemeClr val="bg1"/>
           </a:solidFill>
           <a:ln>
-            <a:noFill/>
+            <a:solidFill>
+              <a:schemeClr val="accent1"/>
+            </a:solidFill>
           </a:ln>
         </p:spPr>
         <p:style>
@@ -6556,13 +5043,22 @@
           </a:p>
           <a:p>
             <a:r>
+              <a:rPr kumimoji="1" lang="ja-JP" altLang="en-US" sz="3600" smtClean="0">
+                <a:solidFill>
+                  <a:schemeClr val="tx1"/>
+                </a:solidFill>
+                <a:latin typeface="+mn-ea"/>
+              </a:rPr>
+              <a:t>これを調査</a:t>
+            </a:r>
+            <a:r>
               <a:rPr kumimoji="1" lang="ja-JP" altLang="en-US" sz="3600" dirty="0" smtClean="0">
                 <a:solidFill>
                   <a:schemeClr val="tx1"/>
                 </a:solidFill>
                 <a:latin typeface="+mn-ea"/>
               </a:rPr>
-              <a:t>調査することによりオープンなプロジェクトでのマネジメントについての知見が得られることが期待できる．</a:t>
+              <a:t>することによりオープンなプロジェクトでのマネジメントについての知見が得られることが期待できる．</a:t>
             </a:r>
             <a:endParaRPr kumimoji="1" lang="ja-JP" altLang="en-US" sz="3600" dirty="0">
               <a:solidFill>
@@ -6806,7 +5302,9 @@
             <a:schemeClr val="bg1"/>
           </a:solidFill>
           <a:ln>
-            <a:noFill/>
+            <a:solidFill>
+              <a:schemeClr val="accent1"/>
+            </a:solidFill>
           </a:ln>
         </p:spPr>
         <p:style>
@@ -6928,7 +5426,9 @@
             <a:schemeClr val="bg1"/>
           </a:solidFill>
           <a:ln>
-            <a:noFill/>
+            <a:solidFill>
+              <a:schemeClr val="accent1"/>
+            </a:solidFill>
           </a:ln>
         </p:spPr>
         <p:style>
@@ -7217,7 +5717,9 @@
             <a:schemeClr val="bg1"/>
           </a:solidFill>
           <a:ln>
-            <a:noFill/>
+            <a:solidFill>
+              <a:schemeClr val="accent1"/>
+            </a:solidFill>
           </a:ln>
         </p:spPr>
         <p:style>
@@ -7274,43 +5776,7 @@
                 </a:solidFill>
                 <a:latin typeface="+mn-ea"/>
               </a:rPr>
-              <a:t>のサービス）</a:t>
-            </a:r>
-            <a:r>
-              <a:rPr lang="ja-JP" altLang="en-US" sz="3600" smtClean="0">
-                <a:solidFill>
-                  <a:schemeClr val="tx1"/>
-                </a:solidFill>
-                <a:latin typeface="+mn-ea"/>
-              </a:rPr>
-              <a:t>を</a:t>
-            </a:r>
-            <a:r>
-              <a:rPr lang="ja-JP" altLang="en-US" sz="3600" smtClean="0">
-                <a:solidFill>
-                  <a:schemeClr val="tx1"/>
-                </a:solidFill>
-                <a:latin typeface="+mn-ea"/>
-              </a:rPr>
-              <a:t>用い</a:t>
-            </a:r>
-            <a:r>
-              <a:rPr lang="ja-JP" altLang="en-US" sz="3600">
-                <a:solidFill>
-                  <a:schemeClr val="tx1"/>
-                </a:solidFill>
-                <a:latin typeface="+mn-ea"/>
-              </a:rPr>
-              <a:t>る</a:t>
-            </a:r>
-            <a:r>
-              <a:rPr lang="ja-JP" altLang="en-US" sz="3600" smtClean="0">
-                <a:solidFill>
-                  <a:schemeClr val="tx1"/>
-                </a:solidFill>
-                <a:latin typeface="+mn-ea"/>
-              </a:rPr>
-              <a:t>．</a:t>
+              <a:t>のサービス）を用いて調査する．</a:t>
             </a:r>
             <a:endParaRPr kumimoji="1" lang="ja-JP" altLang="en-US" sz="3600" dirty="0">
               <a:solidFill>
@@ -7339,7 +5805,9 @@
             <a:schemeClr val="bg1"/>
           </a:solidFill>
           <a:ln>
-            <a:noFill/>
+            <a:solidFill>
+              <a:schemeClr val="accent1"/>
+            </a:solidFill>
           </a:ln>
         </p:spPr>
         <p:style>
@@ -7427,7 +5895,7 @@
         </p:nvSpPr>
         <p:spPr>
           <a:xfrm>
-            <a:off x="7664932" y="24884161"/>
+            <a:off x="7600058" y="25008931"/>
             <a:ext cx="4699315" cy="1488943"/>
           </a:xfrm>
           <a:prstGeom prst="roundRect">
@@ -7523,7 +5991,9 @@
             <a:schemeClr val="bg1"/>
           </a:solidFill>
           <a:ln>
-            <a:noFill/>
+            <a:solidFill>
+              <a:schemeClr val="accent1"/>
+            </a:solidFill>
           </a:ln>
         </p:spPr>
         <p:style>
@@ -7566,8 +6036,8 @@
         </p:nvSpPr>
         <p:spPr>
           <a:xfrm>
-            <a:off x="15757330" y="8831652"/>
-            <a:ext cx="4699315" cy="1488943"/>
+            <a:off x="15770426" y="8944159"/>
+            <a:ext cx="4699315" cy="1311537"/>
           </a:xfrm>
           <a:prstGeom prst="roundRect">
             <a:avLst/>
@@ -7671,9 +6141,9 @@
 </file>
 
 <file path=ppt/theme/theme1.xml><?xml version="1.0" encoding="utf-8"?>
-<a:theme xmlns:a="http://schemas.openxmlformats.org/drawingml/2006/main" name="スリップストリーム">
+<a:theme xmlns:a="http://schemas.openxmlformats.org/drawingml/2006/main" name="Office テーマ">
   <a:themeElements>
-    <a:clrScheme name="スリップストリーム">
+    <a:clrScheme name="Office">
       <a:dk1>
         <a:sysClr val="windowText" lastClr="000000"/>
       </a:dk1>
@@ -7681,52 +6151,52 @@
         <a:sysClr val="window" lastClr="FFFFFF"/>
       </a:lt1>
       <a:dk2>
-        <a:srgbClr val="212745"/>
+        <a:srgbClr val="44546A"/>
       </a:dk2>
       <a:lt2>
-        <a:srgbClr val="B4DCFA"/>
+        <a:srgbClr val="E7E6E6"/>
       </a:lt2>
       <a:accent1>
-        <a:srgbClr val="4E67C8"/>
+        <a:srgbClr val="5B9BD5"/>
       </a:accent1>
       <a:accent2>
-        <a:srgbClr val="5ECCF3"/>
+        <a:srgbClr val="ED7D31"/>
       </a:accent2>
       <a:accent3>
-        <a:srgbClr val="A7EA52"/>
+        <a:srgbClr val="A5A5A5"/>
       </a:accent3>
       <a:accent4>
-        <a:srgbClr val="5DCEAF"/>
+        <a:srgbClr val="FFC000"/>
       </a:accent4>
       <a:accent5>
-        <a:srgbClr val="FF8021"/>
+        <a:srgbClr val="4472C4"/>
       </a:accent5>
       <a:accent6>
-        <a:srgbClr val="F14124"/>
+        <a:srgbClr val="70AD47"/>
       </a:accent6>
       <a:hlink>
-        <a:srgbClr val="56C7AA"/>
+        <a:srgbClr val="0563C1"/>
       </a:hlink>
       <a:folHlink>
-        <a:srgbClr val="59A8D1"/>
+        <a:srgbClr val="954F72"/>
       </a:folHlink>
     </a:clrScheme>
-    <a:fontScheme name="スリップストリーム">
+    <a:fontScheme name="Office">
       <a:majorFont>
-        <a:latin typeface="Trebuchet MS"/>
+        <a:latin typeface="Calibri Light" panose="020F0302020204030204"/>
         <a:ea typeface=""/>
         <a:cs typeface=""/>
-        <a:font script="Jpan" typeface="HGｺﾞｼｯｸM"/>
-        <a:font script="Hang" typeface="HY그래픽B"/>
-        <a:font script="Hans" typeface="方正姚体"/>
-        <a:font script="Hant" typeface="微軟正黑體"/>
-        <a:font script="Arab" typeface="Tahoma"/>
-        <a:font script="Hebr" typeface="Gisha"/>
-        <a:font script="Thai" typeface="IrisUPC"/>
+        <a:font script="Jpan" typeface="ＭＳ Ｐゴシック"/>
+        <a:font script="Hang" typeface="맑은 고딕"/>
+        <a:font script="Hans" typeface="宋体"/>
+        <a:font script="Hant" typeface="新細明體"/>
+        <a:font script="Arab" typeface="Times New Roman"/>
+        <a:font script="Hebr" typeface="Times New Roman"/>
+        <a:font script="Thai" typeface="Angsana New"/>
         <a:font script="Ethi" typeface="Nyala"/>
         <a:font script="Beng" typeface="Vrinda"/>
         <a:font script="Gujr" typeface="Shruti"/>
-        <a:font script="Khmr" typeface="DaunPenh"/>
+        <a:font script="Khmr" typeface="MoolBoran"/>
         <a:font script="Knda" typeface="Tunga"/>
         <a:font script="Guru" typeface="Raavi"/>
         <a:font script="Cans" typeface="Euphemia"/>
@@ -7743,21 +6213,21 @@
         <a:font script="Laoo" typeface="DokChampa"/>
         <a:font script="Sinh" typeface="Iskoola Pota"/>
         <a:font script="Mong" typeface="Mongolian Baiti"/>
-        <a:font script="Viet" typeface="Tahoma"/>
+        <a:font script="Viet" typeface="Times New Roman"/>
         <a:font script="Uigh" typeface="Microsoft Uighur"/>
         <a:font script="Geor" typeface="Sylfaen"/>
       </a:majorFont>
       <a:minorFont>
-        <a:latin typeface="Trebuchet MS"/>
+        <a:latin typeface="Calibri" panose="020F0502020204030204"/>
         <a:ea typeface=""/>
         <a:cs typeface=""/>
-        <a:font script="Jpan" typeface="HGｺﾞｼｯｸM"/>
-        <a:font script="Hang" typeface="HY그래픽M"/>
-        <a:font script="Hans" typeface="方正姚体"/>
-        <a:font script="Hant" typeface="微軟正黑體"/>
-        <a:font script="Arab" typeface="Tahoma"/>
-        <a:font script="Hebr" typeface="Gisha"/>
-        <a:font script="Thai" typeface="IrisUPC"/>
+        <a:font script="Jpan" typeface="ＭＳ Ｐゴシック"/>
+        <a:font script="Hang" typeface="맑은 고딕"/>
+        <a:font script="Hans" typeface="宋体"/>
+        <a:font script="Hant" typeface="新細明體"/>
+        <a:font script="Arab" typeface="Arial"/>
+        <a:font script="Hebr" typeface="Arial"/>
+        <a:font script="Thai" typeface="Cordia New"/>
         <a:font script="Ethi" typeface="Nyala"/>
         <a:font script="Beng" typeface="Vrinda"/>
         <a:font script="Gujr" typeface="Shruti"/>
@@ -7783,25 +6253,32 @@
         <a:font script="Geor" typeface="Sylfaen"/>
       </a:minorFont>
     </a:fontScheme>
-    <a:fmtScheme name="スリップストリーム">
+    <a:fmtScheme name="Office">
       <a:fillStyleLst>
         <a:solidFill>
           <a:schemeClr val="phClr"/>
         </a:solidFill>
         <a:gradFill rotWithShape="1">
           <a:gsLst>
-            <a:gs pos="28000">
+            <a:gs pos="0">
               <a:schemeClr val="phClr">
-                <a:tint val="18000"/>
-                <a:satMod val="120000"/>
-                <a:lumMod val="88000"/>
+                <a:lumMod val="110000"/>
+                <a:satMod val="105000"/>
+                <a:tint val="67000"/>
+              </a:schemeClr>
+            </a:gs>
+            <a:gs pos="50000">
+              <a:schemeClr val="phClr">
+                <a:lumMod val="105000"/>
+                <a:satMod val="103000"/>
+                <a:tint val="73000"/>
               </a:schemeClr>
             </a:gs>
             <a:gs pos="100000">
               <a:schemeClr val="phClr">
-                <a:tint val="40000"/>
-                <a:satMod val="100000"/>
-                <a:lumMod val="78000"/>
+                <a:lumMod val="105000"/>
+                <a:satMod val="109000"/>
+                <a:tint val="81000"/>
               </a:schemeClr>
             </a:gs>
           </a:gsLst>
@@ -7811,14 +6288,23 @@
           <a:gsLst>
             <a:gs pos="0">
               <a:schemeClr val="phClr">
-                <a:lumMod val="95000"/>
+                <a:satMod val="103000"/>
+                <a:lumMod val="102000"/>
+                <a:tint val="94000"/>
+              </a:schemeClr>
+            </a:gs>
+            <a:gs pos="50000">
+              <a:schemeClr val="phClr">
+                <a:satMod val="110000"/>
+                <a:lumMod val="100000"/>
+                <a:shade val="100000"/>
               </a:schemeClr>
             </a:gs>
             <a:gs pos="100000">
               <a:schemeClr val="phClr">
-                <a:shade val="82000"/>
-                <a:satMod val="125000"/>
-                <a:lumMod val="74000"/>
+                <a:lumMod val="99000"/>
+                <a:satMod val="120000"/>
+                <a:shade val="78000"/>
               </a:schemeClr>
             </a:gs>
           </a:gsLst>
@@ -7826,149 +6312,92 @@
         </a:gradFill>
       </a:fillStyleLst>
       <a:lnStyleLst>
-        <a:ln w="9525" cap="flat" cmpd="sng" algn="ctr">
+        <a:ln w="6350" cap="flat" cmpd="sng" algn="ctr">
           <a:solidFill>
             <a:schemeClr val="phClr"/>
           </a:solidFill>
           <a:prstDash val="solid"/>
+          <a:miter lim="800000"/>
         </a:ln>
-        <a:ln w="15875" cap="flat" cmpd="sng" algn="ctr">
-          <a:solidFill>
-            <a:schemeClr val="phClr">
-              <a:shade val="75000"/>
-              <a:satMod val="125000"/>
-              <a:lumMod val="75000"/>
-            </a:schemeClr>
-          </a:solidFill>
-          <a:prstDash val="solid"/>
-        </a:ln>
-        <a:ln w="25400" cap="flat" cmpd="sng" algn="ctr">
+        <a:ln w="12700" cap="flat" cmpd="sng" algn="ctr">
           <a:solidFill>
             <a:schemeClr val="phClr"/>
           </a:solidFill>
           <a:prstDash val="solid"/>
+          <a:miter lim="800000"/>
+        </a:ln>
+        <a:ln w="19050" cap="flat" cmpd="sng" algn="ctr">
+          <a:solidFill>
+            <a:schemeClr val="phClr"/>
+          </a:solidFill>
+          <a:prstDash val="solid"/>
+          <a:miter lim="800000"/>
         </a:ln>
       </a:lnStyleLst>
       <a:effectStyleLst>
         <a:effectStyle>
+          <a:effectLst/>
+        </a:effectStyle>
+        <a:effectStyle>
+          <a:effectLst/>
+        </a:effectStyle>
+        <a:effectStyle>
           <a:effectLst>
-            <a:outerShdw blurRad="63500" dist="50800" dir="5400000" sx="98000" sy="98000" rotWithShape="0">
+            <a:outerShdw blurRad="57150" dist="19050" dir="5400000" algn="ctr" rotWithShape="0">
               <a:srgbClr val="000000">
-                <a:alpha val="20000"/>
+                <a:alpha val="63000"/>
               </a:srgbClr>
             </a:outerShdw>
           </a:effectLst>
-        </a:effectStyle>
-        <a:effectStyle>
-          <a:effectLst>
-            <a:outerShdw blurRad="40005" dist="22984" dir="5400000" rotWithShape="0">
-              <a:srgbClr val="000000">
-                <a:alpha val="45000"/>
-              </a:srgbClr>
-            </a:outerShdw>
-          </a:effectLst>
-          <a:scene3d>
-            <a:camera prst="orthographicFront">
-              <a:rot lat="0" lon="0" rev="0"/>
-            </a:camera>
-            <a:lightRig rig="balanced" dir="tr"/>
-          </a:scene3d>
-          <a:sp3d prstMaterial="matte">
-            <a:bevelT w="19050" h="38100"/>
-          </a:sp3d>
-        </a:effectStyle>
-        <a:effectStyle>
-          <a:effectLst>
-            <a:reflection blurRad="38100" stA="26000" endPos="23000" dist="25400" dir="5400000" sy="-100000" rotWithShape="0"/>
-          </a:effectLst>
-          <a:scene3d>
-            <a:camera prst="orthographicFront">
-              <a:rot lat="0" lon="0" rev="0"/>
-            </a:camera>
-            <a:lightRig rig="balanced" dir="tr"/>
-          </a:scene3d>
-          <a:sp3d contourW="14605" prstMaterial="plastic">
-            <a:bevelT w="50800"/>
-            <a:contourClr>
-              <a:schemeClr val="phClr">
-                <a:shade val="30000"/>
-                <a:satMod val="120000"/>
-              </a:schemeClr>
-            </a:contourClr>
-          </a:sp3d>
         </a:effectStyle>
       </a:effectStyleLst>
       <a:bgFillStyleLst>
         <a:solidFill>
           <a:schemeClr val="phClr"/>
         </a:solidFill>
+        <a:solidFill>
+          <a:schemeClr val="phClr">
+            <a:tint val="95000"/>
+            <a:satMod val="170000"/>
+          </a:schemeClr>
+        </a:solidFill>
         <a:gradFill rotWithShape="1">
           <a:gsLst>
             <a:gs pos="0">
               <a:schemeClr val="phClr">
-                <a:tint val="98000"/>
-                <a:shade val="90000"/>
-                <a:satMod val="160000"/>
-                <a:lumMod val="100000"/>
+                <a:tint val="93000"/>
+                <a:satMod val="150000"/>
+                <a:shade val="98000"/>
+                <a:lumMod val="102000"/>
               </a:schemeClr>
             </a:gs>
-            <a:gs pos="60000">
+            <a:gs pos="50000">
               <a:schemeClr val="phClr">
-                <a:tint val="95000"/>
-                <a:shade val="100000"/>
+                <a:tint val="98000"/>
                 <a:satMod val="130000"/>
-                <a:lumMod val="130000"/>
+                <a:shade val="90000"/>
+                <a:lumMod val="103000"/>
               </a:schemeClr>
             </a:gs>
             <a:gs pos="100000">
               <a:schemeClr val="phClr">
-                <a:tint val="97000"/>
-                <a:shade val="100000"/>
-                <a:hueMod val="100000"/>
-                <a:satMod val="140000"/>
-                <a:lumMod val="80000"/>
+                <a:shade val="63000"/>
+                <a:satMod val="120000"/>
               </a:schemeClr>
             </a:gs>
           </a:gsLst>
-          <a:path path="circle">
-            <a:fillToRect l="20000" t="10000" r="20000" b="60000"/>
-          </a:path>
-        </a:gradFill>
-        <a:gradFill rotWithShape="1">
-          <a:gsLst>
-            <a:gs pos="0">
-              <a:schemeClr val="phClr">
-                <a:tint val="94000"/>
-                <a:satMod val="160000"/>
-                <a:lumMod val="160000"/>
-              </a:schemeClr>
-            </a:gs>
-            <a:gs pos="42000">
-              <a:schemeClr val="phClr">
-                <a:tint val="94000"/>
-                <a:shade val="94000"/>
-                <a:satMod val="160000"/>
-                <a:lumMod val="130000"/>
-              </a:schemeClr>
-            </a:gs>
-            <a:gs pos="100000">
-              <a:schemeClr val="phClr">
-                <a:tint val="97000"/>
-                <a:shade val="94000"/>
-                <a:satMod val="180000"/>
-                <a:lumMod val="84000"/>
-              </a:schemeClr>
-            </a:gs>
-          </a:gsLst>
-          <a:path path="circle">
-            <a:fillToRect l="24000" t="44000" r="24000" b="12000"/>
-          </a:path>
+          <a:lin ang="5400000" scaled="0"/>
         </a:gradFill>
       </a:bgFillStyleLst>
     </a:fmtScheme>
   </a:themeElements>
   <a:objectDefaults/>
   <a:extraClrSchemeLst/>
+  <a:extLst>
+    <a:ext uri="{05A4C25C-085E-4340-85A3-A5531E510DB2}">
+      <thm15:themeFamily xmlns:thm15="http://schemas.microsoft.com/office/thememl/2012/main" name="Office Theme" id="{62F939B6-93AF-4DB8-9C6B-D6C7DFDC589F}" vid="{4A3C46E8-61CC-4603-A589-7422A47A8E4A}"/>
+    </a:ext>
+  </a:extLst>
 </a:theme>
 </file>
 
